--- a/Python_Datenanalyse.pptx
+++ b/Python_Datenanalyse.pptx
@@ -6,7 +6,7 @@
     <p:sldMasterId id="2147483668" r:id="rId2"/>
   </p:sldMasterIdLst>
   <p:notesMasterIdLst>
-    <p:notesMasterId r:id="rId23"/>
+    <p:notesMasterId r:id="rId31"/>
   </p:notesMasterIdLst>
   <p:sldIdLst>
     <p:sldId id="265" r:id="rId3"/>
@@ -14,21 +14,29 @@
     <p:sldId id="269" r:id="rId5"/>
     <p:sldId id="280" r:id="rId6"/>
     <p:sldId id="282" r:id="rId7"/>
-    <p:sldId id="273" r:id="rId8"/>
+    <p:sldId id="328" r:id="rId8"/>
     <p:sldId id="319" r:id="rId9"/>
     <p:sldId id="283" r:id="rId10"/>
     <p:sldId id="276" r:id="rId11"/>
     <p:sldId id="285" r:id="rId12"/>
     <p:sldId id="314" r:id="rId13"/>
     <p:sldId id="316" r:id="rId14"/>
-    <p:sldId id="277" r:id="rId15"/>
-    <p:sldId id="317" r:id="rId16"/>
-    <p:sldId id="284" r:id="rId17"/>
-    <p:sldId id="311" r:id="rId18"/>
-    <p:sldId id="312" r:id="rId19"/>
-    <p:sldId id="315" r:id="rId20"/>
-    <p:sldId id="318" r:id="rId21"/>
-    <p:sldId id="309" r:id="rId22"/>
+    <p:sldId id="329" r:id="rId15"/>
+    <p:sldId id="277" r:id="rId16"/>
+    <p:sldId id="317" r:id="rId17"/>
+    <p:sldId id="284" r:id="rId18"/>
+    <p:sldId id="311" r:id="rId19"/>
+    <p:sldId id="312" r:id="rId20"/>
+    <p:sldId id="315" r:id="rId21"/>
+    <p:sldId id="318" r:id="rId22"/>
+    <p:sldId id="309" r:id="rId23"/>
+    <p:sldId id="321" r:id="rId24"/>
+    <p:sldId id="330" r:id="rId25"/>
+    <p:sldId id="322" r:id="rId26"/>
+    <p:sldId id="323" r:id="rId27"/>
+    <p:sldId id="324" r:id="rId28"/>
+    <p:sldId id="326" r:id="rId29"/>
+    <p:sldId id="327" r:id="rId30"/>
   </p:sldIdLst>
   <p:sldSz cx="12192000" cy="6858000"/>
   <p:notesSz cx="6858000" cy="9144000"/>
@@ -137,13 +145,14 @@
             <p14:sldId id="269"/>
             <p14:sldId id="280"/>
             <p14:sldId id="282"/>
-            <p14:sldId id="273"/>
+            <p14:sldId id="328"/>
             <p14:sldId id="319"/>
             <p14:sldId id="283"/>
             <p14:sldId id="276"/>
             <p14:sldId id="285"/>
             <p14:sldId id="314"/>
             <p14:sldId id="316"/>
+            <p14:sldId id="329"/>
             <p14:sldId id="277"/>
             <p14:sldId id="317"/>
             <p14:sldId id="284"/>
@@ -152,6 +161,13 @@
             <p14:sldId id="315"/>
             <p14:sldId id="318"/>
             <p14:sldId id="309"/>
+            <p14:sldId id="321"/>
+            <p14:sldId id="330"/>
+            <p14:sldId id="322"/>
+            <p14:sldId id="323"/>
+            <p14:sldId id="324"/>
+            <p14:sldId id="326"/>
+            <p14:sldId id="327"/>
           </p14:sldIdLst>
         </p14:section>
       </p14:sectionLst>
@@ -245,7 +261,7 @@
           <a:p>
             <a:fld id="{2D83F089-0B23-4DFA-90CE-7EAA6BCB84F3}" type="datetimeFigureOut">
               <a:rPr lang="en-GB" smtClean="0"/>
-              <a:t>26/10/2024</a:t>
+              <a:t>11/05/2025</a:t>
             </a:fld>
             <a:endParaRPr lang="en-GB"/>
           </a:p>
@@ -859,187 +875,6 @@
           <a:bodyPr/>
           <a:lstStyle/>
           <a:p>
-            <a:pPr marL="0" indent="0">
-              <a:buClr>
-                <a:schemeClr val="tx1"/>
-              </a:buClr>
-              <a:buNone/>
-            </a:pPr>
-            <a:r>
-              <a:rPr lang="de-DE" dirty="0"/>
-              <a:t>Ihr entwickelt eines oder mehrere Projekte eurer Wahl </a:t>
-            </a:r>
-            <a:br>
-              <a:rPr lang="de-DE" dirty="0"/>
-            </a:br>
-            <a:endParaRPr lang="de-DE" dirty="0"/>
-          </a:p>
-          <a:p>
-            <a:pPr marL="0" indent="0">
-              <a:buClr>
-                <a:schemeClr val="tx1"/>
-              </a:buClr>
-              <a:buNone/>
-            </a:pPr>
-            <a:r>
-              <a:rPr lang="en-GB" b="1" dirty="0" err="1"/>
-              <a:t>Projekt</a:t>
-            </a:r>
-            <a:r>
-              <a:rPr lang="en-GB" b="1" dirty="0"/>
-              <a:t> 1: </a:t>
-            </a:r>
-            <a:r>
-              <a:rPr lang="en-GB" b="1" dirty="0" err="1"/>
-              <a:t>Interaktive</a:t>
-            </a:r>
-            <a:r>
-              <a:rPr lang="en-GB" b="1" dirty="0"/>
-              <a:t> </a:t>
-            </a:r>
-            <a:r>
-              <a:rPr lang="en-GB" b="1" dirty="0" err="1"/>
-              <a:t>Minispiele</a:t>
-            </a:r>
-            <a:endParaRPr lang="en-GB" b="1" dirty="0"/>
-          </a:p>
-          <a:p>
-            <a:r>
-              <a:rPr lang="en-GB" dirty="0" err="1"/>
-              <a:t>Galgenmännchen</a:t>
-            </a:r>
-            <a:r>
-              <a:rPr lang="en-GB" dirty="0"/>
-              <a:t>, Vier </a:t>
-            </a:r>
-            <a:r>
-              <a:rPr lang="en-GB" dirty="0" err="1"/>
-              <a:t>Gewinnt</a:t>
-            </a:r>
-            <a:r>
-              <a:rPr lang="en-GB" dirty="0"/>
-              <a:t> etc.</a:t>
-            </a:r>
-          </a:p>
-          <a:p>
-            <a:endParaRPr lang="en-GB" dirty="0"/>
-          </a:p>
-          <a:p>
-            <a:pPr marL="0" indent="0">
-              <a:buNone/>
-            </a:pPr>
-            <a:r>
-              <a:rPr lang="en-GB" b="1" dirty="0" err="1"/>
-              <a:t>Projekt</a:t>
-            </a:r>
-            <a:r>
-              <a:rPr lang="en-GB" b="1" dirty="0"/>
-              <a:t> 2: Trading Bot</a:t>
-            </a:r>
-          </a:p>
-          <a:p>
-            <a:r>
-              <a:rPr lang="en-GB" dirty="0" err="1"/>
-              <a:t>Ihr</a:t>
-            </a:r>
-            <a:r>
-              <a:rPr lang="en-GB" dirty="0"/>
-              <a:t> </a:t>
-            </a:r>
-            <a:r>
-              <a:rPr lang="en-GB" dirty="0" err="1"/>
-              <a:t>entwickelt</a:t>
-            </a:r>
-            <a:r>
-              <a:rPr lang="en-GB" dirty="0"/>
-              <a:t> </a:t>
-            </a:r>
-            <a:r>
-              <a:rPr lang="en-GB" dirty="0" err="1"/>
-              <a:t>einen</a:t>
-            </a:r>
-            <a:r>
-              <a:rPr lang="en-GB" dirty="0"/>
-              <a:t> </a:t>
-            </a:r>
-            <a:r>
-              <a:rPr lang="en-GB" dirty="0" err="1"/>
-              <a:t>Algorithmus</a:t>
-            </a:r>
-            <a:r>
-              <a:rPr lang="en-GB" dirty="0"/>
-              <a:t>, der </a:t>
-            </a:r>
-            <a:r>
-              <a:rPr lang="en-GB" dirty="0" err="1"/>
-              <a:t>Aktienkäufe</a:t>
-            </a:r>
-            <a:r>
-              <a:rPr lang="en-GB" dirty="0"/>
-              <a:t> und –</a:t>
-            </a:r>
-            <a:r>
-              <a:rPr lang="en-GB" dirty="0" err="1"/>
-              <a:t>verkäufe</a:t>
-            </a:r>
-            <a:r>
-              <a:rPr lang="en-GB" dirty="0"/>
-              <a:t> </a:t>
-            </a:r>
-            <a:r>
-              <a:rPr lang="en-GB" dirty="0" err="1"/>
-              <a:t>simuliert</a:t>
-            </a:r>
-            <a:endParaRPr lang="en-GB" dirty="0"/>
-          </a:p>
-          <a:p>
-            <a:r>
-              <a:rPr lang="en-GB" dirty="0" err="1"/>
-              <a:t>Ihr</a:t>
-            </a:r>
-            <a:r>
-              <a:rPr lang="en-GB" dirty="0"/>
-              <a:t> </a:t>
-            </a:r>
-            <a:r>
-              <a:rPr lang="en-GB" dirty="0" err="1"/>
-              <a:t>testet</a:t>
-            </a:r>
-            <a:r>
-              <a:rPr lang="en-GB" dirty="0"/>
-              <a:t> </a:t>
-            </a:r>
-            <a:r>
-              <a:rPr lang="en-GB" dirty="0" err="1"/>
-              <a:t>euren</a:t>
-            </a:r>
-            <a:r>
-              <a:rPr lang="en-GB" dirty="0"/>
-              <a:t> bot auf </a:t>
-            </a:r>
-            <a:r>
-              <a:rPr lang="en-GB" dirty="0" err="1"/>
-              <a:t>echten</a:t>
-            </a:r>
-            <a:r>
-              <a:rPr lang="en-GB" dirty="0"/>
-              <a:t> </a:t>
-            </a:r>
-            <a:r>
-              <a:rPr lang="en-GB" dirty="0" err="1"/>
-              <a:t>historischen</a:t>
-            </a:r>
-            <a:r>
-              <a:rPr lang="en-GB" dirty="0"/>
-              <a:t> </a:t>
-            </a:r>
-            <a:r>
-              <a:rPr lang="en-GB" dirty="0" err="1"/>
-              <a:t>Daten</a:t>
-            </a:r>
-            <a:endParaRPr lang="en-GB" dirty="0"/>
-          </a:p>
-          <a:p>
             <a:endParaRPr lang="en-GB" dirty="0"/>
           </a:p>
         </p:txBody>
@@ -1129,187 +964,6 @@
         <p:txBody>
           <a:bodyPr/>
           <a:lstStyle/>
-          <a:p>
-            <a:pPr marL="0" indent="0">
-              <a:buClr>
-                <a:schemeClr val="tx1"/>
-              </a:buClr>
-              <a:buNone/>
-            </a:pPr>
-            <a:r>
-              <a:rPr lang="de-DE" dirty="0"/>
-              <a:t>Ihr entwickelt eines oder mehrere Projekte eurer Wahl </a:t>
-            </a:r>
-            <a:br>
-              <a:rPr lang="de-DE" dirty="0"/>
-            </a:br>
-            <a:endParaRPr lang="de-DE" dirty="0"/>
-          </a:p>
-          <a:p>
-            <a:pPr marL="0" indent="0">
-              <a:buClr>
-                <a:schemeClr val="tx1"/>
-              </a:buClr>
-              <a:buNone/>
-            </a:pPr>
-            <a:r>
-              <a:rPr lang="en-GB" b="1" dirty="0" err="1"/>
-              <a:t>Projekt</a:t>
-            </a:r>
-            <a:r>
-              <a:rPr lang="en-GB" b="1" dirty="0"/>
-              <a:t> 1: </a:t>
-            </a:r>
-            <a:r>
-              <a:rPr lang="en-GB" b="1" dirty="0" err="1"/>
-              <a:t>Interaktive</a:t>
-            </a:r>
-            <a:r>
-              <a:rPr lang="en-GB" b="1" dirty="0"/>
-              <a:t> </a:t>
-            </a:r>
-            <a:r>
-              <a:rPr lang="en-GB" b="1" dirty="0" err="1"/>
-              <a:t>Minispiele</a:t>
-            </a:r>
-            <a:endParaRPr lang="en-GB" b="1" dirty="0"/>
-          </a:p>
-          <a:p>
-            <a:r>
-              <a:rPr lang="en-GB" dirty="0" err="1"/>
-              <a:t>Galgenmännchen</a:t>
-            </a:r>
-            <a:r>
-              <a:rPr lang="en-GB" dirty="0"/>
-              <a:t>, Vier </a:t>
-            </a:r>
-            <a:r>
-              <a:rPr lang="en-GB" dirty="0" err="1"/>
-              <a:t>Gewinnt</a:t>
-            </a:r>
-            <a:r>
-              <a:rPr lang="en-GB" dirty="0"/>
-              <a:t> etc.</a:t>
-            </a:r>
-          </a:p>
-          <a:p>
-            <a:endParaRPr lang="en-GB" dirty="0"/>
-          </a:p>
-          <a:p>
-            <a:pPr marL="0" indent="0">
-              <a:buNone/>
-            </a:pPr>
-            <a:r>
-              <a:rPr lang="en-GB" b="1" dirty="0" err="1"/>
-              <a:t>Projekt</a:t>
-            </a:r>
-            <a:r>
-              <a:rPr lang="en-GB" b="1" dirty="0"/>
-              <a:t> 2: Trading Bot</a:t>
-            </a:r>
-          </a:p>
-          <a:p>
-            <a:r>
-              <a:rPr lang="en-GB" dirty="0" err="1"/>
-              <a:t>Ihr</a:t>
-            </a:r>
-            <a:r>
-              <a:rPr lang="en-GB" dirty="0"/>
-              <a:t> </a:t>
-            </a:r>
-            <a:r>
-              <a:rPr lang="en-GB" dirty="0" err="1"/>
-              <a:t>entwickelt</a:t>
-            </a:r>
-            <a:r>
-              <a:rPr lang="en-GB" dirty="0"/>
-              <a:t> </a:t>
-            </a:r>
-            <a:r>
-              <a:rPr lang="en-GB" dirty="0" err="1"/>
-              <a:t>einen</a:t>
-            </a:r>
-            <a:r>
-              <a:rPr lang="en-GB" dirty="0"/>
-              <a:t> </a:t>
-            </a:r>
-            <a:r>
-              <a:rPr lang="en-GB" dirty="0" err="1"/>
-              <a:t>Algorithmus</a:t>
-            </a:r>
-            <a:r>
-              <a:rPr lang="en-GB" dirty="0"/>
-              <a:t>, der </a:t>
-            </a:r>
-            <a:r>
-              <a:rPr lang="en-GB" dirty="0" err="1"/>
-              <a:t>Aktienkäufe</a:t>
-            </a:r>
-            <a:r>
-              <a:rPr lang="en-GB" dirty="0"/>
-              <a:t> und –</a:t>
-            </a:r>
-            <a:r>
-              <a:rPr lang="en-GB" dirty="0" err="1"/>
-              <a:t>verkäufe</a:t>
-            </a:r>
-            <a:r>
-              <a:rPr lang="en-GB" dirty="0"/>
-              <a:t> </a:t>
-            </a:r>
-            <a:r>
-              <a:rPr lang="en-GB" dirty="0" err="1"/>
-              <a:t>simuliert</a:t>
-            </a:r>
-            <a:endParaRPr lang="en-GB" dirty="0"/>
-          </a:p>
-          <a:p>
-            <a:r>
-              <a:rPr lang="en-GB" dirty="0" err="1"/>
-              <a:t>Ihr</a:t>
-            </a:r>
-            <a:r>
-              <a:rPr lang="en-GB" dirty="0"/>
-              <a:t> </a:t>
-            </a:r>
-            <a:r>
-              <a:rPr lang="en-GB" dirty="0" err="1"/>
-              <a:t>testet</a:t>
-            </a:r>
-            <a:r>
-              <a:rPr lang="en-GB" dirty="0"/>
-              <a:t> </a:t>
-            </a:r>
-            <a:r>
-              <a:rPr lang="en-GB" dirty="0" err="1"/>
-              <a:t>euren</a:t>
-            </a:r>
-            <a:r>
-              <a:rPr lang="en-GB" dirty="0"/>
-              <a:t> bot auf </a:t>
-            </a:r>
-            <a:r>
-              <a:rPr lang="en-GB" dirty="0" err="1"/>
-              <a:t>echten</a:t>
-            </a:r>
-            <a:r>
-              <a:rPr lang="en-GB" dirty="0"/>
-              <a:t> </a:t>
-            </a:r>
-            <a:r>
-              <a:rPr lang="en-GB" dirty="0" err="1"/>
-              <a:t>historischen</a:t>
-            </a:r>
-            <a:r>
-              <a:rPr lang="en-GB" dirty="0"/>
-              <a:t> </a:t>
-            </a:r>
-            <a:r>
-              <a:rPr lang="en-GB" dirty="0" err="1"/>
-              <a:t>Daten</a:t>
-            </a:r>
-            <a:endParaRPr lang="en-GB" dirty="0"/>
-          </a:p>
           <a:p>
             <a:endParaRPr lang="en-GB" dirty="0"/>
           </a:p>
@@ -12424,13 +12078,13 @@
         </p:nvSpPr>
         <p:spPr>
           <a:xfrm>
-            <a:off x="451514" y="2642388"/>
-            <a:ext cx="10840374" cy="1573224"/>
+            <a:off x="451514" y="2067339"/>
+            <a:ext cx="10840374" cy="2997642"/>
           </a:xfrm>
         </p:spPr>
         <p:txBody>
           <a:bodyPr>
-            <a:normAutofit lnSpcReduction="10000"/>
+            <a:normAutofit/>
           </a:bodyPr>
           <a:lstStyle/>
           <a:p>
@@ -12439,30 +12093,47 @@
             </a:pPr>
             <a:r>
               <a:rPr lang="de-DE" dirty="0"/>
-              <a:t>„Man lernt die Sprache des Computers </a:t>
-            </a:r>
-            <a:br>
-              <a:rPr lang="de-DE" dirty="0"/>
-            </a:br>
-            <a:r>
-              <a:rPr lang="de-DE" dirty="0"/>
-              <a:t>und trickst ihn dann aus, </a:t>
-            </a:r>
-            <a:br>
-              <a:rPr lang="de-DE" dirty="0"/>
-            </a:br>
-            <a:r>
-              <a:rPr lang="de-DE" dirty="0"/>
-              <a:t>das zu tun, was man möchte.“</a:t>
+              <a:t>Python ist eine Sprache. </a:t>
             </a:r>
           </a:p>
           <a:p>
             <a:pPr marL="0" indent="0" algn="ctr">
               <a:buNone/>
             </a:pPr>
+            <a:endParaRPr lang="de-DE" dirty="0"/>
+          </a:p>
+          <a:p>
+            <a:pPr marL="0" indent="0" algn="ctr">
+              <a:buNone/>
+            </a:pPr>
             <a:r>
               <a:rPr lang="de-DE" dirty="0"/>
-              <a:t> – Mein Bruder</a:t>
+              <a:t>Wir lernen die </a:t>
+            </a:r>
+            <a:r>
+              <a:rPr lang="de-DE" b="1" dirty="0"/>
+              <a:t>Vokabeln</a:t>
+            </a:r>
+            <a:r>
+              <a:rPr lang="de-DE" dirty="0"/>
+              <a:t> und </a:t>
+            </a:r>
+            <a:r>
+              <a:rPr lang="de-DE" b="1" dirty="0"/>
+              <a:t>Grammatik</a:t>
+            </a:r>
+            <a:r>
+              <a:rPr lang="de-DE" dirty="0"/>
+              <a:t>,</a:t>
+            </a:r>
+          </a:p>
+          <a:p>
+            <a:pPr marL="0" indent="0" algn="ctr">
+              <a:buNone/>
+            </a:pPr>
+            <a:r>
+              <a:rPr lang="de-DE" dirty="0"/>
+              <a:t>um in Python mit einem Computer sprechen zu können.</a:t>
             </a:r>
           </a:p>
         </p:txBody>
@@ -12520,7 +12191,7 @@
           <a:p>
             <a:r>
               <a:rPr lang="de-DE" dirty="0"/>
-              <a:t>Sprachbestandteile</a:t>
+              <a:t>Vokabeln</a:t>
             </a:r>
           </a:p>
         </p:txBody>
@@ -12809,7 +12480,13 @@
   <p:cSld>
     <p:spTree>
       <p:nvGrpSpPr>
-        <p:cNvPr id="1" name=""/>
+        <p:cNvPr id="1" name="">
+          <a:extLst>
+            <a:ext uri="{FF2B5EF4-FFF2-40B4-BE49-F238E27FC236}">
+              <a16:creationId xmlns:a16="http://schemas.microsoft.com/office/drawing/2014/main" id="{1EC8703E-65F0-E15E-2C40-1C16ADB25B65}"/>
+            </a:ext>
+          </a:extLst>
+        </p:cNvPr>
         <p:cNvGrpSpPr/>
         <p:nvPr/>
       </p:nvGrpSpPr>
@@ -12826,7 +12503,7 @@
           <p:cNvPr id="2" name="Title 1">
             <a:extLst>
               <a:ext uri="{FF2B5EF4-FFF2-40B4-BE49-F238E27FC236}">
-                <a16:creationId xmlns:a16="http://schemas.microsoft.com/office/drawing/2014/main" id="{A0093BF7-1C14-B8AD-7F77-E8F5EE410BCA}"/>
+                <a16:creationId xmlns:a16="http://schemas.microsoft.com/office/drawing/2014/main" id="{C941FB00-D424-CAD3-ECEC-7F6DF2F3396A}"/>
               </a:ext>
             </a:extLst>
           </p:cNvPr>
@@ -12844,47 +12521,17 @@
           <a:p>
             <a:r>
               <a:rPr lang="de-DE" dirty="0"/>
-              <a:t>Warum Python</a:t>
-            </a:r>
-            <a:endParaRPr lang="en-GB" dirty="0"/>
-          </a:p>
-        </p:txBody>
-      </p:sp>
-      <p:sp>
-        <p:nvSpPr>
-          <p:cNvPr id="3" name="Text Placeholder 2">
-            <a:extLst>
-              <a:ext uri="{FF2B5EF4-FFF2-40B4-BE49-F238E27FC236}">
-                <a16:creationId xmlns:a16="http://schemas.microsoft.com/office/drawing/2014/main" id="{72EA4740-FD9D-9532-171D-35484B3CE5BD}"/>
-              </a:ext>
-            </a:extLst>
-          </p:cNvPr>
-          <p:cNvSpPr>
-            <a:spLocks noGrp="1"/>
-          </p:cNvSpPr>
-          <p:nvPr>
-            <p:ph type="body" idx="1"/>
-          </p:nvPr>
-        </p:nvSpPr>
-        <p:spPr/>
-        <p:txBody>
-          <a:bodyPr/>
-          <a:lstStyle/>
-          <a:p>
-            <a:r>
-              <a:rPr lang="de-DE" dirty="0"/>
-              <a:t>Kapitel 1</a:t>
-            </a:r>
-            <a:endParaRPr lang="en-GB" dirty="0"/>
-          </a:p>
-        </p:txBody>
-      </p:sp>
-      <p:sp>
-        <p:nvSpPr>
-          <p:cNvPr id="4" name="Footer Placeholder 3">
-            <a:extLst>
-              <a:ext uri="{FF2B5EF4-FFF2-40B4-BE49-F238E27FC236}">
-                <a16:creationId xmlns:a16="http://schemas.microsoft.com/office/drawing/2014/main" id="{41365EDB-067E-8FCE-C1A5-CD957346FAC1}"/>
+              <a:t>Grammatik</a:t>
+            </a:r>
+          </a:p>
+        </p:txBody>
+      </p:sp>
+      <p:sp>
+        <p:nvSpPr>
+          <p:cNvPr id="3" name="Footer Placeholder 2">
+            <a:extLst>
+              <a:ext uri="{FF2B5EF4-FFF2-40B4-BE49-F238E27FC236}">
+                <a16:creationId xmlns:a16="http://schemas.microsoft.com/office/drawing/2014/main" id="{C5712D8B-AD63-1EBA-C466-E04EE8E83468}"/>
               </a:ext>
             </a:extLst>
           </p:cNvPr>
@@ -12908,10 +12555,401 @@
           </a:p>
         </p:txBody>
       </p:sp>
+      <p:pic>
+        <p:nvPicPr>
+          <p:cNvPr id="12" name="Picture 11">
+            <a:extLst>
+              <a:ext uri="{FF2B5EF4-FFF2-40B4-BE49-F238E27FC236}">
+                <a16:creationId xmlns:a16="http://schemas.microsoft.com/office/drawing/2014/main" id="{7F0446EB-4A8C-B365-776C-EBEC7CAB8B13}"/>
+              </a:ext>
+            </a:extLst>
+          </p:cNvPr>
+          <p:cNvPicPr>
+            <a:picLocks noChangeAspect="1"/>
+          </p:cNvPicPr>
+          <p:nvPr/>
+        </p:nvPicPr>
+        <p:blipFill>
+          <a:blip r:embed="rId2"/>
+          <a:stretch>
+            <a:fillRect/>
+          </a:stretch>
+        </p:blipFill>
+        <p:spPr>
+          <a:xfrm>
+            <a:off x="1038225" y="1085850"/>
+            <a:ext cx="10115550" cy="4686300"/>
+          </a:xfrm>
+          <a:prstGeom prst="rect">
+            <a:avLst/>
+          </a:prstGeom>
+        </p:spPr>
+      </p:pic>
+      <p:cxnSp>
+        <p:nvCxnSpPr>
+          <p:cNvPr id="14" name="Straight Arrow Connector 13">
+            <a:extLst>
+              <a:ext uri="{FF2B5EF4-FFF2-40B4-BE49-F238E27FC236}">
+                <a16:creationId xmlns:a16="http://schemas.microsoft.com/office/drawing/2014/main" id="{5B4CA36E-8EC4-A9B0-B26B-AFE6D561FA6C}"/>
+              </a:ext>
+            </a:extLst>
+          </p:cNvPr>
+          <p:cNvCxnSpPr>
+            <a:cxnSpLocks/>
+          </p:cNvCxnSpPr>
+          <p:nvPr/>
+        </p:nvCxnSpPr>
+        <p:spPr>
+          <a:xfrm flipV="1">
+            <a:off x="1948070" y="4101594"/>
+            <a:ext cx="954156" cy="438601"/>
+          </a:xfrm>
+          <a:prstGeom prst="straightConnector1">
+            <a:avLst/>
+          </a:prstGeom>
+          <a:ln w="57150">
+            <a:solidFill>
+              <a:schemeClr val="tx1"/>
+            </a:solidFill>
+            <a:tailEnd type="triangle"/>
+          </a:ln>
+        </p:spPr>
+        <p:style>
+          <a:lnRef idx="1">
+            <a:schemeClr val="accent1"/>
+          </a:lnRef>
+          <a:fillRef idx="0">
+            <a:schemeClr val="accent1"/>
+          </a:fillRef>
+          <a:effectRef idx="0">
+            <a:schemeClr val="accent1"/>
+          </a:effectRef>
+          <a:fontRef idx="minor">
+            <a:schemeClr val="tx1"/>
+          </a:fontRef>
+        </p:style>
+      </p:cxnSp>
+      <p:sp>
+        <p:nvSpPr>
+          <p:cNvPr id="15" name="TextBox 14">
+            <a:extLst>
+              <a:ext uri="{FF2B5EF4-FFF2-40B4-BE49-F238E27FC236}">
+                <a16:creationId xmlns:a16="http://schemas.microsoft.com/office/drawing/2014/main" id="{97AB5CCA-67F1-2E10-295D-3D98E4CC3868}"/>
+              </a:ext>
+            </a:extLst>
+          </p:cNvPr>
+          <p:cNvSpPr txBox="1"/>
+          <p:nvPr/>
+        </p:nvSpPr>
+        <p:spPr>
+          <a:xfrm>
+            <a:off x="565960" y="4466847"/>
+            <a:ext cx="1382110" cy="369332"/>
+          </a:xfrm>
+          <a:prstGeom prst="rect">
+            <a:avLst/>
+          </a:prstGeom>
+          <a:noFill/>
+        </p:spPr>
+        <p:txBody>
+          <a:bodyPr wrap="none" rtlCol="0">
+            <a:spAutoFit/>
+          </a:bodyPr>
+          <a:lstStyle/>
+          <a:p>
+            <a:r>
+              <a:rPr lang="de-DE" dirty="0"/>
+              <a:t>eingerückt</a:t>
+            </a:r>
+          </a:p>
+        </p:txBody>
+      </p:sp>
+      <p:sp>
+        <p:nvSpPr>
+          <p:cNvPr id="17" name="TextBox 16">
+            <a:extLst>
+              <a:ext uri="{FF2B5EF4-FFF2-40B4-BE49-F238E27FC236}">
+                <a16:creationId xmlns:a16="http://schemas.microsoft.com/office/drawing/2014/main" id="{AD050A4F-8B38-8BC8-59CD-B7D2539EB54B}"/>
+              </a:ext>
+            </a:extLst>
+          </p:cNvPr>
+          <p:cNvSpPr txBox="1"/>
+          <p:nvPr/>
+        </p:nvSpPr>
+        <p:spPr>
+          <a:xfrm>
+            <a:off x="565960" y="3575081"/>
+            <a:ext cx="1337226" cy="369332"/>
+          </a:xfrm>
+          <a:prstGeom prst="rect">
+            <a:avLst/>
+          </a:prstGeom>
+          <a:noFill/>
+        </p:spPr>
+        <p:txBody>
+          <a:bodyPr wrap="none" rtlCol="0">
+            <a:spAutoFit/>
+          </a:bodyPr>
+          <a:lstStyle/>
+          <a:p>
+            <a:r>
+              <a:rPr lang="de-DE" dirty="0"/>
+              <a:t>neue Zeile</a:t>
+            </a:r>
+          </a:p>
+        </p:txBody>
+      </p:sp>
+      <p:cxnSp>
+        <p:nvCxnSpPr>
+          <p:cNvPr id="18" name="Straight Arrow Connector 17">
+            <a:extLst>
+              <a:ext uri="{FF2B5EF4-FFF2-40B4-BE49-F238E27FC236}">
+                <a16:creationId xmlns:a16="http://schemas.microsoft.com/office/drawing/2014/main" id="{092850A6-6DBE-E920-0F68-F90079AD3D8F}"/>
+              </a:ext>
+            </a:extLst>
+          </p:cNvPr>
+          <p:cNvCxnSpPr>
+            <a:cxnSpLocks/>
+          </p:cNvCxnSpPr>
+          <p:nvPr/>
+        </p:nvCxnSpPr>
+        <p:spPr>
+          <a:xfrm>
+            <a:off x="1903186" y="3759747"/>
+            <a:ext cx="999040" cy="157181"/>
+          </a:xfrm>
+          <a:prstGeom prst="straightConnector1">
+            <a:avLst/>
+          </a:prstGeom>
+          <a:ln w="57150">
+            <a:solidFill>
+              <a:schemeClr val="tx1"/>
+            </a:solidFill>
+            <a:tailEnd type="triangle"/>
+          </a:ln>
+        </p:spPr>
+        <p:style>
+          <a:lnRef idx="1">
+            <a:schemeClr val="accent1"/>
+          </a:lnRef>
+          <a:fillRef idx="0">
+            <a:schemeClr val="accent1"/>
+          </a:fillRef>
+          <a:effectRef idx="0">
+            <a:schemeClr val="accent1"/>
+          </a:effectRef>
+          <a:fontRef idx="minor">
+            <a:schemeClr val="tx1"/>
+          </a:fontRef>
+        </p:style>
+      </p:cxnSp>
+      <p:sp>
+        <p:nvSpPr>
+          <p:cNvPr id="22" name="TextBox 21">
+            <a:extLst>
+              <a:ext uri="{FF2B5EF4-FFF2-40B4-BE49-F238E27FC236}">
+                <a16:creationId xmlns:a16="http://schemas.microsoft.com/office/drawing/2014/main" id="{EF2E68CF-B7CB-0B8C-A9D1-FBF0F4547C5A}"/>
+              </a:ext>
+            </a:extLst>
+          </p:cNvPr>
+          <p:cNvSpPr txBox="1"/>
+          <p:nvPr/>
+        </p:nvSpPr>
+        <p:spPr>
+          <a:xfrm>
+            <a:off x="5737513" y="5009829"/>
+            <a:ext cx="2324675" cy="369332"/>
+          </a:xfrm>
+          <a:prstGeom prst="rect">
+            <a:avLst/>
+          </a:prstGeom>
+          <a:noFill/>
+        </p:spPr>
+        <p:txBody>
+          <a:bodyPr wrap="none" rtlCol="0">
+            <a:spAutoFit/>
+          </a:bodyPr>
+          <a:lstStyle/>
+          <a:p>
+            <a:r>
+              <a:rPr lang="de-DE" dirty="0"/>
+              <a:t>Anführungszeichen</a:t>
+            </a:r>
+          </a:p>
+        </p:txBody>
+      </p:sp>
+      <p:cxnSp>
+        <p:nvCxnSpPr>
+          <p:cNvPr id="23" name="Straight Arrow Connector 22">
+            <a:extLst>
+              <a:ext uri="{FF2B5EF4-FFF2-40B4-BE49-F238E27FC236}">
+                <a16:creationId xmlns:a16="http://schemas.microsoft.com/office/drawing/2014/main" id="{973D9452-F52F-54BF-F3F9-3E99A3647905}"/>
+              </a:ext>
+            </a:extLst>
+          </p:cNvPr>
+          <p:cNvCxnSpPr>
+            <a:cxnSpLocks/>
+            <a:stCxn id="22" idx="1"/>
+          </p:cNvCxnSpPr>
+          <p:nvPr/>
+        </p:nvCxnSpPr>
+        <p:spPr>
+          <a:xfrm flipH="1" flipV="1">
+            <a:off x="4556097" y="4320894"/>
+            <a:ext cx="1181416" cy="873601"/>
+          </a:xfrm>
+          <a:prstGeom prst="straightConnector1">
+            <a:avLst/>
+          </a:prstGeom>
+          <a:ln w="57150">
+            <a:solidFill>
+              <a:schemeClr val="tx1"/>
+            </a:solidFill>
+            <a:tailEnd type="triangle"/>
+          </a:ln>
+        </p:spPr>
+        <p:style>
+          <a:lnRef idx="1">
+            <a:schemeClr val="accent1"/>
+          </a:lnRef>
+          <a:fillRef idx="0">
+            <a:schemeClr val="accent1"/>
+          </a:fillRef>
+          <a:effectRef idx="0">
+            <a:schemeClr val="accent1"/>
+          </a:effectRef>
+          <a:fontRef idx="minor">
+            <a:schemeClr val="tx1"/>
+          </a:fontRef>
+        </p:style>
+      </p:cxnSp>
+      <p:cxnSp>
+        <p:nvCxnSpPr>
+          <p:cNvPr id="27" name="Straight Arrow Connector 26">
+            <a:extLst>
+              <a:ext uri="{FF2B5EF4-FFF2-40B4-BE49-F238E27FC236}">
+                <a16:creationId xmlns:a16="http://schemas.microsoft.com/office/drawing/2014/main" id="{7C36C115-355C-1F31-597F-4E36B919D88B}"/>
+              </a:ext>
+            </a:extLst>
+          </p:cNvPr>
+          <p:cNvCxnSpPr>
+            <a:cxnSpLocks/>
+          </p:cNvCxnSpPr>
+          <p:nvPr/>
+        </p:nvCxnSpPr>
+        <p:spPr>
+          <a:xfrm flipV="1">
+            <a:off x="8062188" y="4292010"/>
+            <a:ext cx="1606598" cy="902485"/>
+          </a:xfrm>
+          <a:prstGeom prst="straightConnector1">
+            <a:avLst/>
+          </a:prstGeom>
+          <a:ln w="57150">
+            <a:solidFill>
+              <a:schemeClr val="tx1"/>
+            </a:solidFill>
+            <a:tailEnd type="triangle"/>
+          </a:ln>
+        </p:spPr>
+        <p:style>
+          <a:lnRef idx="1">
+            <a:schemeClr val="accent1"/>
+          </a:lnRef>
+          <a:fillRef idx="0">
+            <a:schemeClr val="accent1"/>
+          </a:fillRef>
+          <a:effectRef idx="0">
+            <a:schemeClr val="accent1"/>
+          </a:effectRef>
+          <a:fontRef idx="minor">
+            <a:schemeClr val="tx1"/>
+          </a:fontRef>
+        </p:style>
+      </p:cxnSp>
+      <p:sp>
+        <p:nvSpPr>
+          <p:cNvPr id="32" name="TextBox 31">
+            <a:extLst>
+              <a:ext uri="{FF2B5EF4-FFF2-40B4-BE49-F238E27FC236}">
+                <a16:creationId xmlns:a16="http://schemas.microsoft.com/office/drawing/2014/main" id="{135EC0CF-AFB3-8648-56D2-4EFFB5A2B425}"/>
+              </a:ext>
+            </a:extLst>
+          </p:cNvPr>
+          <p:cNvSpPr txBox="1"/>
+          <p:nvPr/>
+        </p:nvSpPr>
+        <p:spPr>
+          <a:xfrm>
+            <a:off x="6207965" y="1686968"/>
+            <a:ext cx="1651414" cy="369332"/>
+          </a:xfrm>
+          <a:prstGeom prst="rect">
+            <a:avLst/>
+          </a:prstGeom>
+          <a:noFill/>
+        </p:spPr>
+        <p:txBody>
+          <a:bodyPr wrap="none" rtlCol="0">
+            <a:spAutoFit/>
+          </a:bodyPr>
+          <a:lstStyle/>
+          <a:p>
+            <a:r>
+              <a:rPr lang="de-DE" dirty="0"/>
+              <a:t>Doppelpunkt</a:t>
+            </a:r>
+          </a:p>
+        </p:txBody>
+      </p:sp>
+      <p:cxnSp>
+        <p:nvCxnSpPr>
+          <p:cNvPr id="33" name="Straight Arrow Connector 32">
+            <a:extLst>
+              <a:ext uri="{FF2B5EF4-FFF2-40B4-BE49-F238E27FC236}">
+                <a16:creationId xmlns:a16="http://schemas.microsoft.com/office/drawing/2014/main" id="{B97722E8-EE0C-AB76-7B8C-37776269C586}"/>
+              </a:ext>
+            </a:extLst>
+          </p:cNvPr>
+          <p:cNvCxnSpPr>
+            <a:cxnSpLocks/>
+          </p:cNvCxnSpPr>
+          <p:nvPr/>
+        </p:nvCxnSpPr>
+        <p:spPr>
+          <a:xfrm flipH="1">
+            <a:off x="5737513" y="2106573"/>
+            <a:ext cx="885924" cy="1121657"/>
+          </a:xfrm>
+          <a:prstGeom prst="straightConnector1">
+            <a:avLst/>
+          </a:prstGeom>
+          <a:ln w="57150">
+            <a:solidFill>
+              <a:schemeClr val="tx1"/>
+            </a:solidFill>
+            <a:tailEnd type="triangle"/>
+          </a:ln>
+        </p:spPr>
+        <p:style>
+          <a:lnRef idx="1">
+            <a:schemeClr val="accent1"/>
+          </a:lnRef>
+          <a:fillRef idx="0">
+            <a:schemeClr val="accent1"/>
+          </a:fillRef>
+          <a:effectRef idx="0">
+            <a:schemeClr val="accent1"/>
+          </a:effectRef>
+          <a:fontRef idx="minor">
+            <a:schemeClr val="tx1"/>
+          </a:fontRef>
+        </p:style>
+      </p:cxnSp>
     </p:spTree>
     <p:extLst>
       <p:ext uri="{BB962C8B-B14F-4D97-AF65-F5344CB8AC3E}">
-        <p14:creationId xmlns:p14="http://schemas.microsoft.com/office/powerpoint/2010/main" val="1905945273"/>
+        <p14:creationId xmlns:p14="http://schemas.microsoft.com/office/powerpoint/2010/main" val="1652199614"/>
       </p:ext>
     </p:extLst>
   </p:cSld>
@@ -12943,6 +12981,123 @@
           <p:cNvPr id="2" name="Title 1">
             <a:extLst>
               <a:ext uri="{FF2B5EF4-FFF2-40B4-BE49-F238E27FC236}">
+                <a16:creationId xmlns:a16="http://schemas.microsoft.com/office/drawing/2014/main" id="{A0093BF7-1C14-B8AD-7F77-E8F5EE410BCA}"/>
+              </a:ext>
+            </a:extLst>
+          </p:cNvPr>
+          <p:cNvSpPr>
+            <a:spLocks noGrp="1"/>
+          </p:cNvSpPr>
+          <p:nvPr>
+            <p:ph type="title"/>
+          </p:nvPr>
+        </p:nvSpPr>
+        <p:spPr/>
+        <p:txBody>
+          <a:bodyPr/>
+          <a:lstStyle/>
+          <a:p>
+            <a:r>
+              <a:rPr lang="de-DE" dirty="0"/>
+              <a:t>Warum Python</a:t>
+            </a:r>
+            <a:endParaRPr lang="en-GB" dirty="0"/>
+          </a:p>
+        </p:txBody>
+      </p:sp>
+      <p:sp>
+        <p:nvSpPr>
+          <p:cNvPr id="3" name="Text Placeholder 2">
+            <a:extLst>
+              <a:ext uri="{FF2B5EF4-FFF2-40B4-BE49-F238E27FC236}">
+                <a16:creationId xmlns:a16="http://schemas.microsoft.com/office/drawing/2014/main" id="{72EA4740-FD9D-9532-171D-35484B3CE5BD}"/>
+              </a:ext>
+            </a:extLst>
+          </p:cNvPr>
+          <p:cNvSpPr>
+            <a:spLocks noGrp="1"/>
+          </p:cNvSpPr>
+          <p:nvPr>
+            <p:ph type="body" idx="1"/>
+          </p:nvPr>
+        </p:nvSpPr>
+        <p:spPr/>
+        <p:txBody>
+          <a:bodyPr/>
+          <a:lstStyle/>
+          <a:p>
+            <a:r>
+              <a:rPr lang="de-DE" dirty="0"/>
+              <a:t>Kapitel 1</a:t>
+            </a:r>
+            <a:endParaRPr lang="en-GB" dirty="0"/>
+          </a:p>
+        </p:txBody>
+      </p:sp>
+      <p:sp>
+        <p:nvSpPr>
+          <p:cNvPr id="4" name="Footer Placeholder 3">
+            <a:extLst>
+              <a:ext uri="{FF2B5EF4-FFF2-40B4-BE49-F238E27FC236}">
+                <a16:creationId xmlns:a16="http://schemas.microsoft.com/office/drawing/2014/main" id="{41365EDB-067E-8FCE-C1A5-CD957346FAC1}"/>
+              </a:ext>
+            </a:extLst>
+          </p:cNvPr>
+          <p:cNvSpPr>
+            <a:spLocks noGrp="1"/>
+          </p:cNvSpPr>
+          <p:nvPr>
+            <p:ph type="ftr" sz="quarter" idx="11"/>
+          </p:nvPr>
+        </p:nvSpPr>
+        <p:spPr/>
+        <p:txBody>
+          <a:bodyPr/>
+          <a:lstStyle/>
+          <a:p>
+            <a:r>
+              <a:rPr lang="en-US"/>
+              <a:t>Elliot Kovanda – Data Scientist</a:t>
+            </a:r>
+            <a:endParaRPr lang="en-US" dirty="0"/>
+          </a:p>
+        </p:txBody>
+      </p:sp>
+    </p:spTree>
+    <p:extLst>
+      <p:ext uri="{BB962C8B-B14F-4D97-AF65-F5344CB8AC3E}">
+        <p14:creationId xmlns:p14="http://schemas.microsoft.com/office/powerpoint/2010/main" val="1905945273"/>
+      </p:ext>
+    </p:extLst>
+  </p:cSld>
+  <p:clrMapOvr>
+    <a:masterClrMapping/>
+  </p:clrMapOvr>
+</p:sld>
+</file>
+
+<file path=ppt/slides/slide15.xml><?xml version="1.0" encoding="utf-8"?>
+<p:sld xmlns:a="http://schemas.openxmlformats.org/drawingml/2006/main" xmlns:r="http://schemas.openxmlformats.org/officeDocument/2006/relationships" xmlns:p="http://schemas.openxmlformats.org/presentationml/2006/main">
+  <p:cSld>
+    <p:spTree>
+      <p:nvGrpSpPr>
+        <p:cNvPr id="1" name=""/>
+        <p:cNvGrpSpPr/>
+        <p:nvPr/>
+      </p:nvGrpSpPr>
+      <p:grpSpPr>
+        <a:xfrm>
+          <a:off x="0" y="0"/>
+          <a:ext cx="0" cy="0"/>
+          <a:chOff x="0" y="0"/>
+          <a:chExt cx="0" cy="0"/>
+        </a:xfrm>
+      </p:grpSpPr>
+      <p:sp>
+        <p:nvSpPr>
+          <p:cNvPr id="2" name="Title 1">
+            <a:extLst>
+              <a:ext uri="{FF2B5EF4-FFF2-40B4-BE49-F238E27FC236}">
                 <a16:creationId xmlns:a16="http://schemas.microsoft.com/office/drawing/2014/main" id="{C688DECB-9873-0FD1-D457-3DC57D1C22CE}"/>
               </a:ext>
             </a:extLst>
@@ -13073,7 +13228,7 @@
 </p:sld>
 </file>
 
-<file path=ppt/slides/slide15.xml><?xml version="1.0" encoding="utf-8"?>
+<file path=ppt/slides/slide16.xml><?xml version="1.0" encoding="utf-8"?>
 <p:sld xmlns:a="http://schemas.openxmlformats.org/drawingml/2006/main" xmlns:r="http://schemas.openxmlformats.org/officeDocument/2006/relationships" xmlns:p="http://schemas.openxmlformats.org/presentationml/2006/main">
   <p:cSld>
     <p:spTree>
@@ -13511,7 +13666,7 @@
 </p:sld>
 </file>
 
-<file path=ppt/slides/slide16.xml><?xml version="1.0" encoding="utf-8"?>
+<file path=ppt/slides/slide17.xml><?xml version="1.0" encoding="utf-8"?>
 <p:sld xmlns:a="http://schemas.openxmlformats.org/drawingml/2006/main" xmlns:r="http://schemas.openxmlformats.org/officeDocument/2006/relationships" xmlns:p="http://schemas.openxmlformats.org/presentationml/2006/main">
   <p:cSld>
     <p:spTree>
@@ -13628,7 +13783,7 @@
 </p:sld>
 </file>
 
-<file path=ppt/slides/slide17.xml><?xml version="1.0" encoding="utf-8"?>
+<file path=ppt/slides/slide18.xml><?xml version="1.0" encoding="utf-8"?>
 <p:sld xmlns:a="http://schemas.openxmlformats.org/drawingml/2006/main" xmlns:r="http://schemas.openxmlformats.org/officeDocument/2006/relationships" xmlns:p="http://schemas.openxmlformats.org/presentationml/2006/main">
   <p:cSld>
     <p:spTree>
@@ -14836,7 +14991,7 @@
 </p:sld>
 </file>
 
-<file path=ppt/slides/slide18.xml><?xml version="1.0" encoding="utf-8"?>
+<file path=ppt/slides/slide19.xml><?xml version="1.0" encoding="utf-8"?>
 <p:sld xmlns:a="http://schemas.openxmlformats.org/drawingml/2006/main" xmlns:r="http://schemas.openxmlformats.org/officeDocument/2006/relationships" xmlns:p="http://schemas.openxmlformats.org/presentationml/2006/main">
   <p:cSld>
     <p:spTree>
@@ -16106,143 +16261,6 @@
 </p:sld>
 </file>
 
-<file path=ppt/slides/slide19.xml><?xml version="1.0" encoding="utf-8"?>
-<p:sld xmlns:a="http://schemas.openxmlformats.org/drawingml/2006/main" xmlns:r="http://schemas.openxmlformats.org/officeDocument/2006/relationships" xmlns:p="http://schemas.openxmlformats.org/presentationml/2006/main">
-  <p:cSld>
-    <p:spTree>
-      <p:nvGrpSpPr>
-        <p:cNvPr id="1" name=""/>
-        <p:cNvGrpSpPr/>
-        <p:nvPr/>
-      </p:nvGrpSpPr>
-      <p:grpSpPr>
-        <a:xfrm>
-          <a:off x="0" y="0"/>
-          <a:ext cx="0" cy="0"/>
-          <a:chOff x="0" y="0"/>
-          <a:chExt cx="0" cy="0"/>
-        </a:xfrm>
-      </p:grpSpPr>
-      <p:sp>
-        <p:nvSpPr>
-          <p:cNvPr id="2" name="Title 1">
-            <a:extLst>
-              <a:ext uri="{FF2B5EF4-FFF2-40B4-BE49-F238E27FC236}">
-                <a16:creationId xmlns:a16="http://schemas.microsoft.com/office/drawing/2014/main" id="{7F8B0B60-0D92-9608-748F-E9238CCCB0A0}"/>
-              </a:ext>
-            </a:extLst>
-          </p:cNvPr>
-          <p:cNvSpPr>
-            <a:spLocks noGrp="1"/>
-          </p:cNvSpPr>
-          <p:nvPr>
-            <p:ph type="title"/>
-          </p:nvPr>
-        </p:nvSpPr>
-        <p:spPr/>
-        <p:txBody>
-          <a:bodyPr/>
-          <a:lstStyle/>
-          <a:p>
-            <a:r>
-              <a:rPr lang="de-DE" dirty="0"/>
-              <a:t>Wie geht‘s weiter?</a:t>
-            </a:r>
-          </a:p>
-        </p:txBody>
-      </p:sp>
-      <p:sp>
-        <p:nvSpPr>
-          <p:cNvPr id="3" name="Footer Placeholder 2">
-            <a:extLst>
-              <a:ext uri="{FF2B5EF4-FFF2-40B4-BE49-F238E27FC236}">
-                <a16:creationId xmlns:a16="http://schemas.microsoft.com/office/drawing/2014/main" id="{91C42521-AC9F-28ED-61F5-2A7533ABAE91}"/>
-              </a:ext>
-            </a:extLst>
-          </p:cNvPr>
-          <p:cNvSpPr>
-            <a:spLocks noGrp="1"/>
-          </p:cNvSpPr>
-          <p:nvPr>
-            <p:ph type="ftr" sz="quarter" idx="11"/>
-          </p:nvPr>
-        </p:nvSpPr>
-        <p:spPr/>
-        <p:txBody>
-          <a:bodyPr/>
-          <a:lstStyle/>
-          <a:p>
-            <a:r>
-              <a:rPr lang="en-US"/>
-              <a:t>Elliot Kovanda – Data Scientist</a:t>
-            </a:r>
-            <a:endParaRPr lang="en-US" dirty="0"/>
-          </a:p>
-        </p:txBody>
-      </p:sp>
-      <p:sp>
-        <p:nvSpPr>
-          <p:cNvPr id="4" name="Text Placeholder 3">
-            <a:extLst>
-              <a:ext uri="{FF2B5EF4-FFF2-40B4-BE49-F238E27FC236}">
-                <a16:creationId xmlns:a16="http://schemas.microsoft.com/office/drawing/2014/main" id="{43F765E7-84CF-8A9D-CF38-44F218EDA28B}"/>
-              </a:ext>
-            </a:extLst>
-          </p:cNvPr>
-          <p:cNvSpPr>
-            <a:spLocks noGrp="1"/>
-          </p:cNvSpPr>
-          <p:nvPr>
-            <p:ph type="body" sz="quarter" idx="12"/>
-          </p:nvPr>
-        </p:nvSpPr>
-        <p:spPr/>
-        <p:txBody>
-          <a:bodyPr/>
-          <a:lstStyle/>
-          <a:p>
-            <a:pPr marL="0" indent="0">
-              <a:buNone/>
-            </a:pPr>
-            <a:endParaRPr lang="de-DE" dirty="0">
-              <a:sym typeface="Wingdings" panose="05000000000000000000" pitchFamily="2" charset="2"/>
-            </a:endParaRPr>
-          </a:p>
-          <a:p>
-            <a:pPr marL="0" indent="0">
-              <a:buNone/>
-            </a:pPr>
-            <a:endParaRPr lang="de-DE" dirty="0">
-              <a:sym typeface="Wingdings" panose="05000000000000000000" pitchFamily="2" charset="2"/>
-            </a:endParaRPr>
-          </a:p>
-          <a:p>
-            <a:pPr marL="0" indent="0" algn="ctr">
-              <a:buNone/>
-            </a:pPr>
-            <a:r>
-              <a:rPr lang="de-DE" sz="4000" dirty="0">
-                <a:sym typeface="Wingdings" panose="05000000000000000000" pitchFamily="2" charset="2"/>
-              </a:rPr>
-              <a:t>https://tinyurl.com/trinket-goethe</a:t>
-            </a:r>
-            <a:endParaRPr lang="de-DE" sz="4000" dirty="0"/>
-          </a:p>
-        </p:txBody>
-      </p:sp>
-    </p:spTree>
-    <p:extLst>
-      <p:ext uri="{BB962C8B-B14F-4D97-AF65-F5344CB8AC3E}">
-        <p14:creationId xmlns:p14="http://schemas.microsoft.com/office/powerpoint/2010/main" val="952670852"/>
-      </p:ext>
-    </p:extLst>
-  </p:cSld>
-  <p:clrMapOvr>
-    <a:masterClrMapping/>
-  </p:clrMapOvr>
-</p:sld>
-</file>
-
 <file path=ppt/slides/slide2.xml><?xml version="1.0" encoding="utf-8"?>
 <p:sld xmlns:a="http://schemas.openxmlformats.org/drawingml/2006/main" xmlns:r="http://schemas.openxmlformats.org/officeDocument/2006/relationships" xmlns:p="http://schemas.openxmlformats.org/presentationml/2006/main">
   <p:cSld>
@@ -16380,6 +16398,143 @@
       </p:grpSpPr>
       <p:sp>
         <p:nvSpPr>
+          <p:cNvPr id="2" name="Title 1">
+            <a:extLst>
+              <a:ext uri="{FF2B5EF4-FFF2-40B4-BE49-F238E27FC236}">
+                <a16:creationId xmlns:a16="http://schemas.microsoft.com/office/drawing/2014/main" id="{7F8B0B60-0D92-9608-748F-E9238CCCB0A0}"/>
+              </a:ext>
+            </a:extLst>
+          </p:cNvPr>
+          <p:cNvSpPr>
+            <a:spLocks noGrp="1"/>
+          </p:cNvSpPr>
+          <p:nvPr>
+            <p:ph type="title"/>
+          </p:nvPr>
+        </p:nvSpPr>
+        <p:spPr/>
+        <p:txBody>
+          <a:bodyPr/>
+          <a:lstStyle/>
+          <a:p>
+            <a:r>
+              <a:rPr lang="de-DE" dirty="0"/>
+              <a:t>Wie geht‘s weiter?</a:t>
+            </a:r>
+          </a:p>
+        </p:txBody>
+      </p:sp>
+      <p:sp>
+        <p:nvSpPr>
+          <p:cNvPr id="3" name="Footer Placeholder 2">
+            <a:extLst>
+              <a:ext uri="{FF2B5EF4-FFF2-40B4-BE49-F238E27FC236}">
+                <a16:creationId xmlns:a16="http://schemas.microsoft.com/office/drawing/2014/main" id="{91C42521-AC9F-28ED-61F5-2A7533ABAE91}"/>
+              </a:ext>
+            </a:extLst>
+          </p:cNvPr>
+          <p:cNvSpPr>
+            <a:spLocks noGrp="1"/>
+          </p:cNvSpPr>
+          <p:nvPr>
+            <p:ph type="ftr" sz="quarter" idx="11"/>
+          </p:nvPr>
+        </p:nvSpPr>
+        <p:spPr/>
+        <p:txBody>
+          <a:bodyPr/>
+          <a:lstStyle/>
+          <a:p>
+            <a:r>
+              <a:rPr lang="en-US"/>
+              <a:t>Elliot Kovanda – Data Scientist</a:t>
+            </a:r>
+            <a:endParaRPr lang="en-US" dirty="0"/>
+          </a:p>
+        </p:txBody>
+      </p:sp>
+      <p:sp>
+        <p:nvSpPr>
+          <p:cNvPr id="4" name="Text Placeholder 3">
+            <a:extLst>
+              <a:ext uri="{FF2B5EF4-FFF2-40B4-BE49-F238E27FC236}">
+                <a16:creationId xmlns:a16="http://schemas.microsoft.com/office/drawing/2014/main" id="{43F765E7-84CF-8A9D-CF38-44F218EDA28B}"/>
+              </a:ext>
+            </a:extLst>
+          </p:cNvPr>
+          <p:cNvSpPr>
+            <a:spLocks noGrp="1"/>
+          </p:cNvSpPr>
+          <p:nvPr>
+            <p:ph type="body" sz="quarter" idx="12"/>
+          </p:nvPr>
+        </p:nvSpPr>
+        <p:spPr/>
+        <p:txBody>
+          <a:bodyPr/>
+          <a:lstStyle/>
+          <a:p>
+            <a:pPr marL="0" indent="0">
+              <a:buNone/>
+            </a:pPr>
+            <a:endParaRPr lang="de-DE" dirty="0">
+              <a:sym typeface="Wingdings" panose="05000000000000000000" pitchFamily="2" charset="2"/>
+            </a:endParaRPr>
+          </a:p>
+          <a:p>
+            <a:pPr marL="0" indent="0">
+              <a:buNone/>
+            </a:pPr>
+            <a:endParaRPr lang="de-DE" dirty="0">
+              <a:sym typeface="Wingdings" panose="05000000000000000000" pitchFamily="2" charset="2"/>
+            </a:endParaRPr>
+          </a:p>
+          <a:p>
+            <a:pPr marL="0" indent="0" algn="ctr">
+              <a:buNone/>
+            </a:pPr>
+            <a:r>
+              <a:rPr lang="de-DE" sz="4000" dirty="0">
+                <a:sym typeface="Wingdings" panose="05000000000000000000" pitchFamily="2" charset="2"/>
+              </a:rPr>
+              <a:t>https://tinyurl.com/trinket-goethe</a:t>
+            </a:r>
+            <a:endParaRPr lang="de-DE" sz="4000" dirty="0"/>
+          </a:p>
+        </p:txBody>
+      </p:sp>
+    </p:spTree>
+    <p:extLst>
+      <p:ext uri="{BB962C8B-B14F-4D97-AF65-F5344CB8AC3E}">
+        <p14:creationId xmlns:p14="http://schemas.microsoft.com/office/powerpoint/2010/main" val="952670852"/>
+      </p:ext>
+    </p:extLst>
+  </p:cSld>
+  <p:clrMapOvr>
+    <a:masterClrMapping/>
+  </p:clrMapOvr>
+</p:sld>
+</file>
+
+<file path=ppt/slides/slide21.xml><?xml version="1.0" encoding="utf-8"?>
+<p:sld xmlns:a="http://schemas.openxmlformats.org/drawingml/2006/main" xmlns:r="http://schemas.openxmlformats.org/officeDocument/2006/relationships" xmlns:p="http://schemas.openxmlformats.org/presentationml/2006/main">
+  <p:cSld>
+    <p:spTree>
+      <p:nvGrpSpPr>
+        <p:cNvPr id="1" name=""/>
+        <p:cNvGrpSpPr/>
+        <p:nvPr/>
+      </p:nvGrpSpPr>
+      <p:grpSpPr>
+        <a:xfrm>
+          <a:off x="0" y="0"/>
+          <a:ext cx="0" cy="0"/>
+          <a:chOff x="0" y="0"/>
+          <a:chExt cx="0" cy="0"/>
+        </a:xfrm>
+      </p:grpSpPr>
+      <p:sp>
+        <p:nvSpPr>
           <p:cNvPr id="4" name="Footer Placeholder 3">
             <a:extLst>
               <a:ext uri="{FF2B5EF4-FFF2-40B4-BE49-F238E27FC236}">
@@ -16416,6 +16571,1044 @@
     <p:extLst>
       <p:ext uri="{BB962C8B-B14F-4D97-AF65-F5344CB8AC3E}">
         <p14:creationId xmlns:p14="http://schemas.microsoft.com/office/powerpoint/2010/main" val="1180701427"/>
+      </p:ext>
+    </p:extLst>
+  </p:cSld>
+  <p:clrMapOvr>
+    <a:masterClrMapping/>
+  </p:clrMapOvr>
+</p:sld>
+</file>
+
+<file path=ppt/slides/slide22.xml><?xml version="1.0" encoding="utf-8"?>
+<p:sld xmlns:a="http://schemas.openxmlformats.org/drawingml/2006/main" xmlns:r="http://schemas.openxmlformats.org/officeDocument/2006/relationships" xmlns:p="http://schemas.openxmlformats.org/presentationml/2006/main">
+  <p:cSld>
+    <p:spTree>
+      <p:nvGrpSpPr>
+        <p:cNvPr id="1" name="">
+          <a:extLst>
+            <a:ext uri="{FF2B5EF4-FFF2-40B4-BE49-F238E27FC236}">
+              <a16:creationId xmlns:a16="http://schemas.microsoft.com/office/drawing/2014/main" id="{1C8E4A57-3E4B-2F92-7039-976E5391DF61}"/>
+            </a:ext>
+          </a:extLst>
+        </p:cNvPr>
+        <p:cNvGrpSpPr/>
+        <p:nvPr/>
+      </p:nvGrpSpPr>
+      <p:grpSpPr>
+        <a:xfrm>
+          <a:off x="0" y="0"/>
+          <a:ext cx="0" cy="0"/>
+          <a:chOff x="0" y="0"/>
+          <a:chExt cx="0" cy="0"/>
+        </a:xfrm>
+      </p:grpSpPr>
+      <p:sp>
+        <p:nvSpPr>
+          <p:cNvPr id="2" name="Title 1">
+            <a:extLst>
+              <a:ext uri="{FF2B5EF4-FFF2-40B4-BE49-F238E27FC236}">
+                <a16:creationId xmlns:a16="http://schemas.microsoft.com/office/drawing/2014/main" id="{B50F7C52-08C6-B77B-7F9C-5E3B8F7EDB33}"/>
+              </a:ext>
+            </a:extLst>
+          </p:cNvPr>
+          <p:cNvSpPr>
+            <a:spLocks noGrp="1"/>
+          </p:cNvSpPr>
+          <p:nvPr>
+            <p:ph type="title"/>
+          </p:nvPr>
+        </p:nvSpPr>
+        <p:spPr/>
+        <p:txBody>
+          <a:bodyPr/>
+          <a:lstStyle/>
+          <a:p>
+            <a:r>
+              <a:rPr lang="de-DE" dirty="0"/>
+              <a:t>Was könnt ihr noch tun?</a:t>
+            </a:r>
+            <a:endParaRPr lang="en-GB" dirty="0"/>
+          </a:p>
+        </p:txBody>
+      </p:sp>
+      <p:sp>
+        <p:nvSpPr>
+          <p:cNvPr id="3" name="Text Placeholder 2">
+            <a:extLst>
+              <a:ext uri="{FF2B5EF4-FFF2-40B4-BE49-F238E27FC236}">
+                <a16:creationId xmlns:a16="http://schemas.microsoft.com/office/drawing/2014/main" id="{A22F82E9-972B-B5B3-3D69-870E14DC99CE}"/>
+              </a:ext>
+            </a:extLst>
+          </p:cNvPr>
+          <p:cNvSpPr>
+            <a:spLocks noGrp="1"/>
+          </p:cNvSpPr>
+          <p:nvPr>
+            <p:ph type="body" idx="1"/>
+          </p:nvPr>
+        </p:nvSpPr>
+        <p:spPr/>
+        <p:txBody>
+          <a:bodyPr/>
+          <a:lstStyle/>
+          <a:p>
+            <a:r>
+              <a:rPr lang="de-DE" dirty="0"/>
+              <a:t>Chapter 3</a:t>
+            </a:r>
+            <a:endParaRPr lang="en-GB" dirty="0"/>
+          </a:p>
+        </p:txBody>
+      </p:sp>
+      <p:sp>
+        <p:nvSpPr>
+          <p:cNvPr id="4" name="Footer Placeholder 3">
+            <a:extLst>
+              <a:ext uri="{FF2B5EF4-FFF2-40B4-BE49-F238E27FC236}">
+                <a16:creationId xmlns:a16="http://schemas.microsoft.com/office/drawing/2014/main" id="{3A7C4213-2A21-E286-501B-4FDCE84985D5}"/>
+              </a:ext>
+            </a:extLst>
+          </p:cNvPr>
+          <p:cNvSpPr>
+            <a:spLocks noGrp="1"/>
+          </p:cNvSpPr>
+          <p:nvPr>
+            <p:ph type="ftr" sz="quarter" idx="11"/>
+          </p:nvPr>
+        </p:nvSpPr>
+        <p:spPr/>
+        <p:txBody>
+          <a:bodyPr/>
+          <a:lstStyle/>
+          <a:p>
+            <a:r>
+              <a:rPr lang="en-US"/>
+              <a:t>Elliot Kovanda – Data Scientist</a:t>
+            </a:r>
+            <a:endParaRPr lang="en-US" dirty="0"/>
+          </a:p>
+        </p:txBody>
+      </p:sp>
+    </p:spTree>
+    <p:extLst>
+      <p:ext uri="{BB962C8B-B14F-4D97-AF65-F5344CB8AC3E}">
+        <p14:creationId xmlns:p14="http://schemas.microsoft.com/office/powerpoint/2010/main" val="1673940398"/>
+      </p:ext>
+    </p:extLst>
+  </p:cSld>
+  <p:clrMapOvr>
+    <a:masterClrMapping/>
+  </p:clrMapOvr>
+</p:sld>
+</file>
+
+<file path=ppt/slides/slide23.xml><?xml version="1.0" encoding="utf-8"?>
+<p:sld xmlns:a="http://schemas.openxmlformats.org/drawingml/2006/main" xmlns:r="http://schemas.openxmlformats.org/officeDocument/2006/relationships" xmlns:p="http://schemas.openxmlformats.org/presentationml/2006/main">
+  <p:cSld>
+    <p:spTree>
+      <p:nvGrpSpPr>
+        <p:cNvPr id="1" name=""/>
+        <p:cNvGrpSpPr/>
+        <p:nvPr/>
+      </p:nvGrpSpPr>
+      <p:grpSpPr>
+        <a:xfrm>
+          <a:off x="0" y="0"/>
+          <a:ext cx="0" cy="0"/>
+          <a:chOff x="0" y="0"/>
+          <a:chExt cx="0" cy="0"/>
+        </a:xfrm>
+      </p:grpSpPr>
+      <p:sp>
+        <p:nvSpPr>
+          <p:cNvPr id="2" name="Title 1">
+            <a:extLst>
+              <a:ext uri="{FF2B5EF4-FFF2-40B4-BE49-F238E27FC236}">
+                <a16:creationId xmlns:a16="http://schemas.microsoft.com/office/drawing/2014/main" id="{AEB71EF2-316D-E5A1-0383-EAEC85DE7FAA}"/>
+              </a:ext>
+            </a:extLst>
+          </p:cNvPr>
+          <p:cNvSpPr>
+            <a:spLocks noGrp="1"/>
+          </p:cNvSpPr>
+          <p:nvPr>
+            <p:ph type="title"/>
+          </p:nvPr>
+        </p:nvSpPr>
+        <p:spPr/>
+        <p:txBody>
+          <a:bodyPr/>
+          <a:lstStyle/>
+          <a:p>
+            <a:r>
+              <a:rPr lang="de-DE" dirty="0"/>
+              <a:t>Sucht euch eigene Datensätze</a:t>
+            </a:r>
+          </a:p>
+        </p:txBody>
+      </p:sp>
+      <p:sp>
+        <p:nvSpPr>
+          <p:cNvPr id="3" name="Footer Placeholder 2">
+            <a:extLst>
+              <a:ext uri="{FF2B5EF4-FFF2-40B4-BE49-F238E27FC236}">
+                <a16:creationId xmlns:a16="http://schemas.microsoft.com/office/drawing/2014/main" id="{B2B66950-414B-FB7B-E850-8246BB383CF0}"/>
+              </a:ext>
+            </a:extLst>
+          </p:cNvPr>
+          <p:cNvSpPr>
+            <a:spLocks noGrp="1"/>
+          </p:cNvSpPr>
+          <p:nvPr>
+            <p:ph type="ftr" sz="quarter" idx="11"/>
+          </p:nvPr>
+        </p:nvSpPr>
+        <p:spPr/>
+        <p:txBody>
+          <a:bodyPr/>
+          <a:lstStyle/>
+          <a:p>
+            <a:r>
+              <a:rPr lang="en-US"/>
+              <a:t>Elliot Kovanda – Data Scientist</a:t>
+            </a:r>
+            <a:endParaRPr lang="en-US" dirty="0"/>
+          </a:p>
+        </p:txBody>
+      </p:sp>
+      <p:sp>
+        <p:nvSpPr>
+          <p:cNvPr id="4" name="Text Placeholder 3">
+            <a:extLst>
+              <a:ext uri="{FF2B5EF4-FFF2-40B4-BE49-F238E27FC236}">
+                <a16:creationId xmlns:a16="http://schemas.microsoft.com/office/drawing/2014/main" id="{54A98643-2F7B-98C7-8AFF-A4DD92C5BC1F}"/>
+              </a:ext>
+            </a:extLst>
+          </p:cNvPr>
+          <p:cNvSpPr>
+            <a:spLocks noGrp="1"/>
+          </p:cNvSpPr>
+          <p:nvPr>
+            <p:ph type="body" sz="quarter" idx="12"/>
+          </p:nvPr>
+        </p:nvSpPr>
+        <p:spPr/>
+        <p:txBody>
+          <a:bodyPr/>
+          <a:lstStyle/>
+          <a:p>
+            <a:r>
+              <a:rPr lang="en-US" dirty="0">
+                <a:hlinkClick r:id="rId2">
+                  <a:extLst>
+                    <a:ext uri="{A12FA001-AC4F-418D-AE19-62706E023703}">
+                      <ahyp:hlinkClr xmlns:ahyp="http://schemas.microsoft.com/office/drawing/2018/hyperlinkcolor" val="tx"/>
+                    </a:ext>
+                  </a:extLst>
+                </a:hlinkClick>
+              </a:rPr>
+              <a:t>Kaggle Datasets</a:t>
+            </a:r>
+          </a:p>
+          <a:p>
+            <a:r>
+              <a:rPr lang="en-US" dirty="0" err="1">
+                <a:hlinkClick r:id="rId3">
+                  <a:extLst>
+                    <a:ext uri="{A12FA001-AC4F-418D-AE19-62706E023703}">
+                      <ahyp:hlinkClr xmlns:ahyp="http://schemas.microsoft.com/office/drawing/2018/hyperlinkcolor" val="tx"/>
+                    </a:ext>
+                  </a:extLst>
+                </a:hlinkClick>
+              </a:rPr>
+              <a:t>Github</a:t>
+            </a:r>
+            <a:r>
+              <a:rPr lang="en-US" dirty="0">
+                <a:hlinkClick r:id="rId3">
+                  <a:extLst>
+                    <a:ext uri="{A12FA001-AC4F-418D-AE19-62706E023703}">
+                      <ahyp:hlinkClr xmlns:ahyp="http://schemas.microsoft.com/office/drawing/2018/hyperlinkcolor" val="tx"/>
+                    </a:ext>
+                  </a:extLst>
+                </a:hlinkClick>
+              </a:rPr>
+              <a:t> Awesome Data</a:t>
+            </a:r>
+            <a:endParaRPr lang="en-US" dirty="0"/>
+          </a:p>
+          <a:p>
+            <a:r>
+              <a:rPr lang="en-US" dirty="0" err="1">
+                <a:hlinkClick r:id="rId4">
+                  <a:extLst>
+                    <a:ext uri="{A12FA001-AC4F-418D-AE19-62706E023703}">
+                      <ahyp:hlinkClr xmlns:ahyp="http://schemas.microsoft.com/office/drawing/2018/hyperlinkcolor" val="tx"/>
+                    </a:ext>
+                  </a:extLst>
+                </a:hlinkClick>
+              </a:rPr>
+              <a:t>Statistisches</a:t>
+            </a:r>
+            <a:r>
+              <a:rPr lang="en-US" dirty="0">
+                <a:hlinkClick r:id="rId4">
+                  <a:extLst>
+                    <a:ext uri="{A12FA001-AC4F-418D-AE19-62706E023703}">
+                      <ahyp:hlinkClr xmlns:ahyp="http://schemas.microsoft.com/office/drawing/2018/hyperlinkcolor" val="tx"/>
+                    </a:ext>
+                  </a:extLst>
+                </a:hlinkClick>
+              </a:rPr>
+              <a:t> </a:t>
+            </a:r>
+            <a:r>
+              <a:rPr lang="en-US" dirty="0" err="1">
+                <a:hlinkClick r:id="rId4">
+                  <a:extLst>
+                    <a:ext uri="{A12FA001-AC4F-418D-AE19-62706E023703}">
+                      <ahyp:hlinkClr xmlns:ahyp="http://schemas.microsoft.com/office/drawing/2018/hyperlinkcolor" val="tx"/>
+                    </a:ext>
+                  </a:extLst>
+                </a:hlinkClick>
+              </a:rPr>
+              <a:t>Bundesamt</a:t>
+            </a:r>
+            <a:endParaRPr lang="en-US" dirty="0">
+              <a:hlinkClick r:id="rId5">
+                <a:extLst>
+                  <a:ext uri="{A12FA001-AC4F-418D-AE19-62706E023703}">
+                    <ahyp:hlinkClr xmlns:ahyp="http://schemas.microsoft.com/office/drawing/2018/hyperlinkcolor" val="tx"/>
+                  </a:ext>
+                </a:extLst>
+              </a:hlinkClick>
+            </a:endParaRPr>
+          </a:p>
+          <a:p>
+            <a:r>
+              <a:rPr lang="en-US" dirty="0">
+                <a:hlinkClick r:id="rId5">
+                  <a:extLst>
+                    <a:ext uri="{A12FA001-AC4F-418D-AE19-62706E023703}">
+                      <ahyp:hlinkClr xmlns:ahyp="http://schemas.microsoft.com/office/drawing/2018/hyperlinkcolor" val="tx"/>
+                    </a:ext>
+                  </a:extLst>
+                </a:hlinkClick>
+              </a:rPr>
+              <a:t>Data World</a:t>
+            </a:r>
+            <a:endParaRPr lang="en-US" dirty="0"/>
+          </a:p>
+          <a:p>
+            <a:pPr lvl="1"/>
+            <a:r>
+              <a:rPr lang="en-US" dirty="0" err="1"/>
+              <a:t>Erfordert</a:t>
+            </a:r>
+            <a:r>
+              <a:rPr lang="en-US" dirty="0"/>
+              <a:t> </a:t>
+            </a:r>
+            <a:r>
+              <a:rPr lang="en-US" dirty="0" err="1"/>
+              <a:t>einen</a:t>
+            </a:r>
+            <a:r>
+              <a:rPr lang="en-US" dirty="0"/>
+              <a:t> Account</a:t>
+            </a:r>
+          </a:p>
+          <a:p>
+            <a:r>
+              <a:rPr lang="en-US" dirty="0" err="1"/>
+              <a:t>Euer</a:t>
+            </a:r>
+            <a:r>
+              <a:rPr lang="en-US" dirty="0"/>
+              <a:t> </a:t>
+            </a:r>
+            <a:r>
+              <a:rPr lang="en-US" dirty="0" err="1"/>
+              <a:t>Privatleben</a:t>
+            </a:r>
+            <a:r>
+              <a:rPr lang="en-US" dirty="0"/>
+              <a:t>?</a:t>
+            </a:r>
+          </a:p>
+          <a:p>
+            <a:r>
+              <a:rPr lang="en-US" dirty="0"/>
+              <a:t>…</a:t>
+            </a:r>
+          </a:p>
+        </p:txBody>
+      </p:sp>
+    </p:spTree>
+    <p:extLst>
+      <p:ext uri="{BB962C8B-B14F-4D97-AF65-F5344CB8AC3E}">
+        <p14:creationId xmlns:p14="http://schemas.microsoft.com/office/powerpoint/2010/main" val="2076210355"/>
+      </p:ext>
+    </p:extLst>
+  </p:cSld>
+  <p:clrMapOvr>
+    <a:masterClrMapping/>
+  </p:clrMapOvr>
+</p:sld>
+</file>
+
+<file path=ppt/slides/slide24.xml><?xml version="1.0" encoding="utf-8"?>
+<p:sld xmlns:a="http://schemas.openxmlformats.org/drawingml/2006/main" xmlns:r="http://schemas.openxmlformats.org/officeDocument/2006/relationships" xmlns:p="http://schemas.openxmlformats.org/presentationml/2006/main">
+  <p:cSld>
+    <p:spTree>
+      <p:nvGrpSpPr>
+        <p:cNvPr id="1" name=""/>
+        <p:cNvGrpSpPr/>
+        <p:nvPr/>
+      </p:nvGrpSpPr>
+      <p:grpSpPr>
+        <a:xfrm>
+          <a:off x="0" y="0"/>
+          <a:ext cx="0" cy="0"/>
+          <a:chOff x="0" y="0"/>
+          <a:chExt cx="0" cy="0"/>
+        </a:xfrm>
+      </p:grpSpPr>
+      <p:sp>
+        <p:nvSpPr>
+          <p:cNvPr id="2" name="Title 1">
+            <a:extLst>
+              <a:ext uri="{FF2B5EF4-FFF2-40B4-BE49-F238E27FC236}">
+                <a16:creationId xmlns:a16="http://schemas.microsoft.com/office/drawing/2014/main" id="{ADF006CE-1D56-8852-1B77-61ECD228C387}"/>
+              </a:ext>
+            </a:extLst>
+          </p:cNvPr>
+          <p:cNvSpPr>
+            <a:spLocks noGrp="1"/>
+          </p:cNvSpPr>
+          <p:nvPr>
+            <p:ph type="title"/>
+          </p:nvPr>
+        </p:nvSpPr>
+        <p:spPr/>
+        <p:txBody>
+          <a:bodyPr/>
+          <a:lstStyle/>
+          <a:p>
+            <a:endParaRPr lang="de-DE"/>
+          </a:p>
+        </p:txBody>
+      </p:sp>
+      <p:sp>
+        <p:nvSpPr>
+          <p:cNvPr id="3" name="Footer Placeholder 2">
+            <a:extLst>
+              <a:ext uri="{FF2B5EF4-FFF2-40B4-BE49-F238E27FC236}">
+                <a16:creationId xmlns:a16="http://schemas.microsoft.com/office/drawing/2014/main" id="{52167071-4298-24D2-8FFB-C256D7F286B2}"/>
+              </a:ext>
+            </a:extLst>
+          </p:cNvPr>
+          <p:cNvSpPr>
+            <a:spLocks noGrp="1"/>
+          </p:cNvSpPr>
+          <p:nvPr>
+            <p:ph type="ftr" sz="quarter" idx="11"/>
+          </p:nvPr>
+        </p:nvSpPr>
+        <p:spPr/>
+        <p:txBody>
+          <a:bodyPr/>
+          <a:lstStyle/>
+          <a:p>
+            <a:r>
+              <a:rPr lang="en-US"/>
+              <a:t>Elliot Kovanda – Data Scientist</a:t>
+            </a:r>
+            <a:endParaRPr lang="en-US" dirty="0"/>
+          </a:p>
+        </p:txBody>
+      </p:sp>
+      <p:sp>
+        <p:nvSpPr>
+          <p:cNvPr id="4" name="Text Placeholder 3">
+            <a:extLst>
+              <a:ext uri="{FF2B5EF4-FFF2-40B4-BE49-F238E27FC236}">
+                <a16:creationId xmlns:a16="http://schemas.microsoft.com/office/drawing/2014/main" id="{198DB10C-3046-15F0-77A0-56BBDFBC16F5}"/>
+              </a:ext>
+            </a:extLst>
+          </p:cNvPr>
+          <p:cNvSpPr>
+            <a:spLocks noGrp="1"/>
+          </p:cNvSpPr>
+          <p:nvPr>
+            <p:ph type="body" sz="quarter" idx="12"/>
+          </p:nvPr>
+        </p:nvSpPr>
+        <p:spPr/>
+        <p:txBody>
+          <a:bodyPr/>
+          <a:lstStyle/>
+          <a:p>
+            <a:endParaRPr lang="de-DE" dirty="0"/>
+          </a:p>
+        </p:txBody>
+      </p:sp>
+      <p:pic>
+        <p:nvPicPr>
+          <p:cNvPr id="6" name="Picture 5">
+            <a:extLst>
+              <a:ext uri="{FF2B5EF4-FFF2-40B4-BE49-F238E27FC236}">
+                <a16:creationId xmlns:a16="http://schemas.microsoft.com/office/drawing/2014/main" id="{89D8A060-83C5-5385-B6A9-9CF79C5FF4B3}"/>
+              </a:ext>
+            </a:extLst>
+          </p:cNvPr>
+          <p:cNvPicPr>
+            <a:picLocks noChangeAspect="1"/>
+          </p:cNvPicPr>
+          <p:nvPr/>
+        </p:nvPicPr>
+        <p:blipFill>
+          <a:blip r:embed="rId2"/>
+          <a:srcRect l="-2209" t="19763" r="2209" b="53344"/>
+          <a:stretch/>
+        </p:blipFill>
+        <p:spPr>
+          <a:xfrm>
+            <a:off x="1287063" y="476266"/>
+            <a:ext cx="9617873" cy="5747658"/>
+          </a:xfrm>
+          <a:prstGeom prst="rect">
+            <a:avLst/>
+          </a:prstGeom>
+        </p:spPr>
+      </p:pic>
+    </p:spTree>
+    <p:extLst>
+      <p:ext uri="{BB962C8B-B14F-4D97-AF65-F5344CB8AC3E}">
+        <p14:creationId xmlns:p14="http://schemas.microsoft.com/office/powerpoint/2010/main" val="933742896"/>
+      </p:ext>
+    </p:extLst>
+  </p:cSld>
+  <p:clrMapOvr>
+    <a:masterClrMapping/>
+  </p:clrMapOvr>
+</p:sld>
+</file>
+
+<file path=ppt/slides/slide25.xml><?xml version="1.0" encoding="utf-8"?>
+<p:sld xmlns:a="http://schemas.openxmlformats.org/drawingml/2006/main" xmlns:r="http://schemas.openxmlformats.org/officeDocument/2006/relationships" xmlns:p="http://schemas.openxmlformats.org/presentationml/2006/main">
+  <p:cSld>
+    <p:spTree>
+      <p:nvGrpSpPr>
+        <p:cNvPr id="1" name="">
+          <a:extLst>
+            <a:ext uri="{FF2B5EF4-FFF2-40B4-BE49-F238E27FC236}">
+              <a16:creationId xmlns:a16="http://schemas.microsoft.com/office/drawing/2014/main" id="{5C520BDD-BDDF-462B-2758-5314B59B33D7}"/>
+            </a:ext>
+          </a:extLst>
+        </p:cNvPr>
+        <p:cNvGrpSpPr/>
+        <p:nvPr/>
+      </p:nvGrpSpPr>
+      <p:grpSpPr>
+        <a:xfrm>
+          <a:off x="0" y="0"/>
+          <a:ext cx="0" cy="0"/>
+          <a:chOff x="0" y="0"/>
+          <a:chExt cx="0" cy="0"/>
+        </a:xfrm>
+      </p:grpSpPr>
+      <p:sp>
+        <p:nvSpPr>
+          <p:cNvPr id="2" name="Title 1">
+            <a:extLst>
+              <a:ext uri="{FF2B5EF4-FFF2-40B4-BE49-F238E27FC236}">
+                <a16:creationId xmlns:a16="http://schemas.microsoft.com/office/drawing/2014/main" id="{123014F7-D207-4575-30EA-509489F5F313}"/>
+              </a:ext>
+            </a:extLst>
+          </p:cNvPr>
+          <p:cNvSpPr>
+            <a:spLocks noGrp="1"/>
+          </p:cNvSpPr>
+          <p:nvPr>
+            <p:ph type="title"/>
+          </p:nvPr>
+        </p:nvSpPr>
+        <p:spPr/>
+        <p:txBody>
+          <a:bodyPr/>
+          <a:lstStyle/>
+          <a:p>
+            <a:endParaRPr lang="de-DE"/>
+          </a:p>
+        </p:txBody>
+      </p:sp>
+      <p:sp>
+        <p:nvSpPr>
+          <p:cNvPr id="3" name="Footer Placeholder 2">
+            <a:extLst>
+              <a:ext uri="{FF2B5EF4-FFF2-40B4-BE49-F238E27FC236}">
+                <a16:creationId xmlns:a16="http://schemas.microsoft.com/office/drawing/2014/main" id="{3DCC4D2F-23E0-C8EB-3876-84878E10876D}"/>
+              </a:ext>
+            </a:extLst>
+          </p:cNvPr>
+          <p:cNvSpPr>
+            <a:spLocks noGrp="1"/>
+          </p:cNvSpPr>
+          <p:nvPr>
+            <p:ph type="ftr" sz="quarter" idx="11"/>
+          </p:nvPr>
+        </p:nvSpPr>
+        <p:spPr/>
+        <p:txBody>
+          <a:bodyPr/>
+          <a:lstStyle/>
+          <a:p>
+            <a:r>
+              <a:rPr lang="en-US"/>
+              <a:t>Elliot Kovanda – Data Scientist</a:t>
+            </a:r>
+            <a:endParaRPr lang="en-US" dirty="0"/>
+          </a:p>
+        </p:txBody>
+      </p:sp>
+      <p:sp>
+        <p:nvSpPr>
+          <p:cNvPr id="4" name="Text Placeholder 3">
+            <a:extLst>
+              <a:ext uri="{FF2B5EF4-FFF2-40B4-BE49-F238E27FC236}">
+                <a16:creationId xmlns:a16="http://schemas.microsoft.com/office/drawing/2014/main" id="{4207A3C1-9CCE-1EDD-8F82-49FC2CEF747E}"/>
+              </a:ext>
+            </a:extLst>
+          </p:cNvPr>
+          <p:cNvSpPr>
+            <a:spLocks noGrp="1"/>
+          </p:cNvSpPr>
+          <p:nvPr>
+            <p:ph type="body" sz="quarter" idx="12"/>
+          </p:nvPr>
+        </p:nvSpPr>
+        <p:spPr/>
+        <p:txBody>
+          <a:bodyPr/>
+          <a:lstStyle/>
+          <a:p>
+            <a:endParaRPr lang="de-DE" dirty="0"/>
+          </a:p>
+        </p:txBody>
+      </p:sp>
+      <p:pic>
+        <p:nvPicPr>
+          <p:cNvPr id="7" name="Picture 6">
+            <a:extLst>
+              <a:ext uri="{FF2B5EF4-FFF2-40B4-BE49-F238E27FC236}">
+                <a16:creationId xmlns:a16="http://schemas.microsoft.com/office/drawing/2014/main" id="{1A34E531-C05D-0357-77B7-3C6A1F3F4C7E}"/>
+              </a:ext>
+            </a:extLst>
+          </p:cNvPr>
+          <p:cNvPicPr>
+            <a:picLocks noChangeAspect="1"/>
+          </p:cNvPicPr>
+          <p:nvPr/>
+        </p:nvPicPr>
+        <p:blipFill>
+          <a:blip r:embed="rId2"/>
+          <a:srcRect t="61590" b="21106"/>
+          <a:stretch/>
+        </p:blipFill>
+        <p:spPr>
+          <a:xfrm>
+            <a:off x="1460585" y="1682086"/>
+            <a:ext cx="9562927" cy="3677299"/>
+          </a:xfrm>
+          <a:prstGeom prst="rect">
+            <a:avLst/>
+          </a:prstGeom>
+        </p:spPr>
+      </p:pic>
+    </p:spTree>
+    <p:extLst>
+      <p:ext uri="{BB962C8B-B14F-4D97-AF65-F5344CB8AC3E}">
+        <p14:creationId xmlns:p14="http://schemas.microsoft.com/office/powerpoint/2010/main" val="4115580774"/>
+      </p:ext>
+    </p:extLst>
+  </p:cSld>
+  <p:clrMapOvr>
+    <a:masterClrMapping/>
+  </p:clrMapOvr>
+</p:sld>
+</file>
+
+<file path=ppt/slides/slide26.xml><?xml version="1.0" encoding="utf-8"?>
+<p:sld xmlns:a="http://schemas.openxmlformats.org/drawingml/2006/main" xmlns:r="http://schemas.openxmlformats.org/officeDocument/2006/relationships" xmlns:p="http://schemas.openxmlformats.org/presentationml/2006/main">
+  <p:cSld>
+    <p:spTree>
+      <p:nvGrpSpPr>
+        <p:cNvPr id="1" name=""/>
+        <p:cNvGrpSpPr/>
+        <p:nvPr/>
+      </p:nvGrpSpPr>
+      <p:grpSpPr>
+        <a:xfrm>
+          <a:off x="0" y="0"/>
+          <a:ext cx="0" cy="0"/>
+          <a:chOff x="0" y="0"/>
+          <a:chExt cx="0" cy="0"/>
+        </a:xfrm>
+      </p:grpSpPr>
+      <p:sp>
+        <p:nvSpPr>
+          <p:cNvPr id="3" name="Footer Placeholder 2">
+            <a:extLst>
+              <a:ext uri="{FF2B5EF4-FFF2-40B4-BE49-F238E27FC236}">
+                <a16:creationId xmlns:a16="http://schemas.microsoft.com/office/drawing/2014/main" id="{DE279865-6C50-4671-F1A5-075D24E19D85}"/>
+              </a:ext>
+            </a:extLst>
+          </p:cNvPr>
+          <p:cNvSpPr>
+            <a:spLocks noGrp="1"/>
+          </p:cNvSpPr>
+          <p:nvPr>
+            <p:ph type="ftr" sz="quarter" idx="11"/>
+          </p:nvPr>
+        </p:nvSpPr>
+        <p:spPr/>
+        <p:txBody>
+          <a:bodyPr/>
+          <a:lstStyle/>
+          <a:p>
+            <a:r>
+              <a:rPr lang="en-US"/>
+              <a:t>Elliot Kovanda – Data Scientist</a:t>
+            </a:r>
+            <a:endParaRPr lang="en-US" dirty="0"/>
+          </a:p>
+        </p:txBody>
+      </p:sp>
+      <p:sp>
+        <p:nvSpPr>
+          <p:cNvPr id="5" name="Rectangle 4">
+            <a:extLst>
+              <a:ext uri="{FF2B5EF4-FFF2-40B4-BE49-F238E27FC236}">
+                <a16:creationId xmlns:a16="http://schemas.microsoft.com/office/drawing/2014/main" id="{791746C0-464A-B306-EB16-9846FF5FE488}"/>
+              </a:ext>
+            </a:extLst>
+          </p:cNvPr>
+          <p:cNvSpPr/>
+          <p:nvPr/>
+        </p:nvSpPr>
+        <p:spPr>
+          <a:xfrm>
+            <a:off x="2968171" y="1875971"/>
+            <a:ext cx="6255658" cy="3106057"/>
+          </a:xfrm>
+          <a:prstGeom prst="rect">
+            <a:avLst/>
+          </a:prstGeom>
+          <a:ln w="76200">
+            <a:solidFill>
+              <a:schemeClr val="tx1"/>
+            </a:solidFill>
+          </a:ln>
+        </p:spPr>
+        <p:style>
+          <a:lnRef idx="2">
+            <a:schemeClr val="accent1">
+              <a:shade val="15000"/>
+            </a:schemeClr>
+          </a:lnRef>
+          <a:fillRef idx="1">
+            <a:schemeClr val="accent1"/>
+          </a:fillRef>
+          <a:effectRef idx="0">
+            <a:schemeClr val="accent1"/>
+          </a:effectRef>
+          <a:fontRef idx="minor">
+            <a:schemeClr val="lt1"/>
+          </a:fontRef>
+        </p:style>
+        <p:txBody>
+          <a:bodyPr rtlCol="0" anchor="ctr"/>
+          <a:lstStyle/>
+          <a:p>
+            <a:pPr algn="ctr"/>
+            <a:r>
+              <a:rPr lang="de-DE" sz="4400" b="1" dirty="0"/>
+              <a:t>Aktive Übung ist essenziell 👩‍💻👨‍💻</a:t>
+            </a:r>
+          </a:p>
+        </p:txBody>
+      </p:sp>
+    </p:spTree>
+    <p:extLst>
+      <p:ext uri="{BB962C8B-B14F-4D97-AF65-F5344CB8AC3E}">
+        <p14:creationId xmlns:p14="http://schemas.microsoft.com/office/powerpoint/2010/main" val="3572993957"/>
+      </p:ext>
+    </p:extLst>
+  </p:cSld>
+  <p:clrMapOvr>
+    <a:masterClrMapping/>
+  </p:clrMapOvr>
+</p:sld>
+</file>
+
+<file path=ppt/slides/slide27.xml><?xml version="1.0" encoding="utf-8"?>
+<p:sld xmlns:a="http://schemas.openxmlformats.org/drawingml/2006/main" xmlns:r="http://schemas.openxmlformats.org/officeDocument/2006/relationships" xmlns:p="http://schemas.openxmlformats.org/presentationml/2006/main">
+  <p:cSld>
+    <p:spTree>
+      <p:nvGrpSpPr>
+        <p:cNvPr id="1" name="">
+          <a:extLst>
+            <a:ext uri="{FF2B5EF4-FFF2-40B4-BE49-F238E27FC236}">
+              <a16:creationId xmlns:a16="http://schemas.microsoft.com/office/drawing/2014/main" id="{FB7DC109-9171-C542-71FC-95B1C6E34BF9}"/>
+            </a:ext>
+          </a:extLst>
+        </p:cNvPr>
+        <p:cNvGrpSpPr/>
+        <p:nvPr/>
+      </p:nvGrpSpPr>
+      <p:grpSpPr>
+        <a:xfrm>
+          <a:off x="0" y="0"/>
+          <a:ext cx="0" cy="0"/>
+          <a:chOff x="0" y="0"/>
+          <a:chExt cx="0" cy="0"/>
+        </a:xfrm>
+      </p:grpSpPr>
+      <p:sp>
+        <p:nvSpPr>
+          <p:cNvPr id="3" name="Footer Placeholder 2">
+            <a:extLst>
+              <a:ext uri="{FF2B5EF4-FFF2-40B4-BE49-F238E27FC236}">
+                <a16:creationId xmlns:a16="http://schemas.microsoft.com/office/drawing/2014/main" id="{C693EB8D-51C2-CEF8-7DAA-AC4C998F478B}"/>
+              </a:ext>
+            </a:extLst>
+          </p:cNvPr>
+          <p:cNvSpPr>
+            <a:spLocks noGrp="1"/>
+          </p:cNvSpPr>
+          <p:nvPr>
+            <p:ph type="ftr" sz="quarter" idx="11"/>
+          </p:nvPr>
+        </p:nvSpPr>
+        <p:spPr/>
+        <p:txBody>
+          <a:bodyPr/>
+          <a:lstStyle/>
+          <a:p>
+            <a:r>
+              <a:rPr lang="en-US"/>
+              <a:t>Elliot Kovanda – Data Scientist</a:t>
+            </a:r>
+            <a:endParaRPr lang="en-US" dirty="0"/>
+          </a:p>
+        </p:txBody>
+      </p:sp>
+      <p:sp>
+        <p:nvSpPr>
+          <p:cNvPr id="5" name="Rectangle 4">
+            <a:extLst>
+              <a:ext uri="{FF2B5EF4-FFF2-40B4-BE49-F238E27FC236}">
+                <a16:creationId xmlns:a16="http://schemas.microsoft.com/office/drawing/2014/main" id="{F87469C5-FE7F-55E0-871B-018522DCE5B7}"/>
+              </a:ext>
+            </a:extLst>
+          </p:cNvPr>
+          <p:cNvSpPr/>
+          <p:nvPr/>
+        </p:nvSpPr>
+        <p:spPr>
+          <a:xfrm>
+            <a:off x="2968171" y="1875971"/>
+            <a:ext cx="6255658" cy="3106057"/>
+          </a:xfrm>
+          <a:prstGeom prst="rect">
+            <a:avLst/>
+          </a:prstGeom>
+          <a:ln w="76200">
+            <a:solidFill>
+              <a:schemeClr val="tx1"/>
+            </a:solidFill>
+          </a:ln>
+        </p:spPr>
+        <p:style>
+          <a:lnRef idx="2">
+            <a:schemeClr val="accent1">
+              <a:shade val="15000"/>
+            </a:schemeClr>
+          </a:lnRef>
+          <a:fillRef idx="1">
+            <a:schemeClr val="accent1"/>
+          </a:fillRef>
+          <a:effectRef idx="0">
+            <a:schemeClr val="accent1"/>
+          </a:effectRef>
+          <a:fontRef idx="minor">
+            <a:schemeClr val="lt1"/>
+          </a:fontRef>
+        </p:style>
+        <p:txBody>
+          <a:bodyPr rtlCol="0" anchor="ctr"/>
+          <a:lstStyle/>
+          <a:p>
+            <a:pPr algn="ctr"/>
+            <a:r>
+              <a:rPr lang="de-DE" sz="4400" b="1" dirty="0"/>
+              <a:t>Meldet euch </a:t>
+            </a:r>
+            <a:br>
+              <a:rPr lang="de-DE" sz="4400" b="1" dirty="0"/>
+            </a:br>
+            <a:r>
+              <a:rPr lang="de-DE" sz="4400" b="1" dirty="0"/>
+              <a:t>für meinen fortgeschrittenen </a:t>
+            </a:r>
+            <a:br>
+              <a:rPr lang="de-DE" sz="4400" b="1" dirty="0"/>
+            </a:br>
+            <a:r>
+              <a:rPr lang="de-DE" sz="4400" b="1" dirty="0"/>
+              <a:t>Kurs an </a:t>
+            </a:r>
+            <a:r>
+              <a:rPr lang="de-DE" sz="3600" b="1" dirty="0"/>
+              <a:t>😊</a:t>
+            </a:r>
+            <a:endParaRPr lang="de-DE" sz="4400" b="1" dirty="0"/>
+          </a:p>
+        </p:txBody>
+      </p:sp>
+    </p:spTree>
+    <p:extLst>
+      <p:ext uri="{BB962C8B-B14F-4D97-AF65-F5344CB8AC3E}">
+        <p14:creationId xmlns:p14="http://schemas.microsoft.com/office/powerpoint/2010/main" val="87114236"/>
+      </p:ext>
+    </p:extLst>
+  </p:cSld>
+  <p:clrMapOvr>
+    <a:masterClrMapping/>
+  </p:clrMapOvr>
+</p:sld>
+</file>
+
+<file path=ppt/slides/slide28.xml><?xml version="1.0" encoding="utf-8"?>
+<p:sld xmlns:a="http://schemas.openxmlformats.org/drawingml/2006/main" xmlns:r="http://schemas.openxmlformats.org/officeDocument/2006/relationships" xmlns:p="http://schemas.openxmlformats.org/presentationml/2006/main">
+  <p:cSld>
+    <p:spTree>
+      <p:nvGrpSpPr>
+        <p:cNvPr id="1" name="">
+          <a:extLst>
+            <a:ext uri="{FF2B5EF4-FFF2-40B4-BE49-F238E27FC236}">
+              <a16:creationId xmlns:a16="http://schemas.microsoft.com/office/drawing/2014/main" id="{8A3A5A00-C8DC-D82D-2634-737ED39D8AB7}"/>
+            </a:ext>
+          </a:extLst>
+        </p:cNvPr>
+        <p:cNvGrpSpPr/>
+        <p:nvPr/>
+      </p:nvGrpSpPr>
+      <p:grpSpPr>
+        <a:xfrm>
+          <a:off x="0" y="0"/>
+          <a:ext cx="0" cy="0"/>
+          <a:chOff x="0" y="0"/>
+          <a:chExt cx="0" cy="0"/>
+        </a:xfrm>
+      </p:grpSpPr>
+      <p:sp>
+        <p:nvSpPr>
+          <p:cNvPr id="3" name="Footer Placeholder 2">
+            <a:extLst>
+              <a:ext uri="{FF2B5EF4-FFF2-40B4-BE49-F238E27FC236}">
+                <a16:creationId xmlns:a16="http://schemas.microsoft.com/office/drawing/2014/main" id="{7175352E-27DA-E330-B509-DA053F75593B}"/>
+              </a:ext>
+            </a:extLst>
+          </p:cNvPr>
+          <p:cNvSpPr>
+            <a:spLocks noGrp="1"/>
+          </p:cNvSpPr>
+          <p:nvPr>
+            <p:ph type="ftr" sz="quarter" idx="11"/>
+          </p:nvPr>
+        </p:nvSpPr>
+        <p:spPr/>
+        <p:txBody>
+          <a:bodyPr/>
+          <a:lstStyle/>
+          <a:p>
+            <a:r>
+              <a:rPr lang="en-US"/>
+              <a:t>Elliot Kovanda – Data Scientist</a:t>
+            </a:r>
+            <a:endParaRPr lang="en-US" dirty="0"/>
+          </a:p>
+        </p:txBody>
+      </p:sp>
+      <p:sp>
+        <p:nvSpPr>
+          <p:cNvPr id="5" name="Rectangle 4">
+            <a:extLst>
+              <a:ext uri="{FF2B5EF4-FFF2-40B4-BE49-F238E27FC236}">
+                <a16:creationId xmlns:a16="http://schemas.microsoft.com/office/drawing/2014/main" id="{D8311F4D-91F7-C852-8A39-71FDEDF4B78C}"/>
+              </a:ext>
+            </a:extLst>
+          </p:cNvPr>
+          <p:cNvSpPr/>
+          <p:nvPr/>
+        </p:nvSpPr>
+        <p:spPr>
+          <a:xfrm>
+            <a:off x="2968171" y="1875971"/>
+            <a:ext cx="6255658" cy="3106057"/>
+          </a:xfrm>
+          <a:prstGeom prst="rect">
+            <a:avLst/>
+          </a:prstGeom>
+          <a:ln w="76200">
+            <a:solidFill>
+              <a:schemeClr val="tx1"/>
+            </a:solidFill>
+          </a:ln>
+        </p:spPr>
+        <p:style>
+          <a:lnRef idx="2">
+            <a:schemeClr val="accent1">
+              <a:shade val="15000"/>
+            </a:schemeClr>
+          </a:lnRef>
+          <a:fillRef idx="1">
+            <a:schemeClr val="accent1"/>
+          </a:fillRef>
+          <a:effectRef idx="0">
+            <a:schemeClr val="accent1"/>
+          </a:effectRef>
+          <a:fontRef idx="minor">
+            <a:schemeClr val="lt1"/>
+          </a:fontRef>
+        </p:style>
+        <p:txBody>
+          <a:bodyPr rtlCol="0" anchor="ctr"/>
+          <a:lstStyle/>
+          <a:p>
+            <a:pPr algn="ctr"/>
+            <a:r>
+              <a:rPr lang="de-DE" sz="4400" b="1" dirty="0"/>
+              <a:t>Lasst die Goethe Uni wissen, dass ihr mehr Python </a:t>
+            </a:r>
+            <a:r>
+              <a:rPr lang="de-DE" sz="3600" b="1" dirty="0"/>
+              <a:t>🐍 </a:t>
+            </a:r>
+            <a:r>
+              <a:rPr lang="de-DE" sz="4400" b="1" dirty="0"/>
+              <a:t>wollt</a:t>
+            </a:r>
+          </a:p>
+        </p:txBody>
+      </p:sp>
+    </p:spTree>
+    <p:extLst>
+      <p:ext uri="{BB962C8B-B14F-4D97-AF65-F5344CB8AC3E}">
+        <p14:creationId xmlns:p14="http://schemas.microsoft.com/office/powerpoint/2010/main" val="1879358549"/>
       </p:ext>
     </p:extLst>
   </p:cSld>
@@ -17825,7 +19018,7 @@
                   </a:schemeClr>
                 </a:solidFill>
               </a:rPr>
-              <a:t>LLM</a:t>
+              <a:t>KI</a:t>
             </a:r>
             <a:endParaRPr lang="en-GB" sz="2400" b="1" dirty="0">
               <a:solidFill>
@@ -17926,7 +19119,13 @@
   <p:cSld>
     <p:spTree>
       <p:nvGrpSpPr>
-        <p:cNvPr id="1" name=""/>
+        <p:cNvPr id="1" name="">
+          <a:extLst>
+            <a:ext uri="{FF2B5EF4-FFF2-40B4-BE49-F238E27FC236}">
+              <a16:creationId xmlns:a16="http://schemas.microsoft.com/office/drawing/2014/main" id="{13ABBE93-8425-7B10-7F42-BAEDF3AB6B13}"/>
+            </a:ext>
+          </a:extLst>
+        </p:cNvPr>
         <p:cNvGrpSpPr/>
         <p:nvPr/>
       </p:nvGrpSpPr>
@@ -17943,7 +19142,7 @@
           <p:cNvPr id="2" name="Title 1">
             <a:extLst>
               <a:ext uri="{FF2B5EF4-FFF2-40B4-BE49-F238E27FC236}">
-                <a16:creationId xmlns:a16="http://schemas.microsoft.com/office/drawing/2014/main" id="{4A5468DD-8626-0AED-DC5F-A8F03754BA00}"/>
+                <a16:creationId xmlns:a16="http://schemas.microsoft.com/office/drawing/2014/main" id="{A48049D8-48ED-B3FD-9D0C-D91D50D637F1}"/>
               </a:ext>
             </a:extLst>
           </p:cNvPr>
@@ -17961,7 +19160,7 @@
           <a:p>
             <a:r>
               <a:rPr lang="de-DE" dirty="0"/>
-              <a:t>Wer bin ich überhaupt?</a:t>
+              <a:t>Wer bin ich…?</a:t>
             </a:r>
             <a:endParaRPr lang="en-GB" dirty="0"/>
           </a:p>
@@ -17972,7 +19171,7 @@
           <p:cNvPr id="3" name="Footer Placeholder 2">
             <a:extLst>
               <a:ext uri="{FF2B5EF4-FFF2-40B4-BE49-F238E27FC236}">
-                <a16:creationId xmlns:a16="http://schemas.microsoft.com/office/drawing/2014/main" id="{206C342F-2A1D-BCDC-82D6-F05511D70235}"/>
+                <a16:creationId xmlns:a16="http://schemas.microsoft.com/office/drawing/2014/main" id="{F49B98BE-DD3D-DCBA-4165-E18183AA93A9}"/>
               </a:ext>
             </a:extLst>
           </p:cNvPr>
@@ -18001,7 +19200,7 @@
           <p:cNvPr id="4" name="Text Placeholder 3">
             <a:extLst>
               <a:ext uri="{FF2B5EF4-FFF2-40B4-BE49-F238E27FC236}">
-                <a16:creationId xmlns:a16="http://schemas.microsoft.com/office/drawing/2014/main" id="{28A910BE-B8F0-2BD1-F546-4594E2D3168E}"/>
+                <a16:creationId xmlns:a16="http://schemas.microsoft.com/office/drawing/2014/main" id="{D8C2BD7E-48E4-5FF8-5878-D07B0ABD22F4}"/>
               </a:ext>
             </a:extLst>
           </p:cNvPr>
@@ -18014,39 +19213,20 @@
         </p:nvSpPr>
         <p:spPr/>
         <p:txBody>
-          <a:bodyPr/>
-          <a:lstStyle/>
-          <a:p>
-            <a:pPr marL="342900" indent="-342900">
+          <a:bodyPr>
+            <a:normAutofit fontScale="92500" lnSpcReduction="10000"/>
+          </a:bodyPr>
+          <a:lstStyle/>
+          <a:p>
+            <a:pPr marL="0" indent="0">
               <a:buClr>
                 <a:schemeClr val="tx1"/>
               </a:buClr>
-              <a:buFont typeface="Century Gothic" panose="020B0502020202020204" pitchFamily="34" charset="0"/>
-              <a:buChar char="•"/>
+              <a:buNone/>
             </a:pPr>
             <a:r>
               <a:rPr lang="de-DE" dirty="0"/>
-              <a:t>Data Scientist bei der Commerzbank</a:t>
-            </a:r>
-          </a:p>
-          <a:p>
-            <a:pPr lvl="1" indent="-342900">
-              <a:buFont typeface="Century Gothic" panose="020B0502020202020204" pitchFamily="34" charset="0"/>
-              <a:buChar char="•"/>
-            </a:pPr>
-            <a:r>
-              <a:rPr lang="de-DE" sz="2400" dirty="0"/>
-              <a:t>Ich arbeite mit Daten und entwickle KI Modelle</a:t>
-            </a:r>
-          </a:p>
-          <a:p>
-            <a:pPr lvl="1" indent="-342900">
-              <a:buFont typeface="Century Gothic" panose="020B0502020202020204" pitchFamily="34" charset="0"/>
-              <a:buChar char="•"/>
-            </a:pPr>
-            <a:r>
-              <a:rPr lang="de-DE" sz="2400" dirty="0"/>
-              <a:t>Meine Lieblingsbibliothek ist Pandas</a:t>
+              <a:t>Data Scientist @ Commerzbank</a:t>
             </a:r>
           </a:p>
           <a:p>
@@ -18056,37 +19236,7 @@
             </a:pPr>
             <a:r>
               <a:rPr lang="de-DE" dirty="0"/>
-              <a:t>Meine Hobbies</a:t>
-            </a:r>
-          </a:p>
-          <a:p>
-            <a:pPr lvl="1">
-              <a:buFont typeface="Century Gothic" panose="020B0502020202020204" pitchFamily="34" charset="0"/>
-              <a:buChar char="•"/>
-            </a:pPr>
-            <a:r>
-              <a:rPr lang="de-DE" dirty="0"/>
-              <a:t>🐱 🐱</a:t>
-            </a:r>
-          </a:p>
-          <a:p>
-            <a:pPr lvl="1">
-              <a:buFont typeface="Century Gothic" panose="020B0502020202020204" pitchFamily="34" charset="0"/>
-              <a:buChar char="•"/>
-            </a:pPr>
-            <a:r>
-              <a:rPr lang="de-DE" dirty="0"/>
-              <a:t>♟🎮</a:t>
-            </a:r>
-          </a:p>
-          <a:p>
-            <a:pPr lvl="1">
-              <a:buFont typeface="Century Gothic" panose="020B0502020202020204" pitchFamily="34" charset="0"/>
-              <a:buChar char="•"/>
-            </a:pPr>
-            <a:r>
-              <a:rPr lang="de-DE" dirty="0"/>
-              <a:t>👩‍💻</a:t>
+              <a:t>Ich arbeite mit Daten &amp; entwickle KI</a:t>
             </a:r>
           </a:p>
           <a:p>
@@ -18096,16 +19246,159 @@
             </a:pPr>
             <a:r>
               <a:rPr lang="de-DE" dirty="0"/>
-              <a:t>Gerne per Du</a:t>
+              <a:t>Meine Lieblingsbibliothek ist </a:t>
+            </a:r>
+            <a:r>
+              <a:rPr lang="de-DE" dirty="0" err="1"/>
+              <a:t>pandas</a:t>
+            </a:r>
+            <a:endParaRPr lang="de-DE" dirty="0"/>
+          </a:p>
+          <a:p>
+            <a:pPr marL="0" indent="0">
+              <a:buNone/>
+            </a:pPr>
+            <a:br>
+              <a:rPr lang="de-DE" dirty="0"/>
+            </a:br>
+            <a:r>
+              <a:rPr lang="de-DE" dirty="0"/>
+              <a:t>Meine Hobbies</a:t>
+            </a:r>
+          </a:p>
+          <a:p>
+            <a:pPr>
+              <a:buFont typeface="Century Gothic" panose="020B0502020202020204" pitchFamily="34" charset="0"/>
+              <a:buChar char="•"/>
+            </a:pPr>
+            <a:r>
+              <a:rPr lang="de-DE" sz="1800" dirty="0"/>
+              <a:t>🐱 🐱</a:t>
+            </a:r>
+          </a:p>
+          <a:p>
+            <a:pPr>
+              <a:buFont typeface="Century Gothic" panose="020B0502020202020204" pitchFamily="34" charset="0"/>
+              <a:buChar char="•"/>
+            </a:pPr>
+            <a:r>
+              <a:rPr lang="de-DE" sz="1800" dirty="0"/>
+              <a:t>🎲🎮</a:t>
+            </a:r>
+          </a:p>
+          <a:p>
+            <a:pPr>
+              <a:buFont typeface="Century Gothic" panose="020B0502020202020204" pitchFamily="34" charset="0"/>
+              <a:buChar char="•"/>
+            </a:pPr>
+            <a:r>
+              <a:rPr lang="de-DE" sz="1800" dirty="0"/>
+              <a:t>👩‍💻</a:t>
+            </a:r>
+          </a:p>
+          <a:p>
+            <a:pPr marL="0" indent="0">
+              <a:buNone/>
+            </a:pPr>
+            <a:endParaRPr lang="de-DE" dirty="0"/>
+          </a:p>
+          <a:p>
+            <a:pPr marL="0" indent="0">
+              <a:buNone/>
+            </a:pPr>
+            <a:r>
+              <a:rPr lang="de-DE" dirty="0"/>
+              <a:t>Gerne per Du 😊</a:t>
             </a:r>
             <a:endParaRPr lang="en-GB" dirty="0"/>
+          </a:p>
+        </p:txBody>
+      </p:sp>
+      <p:pic>
+        <p:nvPicPr>
+          <p:cNvPr id="7" name="Picture 6">
+            <a:extLst>
+              <a:ext uri="{FF2B5EF4-FFF2-40B4-BE49-F238E27FC236}">
+                <a16:creationId xmlns:a16="http://schemas.microsoft.com/office/drawing/2014/main" id="{9A1E0F4A-3628-667C-36E8-906E4B04D60F}"/>
+              </a:ext>
+            </a:extLst>
+          </p:cNvPr>
+          <p:cNvPicPr>
+            <a:picLocks noChangeAspect="1"/>
+          </p:cNvPicPr>
+          <p:nvPr/>
+        </p:nvPicPr>
+        <p:blipFill>
+          <a:blip r:embed="rId2"/>
+          <a:srcRect l="-314" r="32452"/>
+          <a:stretch/>
+        </p:blipFill>
+        <p:spPr>
+          <a:xfrm>
+            <a:off x="5996763" y="0"/>
+            <a:ext cx="6195237" cy="6858000"/>
+          </a:xfrm>
+          <a:prstGeom prst="rect">
+            <a:avLst/>
+          </a:prstGeom>
+        </p:spPr>
+      </p:pic>
+      <p:sp>
+        <p:nvSpPr>
+          <p:cNvPr id="8" name="Rectangle 7">
+            <a:extLst>
+              <a:ext uri="{FF2B5EF4-FFF2-40B4-BE49-F238E27FC236}">
+                <a16:creationId xmlns:a16="http://schemas.microsoft.com/office/drawing/2014/main" id="{7DC455FE-E99A-4092-DF4F-1BC90BCDE208}"/>
+              </a:ext>
+            </a:extLst>
+          </p:cNvPr>
+          <p:cNvSpPr/>
+          <p:nvPr/>
+        </p:nvSpPr>
+        <p:spPr>
+          <a:xfrm>
+            <a:off x="5238306" y="5954233"/>
+            <a:ext cx="781494" cy="503274"/>
+          </a:xfrm>
+          <a:prstGeom prst="rect">
+            <a:avLst/>
+          </a:prstGeom>
+          <a:solidFill>
+            <a:srgbClr val="EB9A4C"/>
+          </a:solidFill>
+          <a:ln>
+            <a:noFill/>
+          </a:ln>
+        </p:spPr>
+        <p:style>
+          <a:lnRef idx="2">
+            <a:schemeClr val="accent1">
+              <a:shade val="15000"/>
+            </a:schemeClr>
+          </a:lnRef>
+          <a:fillRef idx="1">
+            <a:schemeClr val="accent1"/>
+          </a:fillRef>
+          <a:effectRef idx="0">
+            <a:schemeClr val="accent1"/>
+          </a:effectRef>
+          <a:fontRef idx="minor">
+            <a:schemeClr val="lt1"/>
+          </a:fontRef>
+        </p:style>
+        <p:txBody>
+          <a:bodyPr rtlCol="0" anchor="ctr"/>
+          <a:lstStyle/>
+          <a:p>
+            <a:pPr algn="ctr"/>
+            <a:endParaRPr lang="de-DE"/>
           </a:p>
         </p:txBody>
       </p:sp>
     </p:spTree>
     <p:extLst>
       <p:ext uri="{BB962C8B-B14F-4D97-AF65-F5344CB8AC3E}">
-        <p14:creationId xmlns:p14="http://schemas.microsoft.com/office/powerpoint/2010/main" val="1900669521"/>
+        <p14:creationId xmlns:p14="http://schemas.microsoft.com/office/powerpoint/2010/main" val="739147375"/>
       </p:ext>
     </p:extLst>
   </p:cSld>
@@ -18460,18 +19753,14 @@
             </a:pPr>
             <a:r>
               <a:rPr lang="de-DE" dirty="0"/>
-              <a:t>Ihr sucht euch einen Datensatz und setzt euer eigenes </a:t>
+              <a:t>Ihr wählt oder sucht euch einen Datensatz und setzt euer eigenes </a:t>
             </a:r>
             <a:br>
               <a:rPr lang="en-GB" dirty="0"/>
             </a:br>
             <a:r>
-              <a:rPr lang="en-GB" dirty="0" err="1"/>
-              <a:t>Anayse</a:t>
-            </a:r>
-            <a:r>
               <a:rPr lang="en-GB" dirty="0"/>
-              <a:t>- und </a:t>
+              <a:t>Analyse- und </a:t>
             </a:r>
             <a:r>
               <a:rPr lang="en-GB" dirty="0" err="1"/>

--- a/Python_Datenanalyse.pptx
+++ b/Python_Datenanalyse.pptx
@@ -6,7 +6,7 @@
     <p:sldMasterId id="2147483668" r:id="rId2"/>
   </p:sldMasterIdLst>
   <p:notesMasterIdLst>
-    <p:notesMasterId r:id="rId31"/>
+    <p:notesMasterId r:id="rId36"/>
   </p:notesMasterIdLst>
   <p:sldIdLst>
     <p:sldId id="265" r:id="rId3"/>
@@ -30,13 +30,18 @@
     <p:sldId id="315" r:id="rId21"/>
     <p:sldId id="318" r:id="rId22"/>
     <p:sldId id="309" r:id="rId23"/>
-    <p:sldId id="321" r:id="rId24"/>
-    <p:sldId id="330" r:id="rId25"/>
-    <p:sldId id="322" r:id="rId26"/>
-    <p:sldId id="323" r:id="rId27"/>
-    <p:sldId id="324" r:id="rId28"/>
-    <p:sldId id="326" r:id="rId29"/>
-    <p:sldId id="327" r:id="rId30"/>
+    <p:sldId id="331" r:id="rId24"/>
+    <p:sldId id="333" r:id="rId25"/>
+    <p:sldId id="334" r:id="rId26"/>
+    <p:sldId id="332" r:id="rId27"/>
+    <p:sldId id="335" r:id="rId28"/>
+    <p:sldId id="336" r:id="rId29"/>
+    <p:sldId id="321" r:id="rId30"/>
+    <p:sldId id="330" r:id="rId31"/>
+    <p:sldId id="322" r:id="rId32"/>
+    <p:sldId id="323" r:id="rId33"/>
+    <p:sldId id="324" r:id="rId34"/>
+    <p:sldId id="326" r:id="rId35"/>
   </p:sldIdLst>
   <p:sldSz cx="12192000" cy="6858000"/>
   <p:notesSz cx="6858000" cy="9144000"/>
@@ -161,13 +166,18 @@
             <p14:sldId id="315"/>
             <p14:sldId id="318"/>
             <p14:sldId id="309"/>
+            <p14:sldId id="331"/>
+            <p14:sldId id="333"/>
+            <p14:sldId id="334"/>
+            <p14:sldId id="332"/>
+            <p14:sldId id="335"/>
+            <p14:sldId id="336"/>
             <p14:sldId id="321"/>
             <p14:sldId id="330"/>
             <p14:sldId id="322"/>
             <p14:sldId id="323"/>
             <p14:sldId id="324"/>
             <p14:sldId id="326"/>
-            <p14:sldId id="327"/>
           </p14:sldIdLst>
         </p14:section>
       </p14:sectionLst>
@@ -261,7 +271,7 @@
           <a:p>
             <a:fld id="{2D83F089-0B23-4DFA-90CE-7EAA6BCB84F3}" type="datetimeFigureOut">
               <a:rPr lang="en-GB" smtClean="0"/>
-              <a:t>11/05/2025</a:t>
+              <a:t>12/10/2025</a:t>
             </a:fld>
             <a:endParaRPr lang="en-GB"/>
           </a:p>
@@ -758,7 +768,7 @@
             </a:pPr>
             <a:r>
               <a:rPr lang="de-DE" dirty="0"/>
-              <a:t>Workshop Forum TBD </a:t>
+              <a:t>Fragen &amp; Austausch</a:t>
             </a:r>
           </a:p>
           <a:p>
@@ -771,7 +781,7 @@
             </a:pPr>
             <a:r>
               <a:rPr lang="de-DE" dirty="0"/>
-              <a:t>Bing Copilot / Chat GPT / Google Gemini</a:t>
+              <a:t>ChatGPT / Google Gemini / Claude / …</a:t>
             </a:r>
             <a:endParaRPr lang="en-GB" dirty="0"/>
           </a:p>
@@ -2382,7 +2392,7 @@
           <a:ln/>
           <a:extLst>
             <a:ext uri="{91240B29-F687-4f45-9708-019B960494DF}">
-              <a14:hiddenLine xmlns="" xmlns:a14="http://schemas.microsoft.com/office/drawing/2010/main" w="9525">
+              <a14:hiddenLine xmlns:a14="http://schemas.microsoft.com/office/drawing/2010/main" xmlns="" w="9525">
                 <a:solidFill>
                   <a:srgbClr val="000000"/>
                 </a:solidFill>
@@ -4214,7 +4224,7 @@
           <a:ln/>
           <a:extLst>
             <a:ext uri="{91240B29-F687-4f45-9708-019B960494DF}">
-              <a14:hiddenLine xmlns="" xmlns:a14="http://schemas.microsoft.com/office/drawing/2010/main" w="9525">
+              <a14:hiddenLine xmlns:a14="http://schemas.microsoft.com/office/drawing/2010/main" xmlns="" w="9525">
                 <a:solidFill>
                   <a:srgbClr val="000000"/>
                 </a:solidFill>
@@ -4485,7 +4495,7 @@
           <a:ln/>
           <a:extLst>
             <a:ext uri="{91240B29-F687-4f45-9708-019B960494DF}">
-              <a14:hiddenLine xmlns="" xmlns:a14="http://schemas.microsoft.com/office/drawing/2010/main" w="9525">
+              <a14:hiddenLine xmlns:a14="http://schemas.microsoft.com/office/drawing/2010/main" xmlns="" w="9525">
                 <a:solidFill>
                   <a:srgbClr val="000000"/>
                 </a:solidFill>
@@ -7817,7 +7827,7 @@
           <a:ln/>
           <a:extLst>
             <a:ext uri="{91240B29-F687-4f45-9708-019B960494DF}">
-              <a14:hiddenLine xmlns="" xmlns:a14="http://schemas.microsoft.com/office/drawing/2010/main" w="9525">
+              <a14:hiddenLine xmlns:a14="http://schemas.microsoft.com/office/drawing/2010/main" xmlns="" w="9525">
                 <a:solidFill>
                   <a:srgbClr val="000000"/>
                 </a:solidFill>
@@ -9136,7 +9146,7 @@
           <a:ln/>
           <a:extLst>
             <a:ext uri="{91240B29-F687-4f45-9708-019B960494DF}">
-              <a14:hiddenLine xmlns="" xmlns:a14="http://schemas.microsoft.com/office/drawing/2010/main" w="9525">
+              <a14:hiddenLine xmlns:a14="http://schemas.microsoft.com/office/drawing/2010/main" xmlns="" w="9525">
                 <a:solidFill>
                   <a:srgbClr val="000000"/>
                 </a:solidFill>
@@ -9487,7 +9497,7 @@
           <a:ln/>
           <a:extLst>
             <a:ext uri="{91240B29-F687-4f45-9708-019B960494DF}">
-              <a14:hiddenLine xmlns="" xmlns:a14="http://schemas.microsoft.com/office/drawing/2010/main" w="9525">
+              <a14:hiddenLine xmlns:a14="http://schemas.microsoft.com/office/drawing/2010/main" xmlns="" w="9525">
                 <a:solidFill>
                   <a:srgbClr val="000000"/>
                 </a:solidFill>
@@ -9960,7 +9970,7 @@
           <a:ln/>
           <a:extLst>
             <a:ext uri="{91240B29-F687-4f45-9708-019B960494DF}">
-              <a14:hiddenLine xmlns="" xmlns:a14="http://schemas.microsoft.com/office/drawing/2010/main" w="9525">
+              <a14:hiddenLine xmlns:a14="http://schemas.microsoft.com/office/drawing/2010/main" xmlns="" w="9525">
                 <a:solidFill>
                   <a:srgbClr val="000000"/>
                 </a:solidFill>
@@ -16588,7 +16598,7 @@
         <p:cNvPr id="1" name="">
           <a:extLst>
             <a:ext uri="{FF2B5EF4-FFF2-40B4-BE49-F238E27FC236}">
-              <a16:creationId xmlns:a16="http://schemas.microsoft.com/office/drawing/2014/main" id="{1C8E4A57-3E4B-2F92-7039-976E5391DF61}"/>
+              <a16:creationId xmlns:a16="http://schemas.microsoft.com/office/drawing/2014/main" id="{3B568F6C-97D4-6F90-A22F-36A3D09B5ED3}"/>
             </a:ext>
           </a:extLst>
         </p:cNvPr>
@@ -16608,7 +16618,7 @@
           <p:cNvPr id="2" name="Title 1">
             <a:extLst>
               <a:ext uri="{FF2B5EF4-FFF2-40B4-BE49-F238E27FC236}">
-                <a16:creationId xmlns:a16="http://schemas.microsoft.com/office/drawing/2014/main" id="{B50F7C52-08C6-B77B-7F9C-5E3B8F7EDB33}"/>
+                <a16:creationId xmlns:a16="http://schemas.microsoft.com/office/drawing/2014/main" id="{3756D6AE-9DB5-004C-2509-6F2D4A2DD44D}"/>
               </a:ext>
             </a:extLst>
           </p:cNvPr>
@@ -16626,7 +16636,7 @@
           <a:p>
             <a:r>
               <a:rPr lang="de-DE" dirty="0"/>
-              <a:t>Was könnt ihr noch tun?</a:t>
+              <a:t>Programmieren im Zeitalter Künstlicher Intelligenz</a:t>
             </a:r>
             <a:endParaRPr lang="en-GB" dirty="0"/>
           </a:p>
@@ -16637,7 +16647,7 @@
           <p:cNvPr id="3" name="Text Placeholder 2">
             <a:extLst>
               <a:ext uri="{FF2B5EF4-FFF2-40B4-BE49-F238E27FC236}">
-                <a16:creationId xmlns:a16="http://schemas.microsoft.com/office/drawing/2014/main" id="{A22F82E9-972B-B5B3-3D69-870E14DC99CE}"/>
+                <a16:creationId xmlns:a16="http://schemas.microsoft.com/office/drawing/2014/main" id="{5160240F-48F4-9148-E33B-4798667576E6}"/>
               </a:ext>
             </a:extLst>
           </p:cNvPr>
@@ -16655,7 +16665,7 @@
           <a:p>
             <a:r>
               <a:rPr lang="de-DE" dirty="0"/>
-              <a:t>Chapter 3</a:t>
+              <a:t>Chapter 4</a:t>
             </a:r>
             <a:endParaRPr lang="en-GB" dirty="0"/>
           </a:p>
@@ -16666,7 +16676,7 @@
           <p:cNvPr id="4" name="Footer Placeholder 3">
             <a:extLst>
               <a:ext uri="{FF2B5EF4-FFF2-40B4-BE49-F238E27FC236}">
-                <a16:creationId xmlns:a16="http://schemas.microsoft.com/office/drawing/2014/main" id="{3A7C4213-2A21-E286-501B-4FDCE84985D5}"/>
+                <a16:creationId xmlns:a16="http://schemas.microsoft.com/office/drawing/2014/main" id="{088DD16D-B329-7FC9-ED12-C9488DDF7781}"/>
               </a:ext>
             </a:extLst>
           </p:cNvPr>
@@ -16693,7 +16703,7 @@
     </p:spTree>
     <p:extLst>
       <p:ext uri="{BB962C8B-B14F-4D97-AF65-F5344CB8AC3E}">
-        <p14:creationId xmlns:p14="http://schemas.microsoft.com/office/powerpoint/2010/main" val="1673940398"/>
+        <p14:creationId xmlns:p14="http://schemas.microsoft.com/office/powerpoint/2010/main" val="1905107073"/>
       </p:ext>
     </p:extLst>
   </p:cSld>
@@ -16704,6 +16714,1082 @@
 </file>
 
 <file path=ppt/slides/slide23.xml><?xml version="1.0" encoding="utf-8"?>
+<p:sld xmlns:a="http://schemas.openxmlformats.org/drawingml/2006/main" xmlns:r="http://schemas.openxmlformats.org/officeDocument/2006/relationships" xmlns:p="http://schemas.openxmlformats.org/presentationml/2006/main">
+  <p:cSld>
+    <p:spTree>
+      <p:nvGrpSpPr>
+        <p:cNvPr id="1" name="">
+          <a:extLst>
+            <a:ext uri="{FF2B5EF4-FFF2-40B4-BE49-F238E27FC236}">
+              <a16:creationId xmlns:a16="http://schemas.microsoft.com/office/drawing/2014/main" id="{DBE93402-5AD5-BFB4-5274-27686954ECDE}"/>
+            </a:ext>
+          </a:extLst>
+        </p:cNvPr>
+        <p:cNvGrpSpPr/>
+        <p:nvPr/>
+      </p:nvGrpSpPr>
+      <p:grpSpPr>
+        <a:xfrm>
+          <a:off x="0" y="0"/>
+          <a:ext cx="0" cy="0"/>
+          <a:chOff x="0" y="0"/>
+          <a:chExt cx="0" cy="0"/>
+        </a:xfrm>
+      </p:grpSpPr>
+      <p:sp>
+        <p:nvSpPr>
+          <p:cNvPr id="3" name="Footer Placeholder 2">
+            <a:extLst>
+              <a:ext uri="{FF2B5EF4-FFF2-40B4-BE49-F238E27FC236}">
+                <a16:creationId xmlns:a16="http://schemas.microsoft.com/office/drawing/2014/main" id="{F6EAE63D-FFE1-BBDA-7912-C5BA461B8924}"/>
+              </a:ext>
+            </a:extLst>
+          </p:cNvPr>
+          <p:cNvSpPr>
+            <a:spLocks noGrp="1"/>
+          </p:cNvSpPr>
+          <p:nvPr>
+            <p:ph type="ftr" sz="quarter" idx="11"/>
+          </p:nvPr>
+        </p:nvSpPr>
+        <p:spPr/>
+        <p:txBody>
+          <a:bodyPr/>
+          <a:lstStyle/>
+          <a:p>
+            <a:r>
+              <a:rPr lang="en-US"/>
+              <a:t>Elliot Kovanda – Data Scientist</a:t>
+            </a:r>
+            <a:endParaRPr lang="en-US" dirty="0"/>
+          </a:p>
+        </p:txBody>
+      </p:sp>
+      <p:sp>
+        <p:nvSpPr>
+          <p:cNvPr id="4" name="Text Placeholder 3">
+            <a:extLst>
+              <a:ext uri="{FF2B5EF4-FFF2-40B4-BE49-F238E27FC236}">
+                <a16:creationId xmlns:a16="http://schemas.microsoft.com/office/drawing/2014/main" id="{5F39FA85-F9C9-FFEE-D924-32F3A83EEAD1}"/>
+              </a:ext>
+            </a:extLst>
+          </p:cNvPr>
+          <p:cNvSpPr>
+            <a:spLocks noGrp="1"/>
+          </p:cNvSpPr>
+          <p:nvPr>
+            <p:ph type="body" sz="quarter" idx="12"/>
+          </p:nvPr>
+        </p:nvSpPr>
+        <p:spPr>
+          <a:xfrm>
+            <a:off x="2586632" y="0"/>
+            <a:ext cx="7018735" cy="6858000"/>
+          </a:xfrm>
+        </p:spPr>
+        <p:txBody>
+          <a:bodyPr anchor="ctr"/>
+          <a:lstStyle/>
+          <a:p>
+            <a:pPr marL="0" indent="0" algn="ctr">
+              <a:buNone/>
+            </a:pPr>
+            <a:r>
+              <a:rPr lang="de-DE" dirty="0"/>
+              <a:t>Künstliche Intelligenz hat das Programmieren in den letzten Monaten und Jahren </a:t>
+            </a:r>
+            <a:br>
+              <a:rPr lang="de-DE" dirty="0"/>
+            </a:br>
+            <a:r>
+              <a:rPr lang="de-DE" dirty="0"/>
+              <a:t>extrem verändert.</a:t>
+            </a:r>
+          </a:p>
+        </p:txBody>
+      </p:sp>
+    </p:spTree>
+    <p:extLst>
+      <p:ext uri="{BB962C8B-B14F-4D97-AF65-F5344CB8AC3E}">
+        <p14:creationId xmlns:p14="http://schemas.microsoft.com/office/powerpoint/2010/main" val="1543722747"/>
+      </p:ext>
+    </p:extLst>
+  </p:cSld>
+  <p:clrMapOvr>
+    <a:masterClrMapping/>
+  </p:clrMapOvr>
+</p:sld>
+</file>
+
+<file path=ppt/slides/slide24.xml><?xml version="1.0" encoding="utf-8"?>
+<p:sld xmlns:a="http://schemas.openxmlformats.org/drawingml/2006/main" xmlns:r="http://schemas.openxmlformats.org/officeDocument/2006/relationships" xmlns:p="http://schemas.openxmlformats.org/presentationml/2006/main">
+  <p:cSld>
+    <p:spTree>
+      <p:nvGrpSpPr>
+        <p:cNvPr id="1" name="">
+          <a:extLst>
+            <a:ext uri="{FF2B5EF4-FFF2-40B4-BE49-F238E27FC236}">
+              <a16:creationId xmlns:a16="http://schemas.microsoft.com/office/drawing/2014/main" id="{E82B4419-40AA-C267-2B4B-404757AE49C9}"/>
+            </a:ext>
+          </a:extLst>
+        </p:cNvPr>
+        <p:cNvGrpSpPr/>
+        <p:nvPr/>
+      </p:nvGrpSpPr>
+      <p:grpSpPr>
+        <a:xfrm>
+          <a:off x="0" y="0"/>
+          <a:ext cx="0" cy="0"/>
+          <a:chOff x="0" y="0"/>
+          <a:chExt cx="0" cy="0"/>
+        </a:xfrm>
+      </p:grpSpPr>
+      <p:sp>
+        <p:nvSpPr>
+          <p:cNvPr id="3" name="Footer Placeholder 2">
+            <a:extLst>
+              <a:ext uri="{FF2B5EF4-FFF2-40B4-BE49-F238E27FC236}">
+                <a16:creationId xmlns:a16="http://schemas.microsoft.com/office/drawing/2014/main" id="{00ECFE11-721B-6F94-67B4-691AFFE1B71B}"/>
+              </a:ext>
+            </a:extLst>
+          </p:cNvPr>
+          <p:cNvSpPr>
+            <a:spLocks noGrp="1"/>
+          </p:cNvSpPr>
+          <p:nvPr>
+            <p:ph type="ftr" sz="quarter" idx="11"/>
+          </p:nvPr>
+        </p:nvSpPr>
+        <p:spPr/>
+        <p:txBody>
+          <a:bodyPr/>
+          <a:lstStyle/>
+          <a:p>
+            <a:r>
+              <a:rPr lang="en-US"/>
+              <a:t>Elliot Kovanda – Data Scientist</a:t>
+            </a:r>
+            <a:endParaRPr lang="en-US" dirty="0"/>
+          </a:p>
+        </p:txBody>
+      </p:sp>
+      <p:cxnSp>
+        <p:nvCxnSpPr>
+          <p:cNvPr id="7" name="Straight Arrow Connector 6">
+            <a:extLst>
+              <a:ext uri="{FF2B5EF4-FFF2-40B4-BE49-F238E27FC236}">
+                <a16:creationId xmlns:a16="http://schemas.microsoft.com/office/drawing/2014/main" id="{D2D9E707-19E2-95F0-168D-F51497E26EEC}"/>
+              </a:ext>
+            </a:extLst>
+          </p:cNvPr>
+          <p:cNvCxnSpPr>
+            <a:cxnSpLocks/>
+          </p:cNvCxnSpPr>
+          <p:nvPr/>
+        </p:nvCxnSpPr>
+        <p:spPr>
+          <a:xfrm>
+            <a:off x="3228975" y="4071936"/>
+            <a:ext cx="7953374" cy="0"/>
+          </a:xfrm>
+          <a:prstGeom prst="straightConnector1">
+            <a:avLst/>
+          </a:prstGeom>
+          <a:ln w="57150">
+            <a:solidFill>
+              <a:schemeClr val="tx1"/>
+            </a:solidFill>
+            <a:tailEnd type="triangle"/>
+          </a:ln>
+        </p:spPr>
+        <p:style>
+          <a:lnRef idx="1">
+            <a:schemeClr val="accent1"/>
+          </a:lnRef>
+          <a:fillRef idx="0">
+            <a:schemeClr val="accent1"/>
+          </a:fillRef>
+          <a:effectRef idx="0">
+            <a:schemeClr val="accent1"/>
+          </a:effectRef>
+          <a:fontRef idx="minor">
+            <a:schemeClr val="tx1"/>
+          </a:fontRef>
+        </p:style>
+      </p:cxnSp>
+      <p:cxnSp>
+        <p:nvCxnSpPr>
+          <p:cNvPr id="9" name="Straight Connector 8">
+            <a:extLst>
+              <a:ext uri="{FF2B5EF4-FFF2-40B4-BE49-F238E27FC236}">
+                <a16:creationId xmlns:a16="http://schemas.microsoft.com/office/drawing/2014/main" id="{1B0B64D0-9131-88A3-32A4-09485CBE7765}"/>
+              </a:ext>
+            </a:extLst>
+          </p:cNvPr>
+          <p:cNvCxnSpPr>
+            <a:cxnSpLocks/>
+          </p:cNvCxnSpPr>
+          <p:nvPr/>
+        </p:nvCxnSpPr>
+        <p:spPr>
+          <a:xfrm flipH="1">
+            <a:off x="2808685" y="3832620"/>
+            <a:ext cx="164306" cy="478631"/>
+          </a:xfrm>
+          <a:prstGeom prst="line">
+            <a:avLst/>
+          </a:prstGeom>
+          <a:ln w="57150">
+            <a:solidFill>
+              <a:schemeClr val="tx1"/>
+            </a:solidFill>
+          </a:ln>
+        </p:spPr>
+        <p:style>
+          <a:lnRef idx="1">
+            <a:schemeClr val="accent1"/>
+          </a:lnRef>
+          <a:fillRef idx="0">
+            <a:schemeClr val="accent1"/>
+          </a:fillRef>
+          <a:effectRef idx="0">
+            <a:schemeClr val="accent1"/>
+          </a:effectRef>
+          <a:fontRef idx="minor">
+            <a:schemeClr val="tx1"/>
+          </a:fontRef>
+        </p:style>
+      </p:cxnSp>
+      <p:cxnSp>
+        <p:nvCxnSpPr>
+          <p:cNvPr id="10" name="Straight Connector 9">
+            <a:extLst>
+              <a:ext uri="{FF2B5EF4-FFF2-40B4-BE49-F238E27FC236}">
+                <a16:creationId xmlns:a16="http://schemas.microsoft.com/office/drawing/2014/main" id="{1A9F05C8-5D4C-AC6F-A51C-02EAC9A0D2DA}"/>
+              </a:ext>
+            </a:extLst>
+          </p:cNvPr>
+          <p:cNvCxnSpPr>
+            <a:cxnSpLocks/>
+          </p:cNvCxnSpPr>
+          <p:nvPr/>
+        </p:nvCxnSpPr>
+        <p:spPr>
+          <a:xfrm flipH="1">
+            <a:off x="2899172" y="3832620"/>
+            <a:ext cx="164306" cy="478631"/>
+          </a:xfrm>
+          <a:prstGeom prst="line">
+            <a:avLst/>
+          </a:prstGeom>
+          <a:ln w="57150">
+            <a:solidFill>
+              <a:schemeClr val="tx1"/>
+            </a:solidFill>
+          </a:ln>
+        </p:spPr>
+        <p:style>
+          <a:lnRef idx="1">
+            <a:schemeClr val="accent1"/>
+          </a:lnRef>
+          <a:fillRef idx="0">
+            <a:schemeClr val="accent1"/>
+          </a:fillRef>
+          <a:effectRef idx="0">
+            <a:schemeClr val="accent1"/>
+          </a:effectRef>
+          <a:fontRef idx="minor">
+            <a:schemeClr val="tx1"/>
+          </a:fontRef>
+        </p:style>
+      </p:cxnSp>
+      <p:cxnSp>
+        <p:nvCxnSpPr>
+          <p:cNvPr id="16" name="Straight Connector 15">
+            <a:extLst>
+              <a:ext uri="{FF2B5EF4-FFF2-40B4-BE49-F238E27FC236}">
+                <a16:creationId xmlns:a16="http://schemas.microsoft.com/office/drawing/2014/main" id="{D26CAD0C-CDF6-7C5E-1491-FB067D56F72E}"/>
+              </a:ext>
+            </a:extLst>
+          </p:cNvPr>
+          <p:cNvCxnSpPr>
+            <a:cxnSpLocks/>
+          </p:cNvCxnSpPr>
+          <p:nvPr/>
+        </p:nvCxnSpPr>
+        <p:spPr>
+          <a:xfrm flipH="1">
+            <a:off x="914400" y="4071936"/>
+            <a:ext cx="1728788" cy="0"/>
+          </a:xfrm>
+          <a:prstGeom prst="line">
+            <a:avLst/>
+          </a:prstGeom>
+          <a:ln w="57150">
+            <a:solidFill>
+              <a:schemeClr val="tx1"/>
+            </a:solidFill>
+          </a:ln>
+        </p:spPr>
+        <p:style>
+          <a:lnRef idx="1">
+            <a:schemeClr val="accent1"/>
+          </a:lnRef>
+          <a:fillRef idx="0">
+            <a:schemeClr val="accent1"/>
+          </a:fillRef>
+          <a:effectRef idx="0">
+            <a:schemeClr val="accent1"/>
+          </a:effectRef>
+          <a:fontRef idx="minor">
+            <a:schemeClr val="tx1"/>
+          </a:fontRef>
+        </p:style>
+      </p:cxnSp>
+      <p:sp>
+        <p:nvSpPr>
+          <p:cNvPr id="25" name="Speech Bubble: Rectangle with Corners Rounded 24">
+            <a:extLst>
+              <a:ext uri="{FF2B5EF4-FFF2-40B4-BE49-F238E27FC236}">
+                <a16:creationId xmlns:a16="http://schemas.microsoft.com/office/drawing/2014/main" id="{9299F71C-4D91-BBA8-DA4A-68089A27D950}"/>
+              </a:ext>
+            </a:extLst>
+          </p:cNvPr>
+          <p:cNvSpPr/>
+          <p:nvPr/>
+        </p:nvSpPr>
+        <p:spPr>
+          <a:xfrm>
+            <a:off x="695465" y="751550"/>
+            <a:ext cx="1876285" cy="2756028"/>
+          </a:xfrm>
+          <a:prstGeom prst="wedgeRoundRectCallout">
+            <a:avLst>
+              <a:gd name="adj1" fmla="val -20420"/>
+              <a:gd name="adj2" fmla="val 58930"/>
+              <a:gd name="adj3" fmla="val 16667"/>
+            </a:avLst>
+          </a:prstGeom>
+          <a:solidFill>
+            <a:schemeClr val="bg1">
+              <a:lumMod val="75000"/>
+              <a:lumOff val="25000"/>
+            </a:schemeClr>
+          </a:solidFill>
+          <a:ln w="57150">
+            <a:solidFill>
+              <a:schemeClr val="tx1"/>
+            </a:solidFill>
+          </a:ln>
+          <a:effectLst>
+            <a:outerShdw blurRad="50800" dist="38100" dir="2700000" algn="tl" rotWithShape="0">
+              <a:prstClr val="black">
+                <a:alpha val="40000"/>
+              </a:prstClr>
+            </a:outerShdw>
+          </a:effectLst>
+        </p:spPr>
+        <p:style>
+          <a:lnRef idx="2">
+            <a:schemeClr val="accent1">
+              <a:shade val="15000"/>
+            </a:schemeClr>
+          </a:lnRef>
+          <a:fillRef idx="1">
+            <a:schemeClr val="accent1"/>
+          </a:fillRef>
+          <a:effectRef idx="0">
+            <a:schemeClr val="accent1"/>
+          </a:effectRef>
+          <a:fontRef idx="minor">
+            <a:schemeClr val="lt1"/>
+          </a:fontRef>
+        </p:style>
+        <p:txBody>
+          <a:bodyPr rtlCol="0" anchor="ctr"/>
+          <a:lstStyle/>
+          <a:p>
+            <a:pPr algn="ctr"/>
+            <a:r>
+              <a:rPr lang="de-DE" dirty="0"/>
+              <a:t>KI spielt noch keine Rolle beim Coden.</a:t>
+            </a:r>
+          </a:p>
+          <a:p>
+            <a:pPr algn="ctr"/>
+            <a:br>
+              <a:rPr lang="de-DE" dirty="0"/>
+            </a:br>
+            <a:r>
+              <a:rPr lang="de-DE" dirty="0"/>
+              <a:t>Fragen werden durch (Web-) Recherche beantwortet</a:t>
+            </a:r>
+          </a:p>
+        </p:txBody>
+      </p:sp>
+      <p:sp>
+        <p:nvSpPr>
+          <p:cNvPr id="26" name="Speech Bubble: Rectangle with Corners Rounded 25">
+            <a:extLst>
+              <a:ext uri="{FF2B5EF4-FFF2-40B4-BE49-F238E27FC236}">
+                <a16:creationId xmlns:a16="http://schemas.microsoft.com/office/drawing/2014/main" id="{E662A6CC-EFC4-5599-469A-B3C07700D41F}"/>
+              </a:ext>
+            </a:extLst>
+          </p:cNvPr>
+          <p:cNvSpPr/>
+          <p:nvPr/>
+        </p:nvSpPr>
+        <p:spPr>
+          <a:xfrm>
+            <a:off x="3433903" y="751550"/>
+            <a:ext cx="1816752" cy="2756028"/>
+          </a:xfrm>
+          <a:prstGeom prst="wedgeRoundRectCallout">
+            <a:avLst>
+              <a:gd name="adj1" fmla="val -20420"/>
+              <a:gd name="adj2" fmla="val 58930"/>
+              <a:gd name="adj3" fmla="val 16667"/>
+            </a:avLst>
+          </a:prstGeom>
+          <a:solidFill>
+            <a:schemeClr val="accent4"/>
+          </a:solidFill>
+          <a:ln w="57150">
+            <a:solidFill>
+              <a:schemeClr val="tx1"/>
+            </a:solidFill>
+          </a:ln>
+          <a:effectLst>
+            <a:outerShdw blurRad="50800" dist="38100" dir="2700000" algn="tl" rotWithShape="0">
+              <a:prstClr val="black">
+                <a:alpha val="40000"/>
+              </a:prstClr>
+            </a:outerShdw>
+          </a:effectLst>
+        </p:spPr>
+        <p:style>
+          <a:lnRef idx="2">
+            <a:schemeClr val="accent1">
+              <a:shade val="15000"/>
+            </a:schemeClr>
+          </a:lnRef>
+          <a:fillRef idx="1">
+            <a:schemeClr val="accent1"/>
+          </a:fillRef>
+          <a:effectRef idx="0">
+            <a:schemeClr val="accent1"/>
+          </a:effectRef>
+          <a:fontRef idx="minor">
+            <a:schemeClr val="lt1"/>
+          </a:fontRef>
+        </p:style>
+        <p:txBody>
+          <a:bodyPr rtlCol="0" anchor="ctr"/>
+          <a:lstStyle/>
+          <a:p>
+            <a:pPr algn="ctr"/>
+            <a:r>
+              <a:rPr lang="de-DE" dirty="0"/>
+              <a:t>KI ist fehleranfällig aber bei einfachen Fragen ersetzt sie eine Google Suche</a:t>
+            </a:r>
+          </a:p>
+        </p:txBody>
+      </p:sp>
+      <p:cxnSp>
+        <p:nvCxnSpPr>
+          <p:cNvPr id="27" name="Straight Connector 26">
+            <a:extLst>
+              <a:ext uri="{FF2B5EF4-FFF2-40B4-BE49-F238E27FC236}">
+                <a16:creationId xmlns:a16="http://schemas.microsoft.com/office/drawing/2014/main" id="{3A76260D-A863-4A27-7D71-74BB472089B7}"/>
+              </a:ext>
+            </a:extLst>
+          </p:cNvPr>
+          <p:cNvCxnSpPr>
+            <a:cxnSpLocks/>
+          </p:cNvCxnSpPr>
+          <p:nvPr/>
+        </p:nvCxnSpPr>
+        <p:spPr>
+          <a:xfrm>
+            <a:off x="3980259" y="3900487"/>
+            <a:ext cx="0" cy="307181"/>
+          </a:xfrm>
+          <a:prstGeom prst="line">
+            <a:avLst/>
+          </a:prstGeom>
+          <a:ln w="57150">
+            <a:solidFill>
+              <a:schemeClr val="tx1"/>
+            </a:solidFill>
+          </a:ln>
+        </p:spPr>
+        <p:style>
+          <a:lnRef idx="1">
+            <a:schemeClr val="accent1"/>
+          </a:lnRef>
+          <a:fillRef idx="0">
+            <a:schemeClr val="accent1"/>
+          </a:fillRef>
+          <a:effectRef idx="0">
+            <a:schemeClr val="accent1"/>
+          </a:effectRef>
+          <a:fontRef idx="minor">
+            <a:schemeClr val="tx1"/>
+          </a:fontRef>
+        </p:style>
+      </p:cxnSp>
+      <p:sp>
+        <p:nvSpPr>
+          <p:cNvPr id="31" name="TextBox 30">
+            <a:extLst>
+              <a:ext uri="{FF2B5EF4-FFF2-40B4-BE49-F238E27FC236}">
+                <a16:creationId xmlns:a16="http://schemas.microsoft.com/office/drawing/2014/main" id="{1FBAAAC8-FD33-40BA-CC18-EE82B8C3A04A}"/>
+              </a:ext>
+            </a:extLst>
+          </p:cNvPr>
+          <p:cNvSpPr txBox="1"/>
+          <p:nvPr/>
+        </p:nvSpPr>
+        <p:spPr>
+          <a:xfrm>
+            <a:off x="3171383" y="4379117"/>
+            <a:ext cx="1617751" cy="923330"/>
+          </a:xfrm>
+          <a:prstGeom prst="rect">
+            <a:avLst/>
+          </a:prstGeom>
+          <a:noFill/>
+        </p:spPr>
+        <p:txBody>
+          <a:bodyPr wrap="none" rtlCol="0">
+            <a:spAutoFit/>
+          </a:bodyPr>
+          <a:lstStyle/>
+          <a:p>
+            <a:pPr algn="ctr"/>
+            <a:r>
+              <a:rPr lang="de-DE" b="1" dirty="0"/>
+              <a:t>Ende 2022</a:t>
+            </a:r>
+          </a:p>
+          <a:p>
+            <a:pPr algn="ctr"/>
+            <a:r>
+              <a:rPr lang="de-DE" dirty="0"/>
+              <a:t>Release von </a:t>
+            </a:r>
+            <a:br>
+              <a:rPr lang="de-DE" dirty="0"/>
+            </a:br>
+            <a:r>
+              <a:rPr lang="de-DE" dirty="0"/>
+              <a:t>ChatGPT</a:t>
+            </a:r>
+          </a:p>
+        </p:txBody>
+      </p:sp>
+      <p:sp>
+        <p:nvSpPr>
+          <p:cNvPr id="32" name="Speech Bubble: Rectangle with Corners Rounded 31">
+            <a:extLst>
+              <a:ext uri="{FF2B5EF4-FFF2-40B4-BE49-F238E27FC236}">
+                <a16:creationId xmlns:a16="http://schemas.microsoft.com/office/drawing/2014/main" id="{F3A6256B-A9A5-8099-66DF-EF38419DA759}"/>
+              </a:ext>
+            </a:extLst>
+          </p:cNvPr>
+          <p:cNvSpPr/>
+          <p:nvPr/>
+        </p:nvSpPr>
+        <p:spPr>
+          <a:xfrm>
+            <a:off x="5468305" y="751550"/>
+            <a:ext cx="1589720" cy="2756028"/>
+          </a:xfrm>
+          <a:prstGeom prst="wedgeRoundRectCallout">
+            <a:avLst>
+              <a:gd name="adj1" fmla="val -20420"/>
+              <a:gd name="adj2" fmla="val 58930"/>
+              <a:gd name="adj3" fmla="val 16667"/>
+            </a:avLst>
+          </a:prstGeom>
+          <a:solidFill>
+            <a:schemeClr val="accent3"/>
+          </a:solidFill>
+          <a:ln w="57150">
+            <a:solidFill>
+              <a:schemeClr val="tx1"/>
+            </a:solidFill>
+          </a:ln>
+          <a:effectLst>
+            <a:outerShdw blurRad="50800" dist="38100" dir="2700000" algn="tl" rotWithShape="0">
+              <a:prstClr val="black">
+                <a:alpha val="40000"/>
+              </a:prstClr>
+            </a:outerShdw>
+          </a:effectLst>
+        </p:spPr>
+        <p:style>
+          <a:lnRef idx="2">
+            <a:schemeClr val="accent1">
+              <a:shade val="15000"/>
+            </a:schemeClr>
+          </a:lnRef>
+          <a:fillRef idx="1">
+            <a:schemeClr val="accent1"/>
+          </a:fillRef>
+          <a:effectRef idx="0">
+            <a:schemeClr val="accent1"/>
+          </a:effectRef>
+          <a:fontRef idx="minor">
+            <a:schemeClr val="lt1"/>
+          </a:fontRef>
+        </p:style>
+        <p:txBody>
+          <a:bodyPr rtlCol="0" anchor="ctr"/>
+          <a:lstStyle/>
+          <a:p>
+            <a:pPr algn="ctr"/>
+            <a:r>
+              <a:rPr lang="de-DE" dirty="0"/>
+              <a:t>KI-Modelle werden besser, schneller und günstiger</a:t>
+            </a:r>
+          </a:p>
+        </p:txBody>
+      </p:sp>
+      <p:sp>
+        <p:nvSpPr>
+          <p:cNvPr id="33" name="TextBox 32">
+            <a:extLst>
+              <a:ext uri="{FF2B5EF4-FFF2-40B4-BE49-F238E27FC236}">
+                <a16:creationId xmlns:a16="http://schemas.microsoft.com/office/drawing/2014/main" id="{661EEE4B-C979-F5AC-0CDD-DAFEC00F12C4}"/>
+              </a:ext>
+            </a:extLst>
+          </p:cNvPr>
+          <p:cNvSpPr txBox="1"/>
+          <p:nvPr/>
+        </p:nvSpPr>
+        <p:spPr>
+          <a:xfrm>
+            <a:off x="5054139" y="4379117"/>
+            <a:ext cx="1786066" cy="923330"/>
+          </a:xfrm>
+          <a:prstGeom prst="rect">
+            <a:avLst/>
+          </a:prstGeom>
+          <a:noFill/>
+        </p:spPr>
+        <p:txBody>
+          <a:bodyPr wrap="none" rtlCol="0">
+            <a:spAutoFit/>
+          </a:bodyPr>
+          <a:lstStyle/>
+          <a:p>
+            <a:pPr algn="ctr"/>
+            <a:r>
+              <a:rPr lang="de-DE" b="1" dirty="0"/>
+              <a:t>2023</a:t>
+            </a:r>
+          </a:p>
+          <a:p>
+            <a:pPr algn="ctr"/>
+            <a:r>
+              <a:rPr lang="de-DE" dirty="0"/>
+              <a:t>Model</a:t>
+            </a:r>
+            <a:br>
+              <a:rPr lang="de-DE" dirty="0"/>
+            </a:br>
+            <a:r>
+              <a:rPr lang="de-DE" dirty="0" err="1"/>
+              <a:t>Improvements</a:t>
+            </a:r>
+            <a:endParaRPr lang="de-DE" dirty="0"/>
+          </a:p>
+        </p:txBody>
+      </p:sp>
+      <p:cxnSp>
+        <p:nvCxnSpPr>
+          <p:cNvPr id="34" name="Straight Connector 33">
+            <a:extLst>
+              <a:ext uri="{FF2B5EF4-FFF2-40B4-BE49-F238E27FC236}">
+                <a16:creationId xmlns:a16="http://schemas.microsoft.com/office/drawing/2014/main" id="{A8E805D9-6739-C4AF-FD27-B64C8FFD7DB3}"/>
+              </a:ext>
+            </a:extLst>
+          </p:cNvPr>
+          <p:cNvCxnSpPr>
+            <a:cxnSpLocks/>
+          </p:cNvCxnSpPr>
+          <p:nvPr/>
+        </p:nvCxnSpPr>
+        <p:spPr>
+          <a:xfrm>
+            <a:off x="5947172" y="3918345"/>
+            <a:ext cx="0" cy="307181"/>
+          </a:xfrm>
+          <a:prstGeom prst="line">
+            <a:avLst/>
+          </a:prstGeom>
+          <a:ln w="57150">
+            <a:solidFill>
+              <a:schemeClr val="tx1"/>
+            </a:solidFill>
+          </a:ln>
+        </p:spPr>
+        <p:style>
+          <a:lnRef idx="1">
+            <a:schemeClr val="accent1"/>
+          </a:lnRef>
+          <a:fillRef idx="0">
+            <a:schemeClr val="accent1"/>
+          </a:fillRef>
+          <a:effectRef idx="0">
+            <a:schemeClr val="accent1"/>
+          </a:effectRef>
+          <a:fontRef idx="minor">
+            <a:schemeClr val="tx1"/>
+          </a:fontRef>
+        </p:style>
+      </p:cxnSp>
+      <p:sp>
+        <p:nvSpPr>
+          <p:cNvPr id="35" name="Speech Bubble: Rectangle with Corners Rounded 34">
+            <a:extLst>
+              <a:ext uri="{FF2B5EF4-FFF2-40B4-BE49-F238E27FC236}">
+                <a16:creationId xmlns:a16="http://schemas.microsoft.com/office/drawing/2014/main" id="{FBCF744D-25E7-048A-AC2D-402D29450499}"/>
+              </a:ext>
+            </a:extLst>
+          </p:cNvPr>
+          <p:cNvSpPr/>
+          <p:nvPr/>
+        </p:nvSpPr>
+        <p:spPr>
+          <a:xfrm>
+            <a:off x="7245910" y="751550"/>
+            <a:ext cx="1589720" cy="2756028"/>
+          </a:xfrm>
+          <a:prstGeom prst="wedgeRoundRectCallout">
+            <a:avLst>
+              <a:gd name="adj1" fmla="val -20420"/>
+              <a:gd name="adj2" fmla="val 58930"/>
+              <a:gd name="adj3" fmla="val 16667"/>
+            </a:avLst>
+          </a:prstGeom>
+          <a:solidFill>
+            <a:schemeClr val="accent2"/>
+          </a:solidFill>
+          <a:ln w="57150">
+            <a:solidFill>
+              <a:schemeClr val="tx1"/>
+            </a:solidFill>
+          </a:ln>
+          <a:effectLst>
+            <a:outerShdw blurRad="50800" dist="38100" dir="2700000" algn="tl" rotWithShape="0">
+              <a:prstClr val="black">
+                <a:alpha val="40000"/>
+              </a:prstClr>
+            </a:outerShdw>
+          </a:effectLst>
+        </p:spPr>
+        <p:style>
+          <a:lnRef idx="2">
+            <a:schemeClr val="accent1">
+              <a:shade val="15000"/>
+            </a:schemeClr>
+          </a:lnRef>
+          <a:fillRef idx="1">
+            <a:schemeClr val="accent1"/>
+          </a:fillRef>
+          <a:effectRef idx="0">
+            <a:schemeClr val="accent1"/>
+          </a:effectRef>
+          <a:fontRef idx="minor">
+            <a:schemeClr val="lt1"/>
+          </a:fontRef>
+        </p:style>
+        <p:txBody>
+          <a:bodyPr rtlCol="0" anchor="ctr"/>
+          <a:lstStyle/>
+          <a:p>
+            <a:pPr algn="ctr"/>
+            <a:r>
+              <a:rPr lang="de-DE" dirty="0"/>
+              <a:t>KI in IDEs integriert und so immer erreichbar</a:t>
+            </a:r>
+          </a:p>
+        </p:txBody>
+      </p:sp>
+      <p:sp>
+        <p:nvSpPr>
+          <p:cNvPr id="36" name="TextBox 35">
+            <a:extLst>
+              <a:ext uri="{FF2B5EF4-FFF2-40B4-BE49-F238E27FC236}">
+                <a16:creationId xmlns:a16="http://schemas.microsoft.com/office/drawing/2014/main" id="{66917500-E8B9-D9EC-CDB3-55487677FD67}"/>
+              </a:ext>
+            </a:extLst>
+          </p:cNvPr>
+          <p:cNvSpPr txBox="1"/>
+          <p:nvPr/>
+        </p:nvSpPr>
+        <p:spPr>
+          <a:xfrm>
+            <a:off x="7291746" y="4379117"/>
+            <a:ext cx="1002197" cy="923330"/>
+          </a:xfrm>
+          <a:prstGeom prst="rect">
+            <a:avLst/>
+          </a:prstGeom>
+          <a:noFill/>
+        </p:spPr>
+        <p:txBody>
+          <a:bodyPr wrap="none" rtlCol="0">
+            <a:spAutoFit/>
+          </a:bodyPr>
+          <a:lstStyle/>
+          <a:p>
+            <a:pPr algn="ctr"/>
+            <a:r>
+              <a:rPr lang="de-DE" b="1" dirty="0"/>
+              <a:t>2024</a:t>
+            </a:r>
+          </a:p>
+          <a:p>
+            <a:pPr algn="ctr"/>
+            <a:r>
+              <a:rPr lang="de-DE" dirty="0"/>
+              <a:t>GitHub</a:t>
+            </a:r>
+            <a:br>
+              <a:rPr lang="de-DE" dirty="0"/>
+            </a:br>
+            <a:r>
+              <a:rPr lang="de-DE" dirty="0"/>
+              <a:t>Copilot</a:t>
+            </a:r>
+          </a:p>
+        </p:txBody>
+      </p:sp>
+      <p:cxnSp>
+        <p:nvCxnSpPr>
+          <p:cNvPr id="37" name="Straight Connector 36">
+            <a:extLst>
+              <a:ext uri="{FF2B5EF4-FFF2-40B4-BE49-F238E27FC236}">
+                <a16:creationId xmlns:a16="http://schemas.microsoft.com/office/drawing/2014/main" id="{25C8EC42-9C41-FD12-1691-F3033A973298}"/>
+              </a:ext>
+            </a:extLst>
+          </p:cNvPr>
+          <p:cNvCxnSpPr>
+            <a:cxnSpLocks/>
+          </p:cNvCxnSpPr>
+          <p:nvPr/>
+        </p:nvCxnSpPr>
+        <p:spPr>
+          <a:xfrm>
+            <a:off x="7792844" y="3918345"/>
+            <a:ext cx="0" cy="307181"/>
+          </a:xfrm>
+          <a:prstGeom prst="line">
+            <a:avLst/>
+          </a:prstGeom>
+          <a:ln w="57150">
+            <a:solidFill>
+              <a:schemeClr val="tx1"/>
+            </a:solidFill>
+          </a:ln>
+        </p:spPr>
+        <p:style>
+          <a:lnRef idx="1">
+            <a:schemeClr val="accent1"/>
+          </a:lnRef>
+          <a:fillRef idx="0">
+            <a:schemeClr val="accent1"/>
+          </a:fillRef>
+          <a:effectRef idx="0">
+            <a:schemeClr val="accent1"/>
+          </a:effectRef>
+          <a:fontRef idx="minor">
+            <a:schemeClr val="tx1"/>
+          </a:fontRef>
+        </p:style>
+      </p:cxnSp>
+      <p:sp>
+        <p:nvSpPr>
+          <p:cNvPr id="38" name="Speech Bubble: Rectangle with Corners Rounded 37">
+            <a:extLst>
+              <a:ext uri="{FF2B5EF4-FFF2-40B4-BE49-F238E27FC236}">
+                <a16:creationId xmlns:a16="http://schemas.microsoft.com/office/drawing/2014/main" id="{463FDFA7-39D3-6AFF-FB81-B618083BA653}"/>
+              </a:ext>
+            </a:extLst>
+          </p:cNvPr>
+          <p:cNvSpPr/>
+          <p:nvPr/>
+        </p:nvSpPr>
+        <p:spPr>
+          <a:xfrm>
+            <a:off x="9025019" y="751550"/>
+            <a:ext cx="1589720" cy="2756028"/>
+          </a:xfrm>
+          <a:prstGeom prst="wedgeRoundRectCallout">
+            <a:avLst>
+              <a:gd name="adj1" fmla="val -20420"/>
+              <a:gd name="adj2" fmla="val 58930"/>
+              <a:gd name="adj3" fmla="val 16667"/>
+            </a:avLst>
+          </a:prstGeom>
+          <a:solidFill>
+            <a:schemeClr val="accent1"/>
+          </a:solidFill>
+          <a:ln w="57150">
+            <a:solidFill>
+              <a:schemeClr val="tx1"/>
+            </a:solidFill>
+          </a:ln>
+          <a:effectLst>
+            <a:outerShdw blurRad="50800" dist="38100" dir="2700000" algn="tl" rotWithShape="0">
+              <a:prstClr val="black">
+                <a:alpha val="40000"/>
+              </a:prstClr>
+            </a:outerShdw>
+          </a:effectLst>
+        </p:spPr>
+        <p:style>
+          <a:lnRef idx="2">
+            <a:schemeClr val="accent1">
+              <a:shade val="15000"/>
+            </a:schemeClr>
+          </a:lnRef>
+          <a:fillRef idx="1">
+            <a:schemeClr val="accent1"/>
+          </a:fillRef>
+          <a:effectRef idx="0">
+            <a:schemeClr val="accent1"/>
+          </a:effectRef>
+          <a:fontRef idx="minor">
+            <a:schemeClr val="lt1"/>
+          </a:fontRef>
+        </p:style>
+        <p:txBody>
+          <a:bodyPr rtlCol="0" anchor="ctr"/>
+          <a:lstStyle/>
+          <a:p>
+            <a:pPr algn="ctr"/>
+            <a:r>
+              <a:rPr lang="de-DE" dirty="0"/>
+              <a:t>KI wird besser darin allein komplexe Aufgaben zu lösen</a:t>
+            </a:r>
+          </a:p>
+        </p:txBody>
+      </p:sp>
+      <p:sp>
+        <p:nvSpPr>
+          <p:cNvPr id="39" name="TextBox 38">
+            <a:extLst>
+              <a:ext uri="{FF2B5EF4-FFF2-40B4-BE49-F238E27FC236}">
+                <a16:creationId xmlns:a16="http://schemas.microsoft.com/office/drawing/2014/main" id="{3FD85DCE-66A1-506F-DB75-5B39D19854F2}"/>
+              </a:ext>
+            </a:extLst>
+          </p:cNvPr>
+          <p:cNvSpPr txBox="1"/>
+          <p:nvPr/>
+        </p:nvSpPr>
+        <p:spPr>
+          <a:xfrm>
+            <a:off x="8922542" y="4379117"/>
+            <a:ext cx="1141659" cy="923330"/>
+          </a:xfrm>
+          <a:prstGeom prst="rect">
+            <a:avLst/>
+          </a:prstGeom>
+          <a:noFill/>
+        </p:spPr>
+        <p:txBody>
+          <a:bodyPr wrap="none" rtlCol="0">
+            <a:spAutoFit/>
+          </a:bodyPr>
+          <a:lstStyle/>
+          <a:p>
+            <a:pPr algn="ctr"/>
+            <a:r>
+              <a:rPr lang="de-DE" b="1" dirty="0"/>
+              <a:t>2025</a:t>
+            </a:r>
+          </a:p>
+          <a:p>
+            <a:pPr algn="ctr"/>
+            <a:r>
+              <a:rPr lang="de-DE" dirty="0" err="1"/>
+              <a:t>Agentic</a:t>
+            </a:r>
+            <a:r>
+              <a:rPr lang="de-DE" dirty="0"/>
+              <a:t> </a:t>
+            </a:r>
+            <a:br>
+              <a:rPr lang="de-DE" dirty="0"/>
+            </a:br>
+            <a:r>
+              <a:rPr lang="de-DE" dirty="0"/>
+              <a:t>Coding</a:t>
+            </a:r>
+          </a:p>
+        </p:txBody>
+      </p:sp>
+      <p:cxnSp>
+        <p:nvCxnSpPr>
+          <p:cNvPr id="40" name="Straight Connector 39">
+            <a:extLst>
+              <a:ext uri="{FF2B5EF4-FFF2-40B4-BE49-F238E27FC236}">
+                <a16:creationId xmlns:a16="http://schemas.microsoft.com/office/drawing/2014/main" id="{0DC821CE-0FA1-D886-1185-9A8C575F156E}"/>
+              </a:ext>
+            </a:extLst>
+          </p:cNvPr>
+          <p:cNvCxnSpPr>
+            <a:cxnSpLocks/>
+          </p:cNvCxnSpPr>
+          <p:nvPr/>
+        </p:nvCxnSpPr>
+        <p:spPr>
+          <a:xfrm>
+            <a:off x="9493372" y="3918345"/>
+            <a:ext cx="0" cy="307181"/>
+          </a:xfrm>
+          <a:prstGeom prst="line">
+            <a:avLst/>
+          </a:prstGeom>
+          <a:ln w="57150">
+            <a:solidFill>
+              <a:schemeClr val="tx1"/>
+            </a:solidFill>
+          </a:ln>
+        </p:spPr>
+        <p:style>
+          <a:lnRef idx="1">
+            <a:schemeClr val="accent1"/>
+          </a:lnRef>
+          <a:fillRef idx="0">
+            <a:schemeClr val="accent1"/>
+          </a:fillRef>
+          <a:effectRef idx="0">
+            <a:schemeClr val="accent1"/>
+          </a:effectRef>
+          <a:fontRef idx="minor">
+            <a:schemeClr val="tx1"/>
+          </a:fontRef>
+        </p:style>
+      </p:cxnSp>
+    </p:spTree>
+    <p:extLst>
+      <p:ext uri="{BB962C8B-B14F-4D97-AF65-F5344CB8AC3E}">
+        <p14:creationId xmlns:p14="http://schemas.microsoft.com/office/powerpoint/2010/main" val="2730115808"/>
+      </p:ext>
+    </p:extLst>
+  </p:cSld>
+  <p:clrMapOvr>
+    <a:masterClrMapping/>
+  </p:clrMapOvr>
+</p:sld>
+</file>
+
+<file path=ppt/slides/slide25.xml><?xml version="1.0" encoding="utf-8"?>
 <p:sld xmlns:a="http://schemas.openxmlformats.org/drawingml/2006/main" xmlns:r="http://schemas.openxmlformats.org/officeDocument/2006/relationships" xmlns:p="http://schemas.openxmlformats.org/presentationml/2006/main">
   <p:cSld>
     <p:spTree>
@@ -16722,38 +17808,10 @@
       </p:grpSpPr>
       <p:sp>
         <p:nvSpPr>
-          <p:cNvPr id="2" name="Title 1">
-            <a:extLst>
-              <a:ext uri="{FF2B5EF4-FFF2-40B4-BE49-F238E27FC236}">
-                <a16:creationId xmlns:a16="http://schemas.microsoft.com/office/drawing/2014/main" id="{AEB71EF2-316D-E5A1-0383-EAEC85DE7FAA}"/>
-              </a:ext>
-            </a:extLst>
-          </p:cNvPr>
-          <p:cNvSpPr>
-            <a:spLocks noGrp="1"/>
-          </p:cNvSpPr>
-          <p:nvPr>
-            <p:ph type="title"/>
-          </p:nvPr>
-        </p:nvSpPr>
-        <p:spPr/>
-        <p:txBody>
-          <a:bodyPr/>
-          <a:lstStyle/>
-          <a:p>
-            <a:r>
-              <a:rPr lang="de-DE" dirty="0"/>
-              <a:t>Sucht euch eigene Datensätze</a:t>
-            </a:r>
-          </a:p>
-        </p:txBody>
-      </p:sp>
-      <p:sp>
-        <p:nvSpPr>
           <p:cNvPr id="3" name="Footer Placeholder 2">
             <a:extLst>
               <a:ext uri="{FF2B5EF4-FFF2-40B4-BE49-F238E27FC236}">
-                <a16:creationId xmlns:a16="http://schemas.microsoft.com/office/drawing/2014/main" id="{B2B66950-414B-FB7B-E850-8246BB383CF0}"/>
+                <a16:creationId xmlns:a16="http://schemas.microsoft.com/office/drawing/2014/main" id="{5DBC3E75-84DD-C41C-C122-0B4570E27173}"/>
               </a:ext>
             </a:extLst>
           </p:cNvPr>
@@ -16782,7 +17840,7 @@
           <p:cNvPr id="4" name="Text Placeholder 3">
             <a:extLst>
               <a:ext uri="{FF2B5EF4-FFF2-40B4-BE49-F238E27FC236}">
-                <a16:creationId xmlns:a16="http://schemas.microsoft.com/office/drawing/2014/main" id="{54A98643-2F7B-98C7-8AFF-A4DD92C5BC1F}"/>
+                <a16:creationId xmlns:a16="http://schemas.microsoft.com/office/drawing/2014/main" id="{D69C424D-9D39-493B-4BF1-5431A4306DB3}"/>
               </a:ext>
             </a:extLst>
           </p:cNvPr>
@@ -16793,154 +17851,22 @@
             <p:ph type="body" sz="quarter" idx="12"/>
           </p:nvPr>
         </p:nvSpPr>
-        <p:spPr/>
-        <p:txBody>
-          <a:bodyPr/>
-          <a:lstStyle/>
-          <a:p>
-            <a:r>
-              <a:rPr lang="en-US" dirty="0">
-                <a:hlinkClick r:id="rId2">
-                  <a:extLst>
-                    <a:ext uri="{A12FA001-AC4F-418D-AE19-62706E023703}">
-                      <ahyp:hlinkClr xmlns:ahyp="http://schemas.microsoft.com/office/drawing/2018/hyperlinkcolor" val="tx"/>
-                    </a:ext>
-                  </a:extLst>
-                </a:hlinkClick>
-              </a:rPr>
-              <a:t>Kaggle Datasets</a:t>
-            </a:r>
-          </a:p>
-          <a:p>
-            <a:r>
-              <a:rPr lang="en-US" dirty="0" err="1">
-                <a:hlinkClick r:id="rId3">
-                  <a:extLst>
-                    <a:ext uri="{A12FA001-AC4F-418D-AE19-62706E023703}">
-                      <ahyp:hlinkClr xmlns:ahyp="http://schemas.microsoft.com/office/drawing/2018/hyperlinkcolor" val="tx"/>
-                    </a:ext>
-                  </a:extLst>
-                </a:hlinkClick>
-              </a:rPr>
-              <a:t>Github</a:t>
-            </a:r>
-            <a:r>
-              <a:rPr lang="en-US" dirty="0">
-                <a:hlinkClick r:id="rId3">
-                  <a:extLst>
-                    <a:ext uri="{A12FA001-AC4F-418D-AE19-62706E023703}">
-                      <ahyp:hlinkClr xmlns:ahyp="http://schemas.microsoft.com/office/drawing/2018/hyperlinkcolor" val="tx"/>
-                    </a:ext>
-                  </a:extLst>
-                </a:hlinkClick>
-              </a:rPr>
-              <a:t> Awesome Data</a:t>
-            </a:r>
-            <a:endParaRPr lang="en-US" dirty="0"/>
-          </a:p>
-          <a:p>
-            <a:r>
-              <a:rPr lang="en-US" dirty="0" err="1">
-                <a:hlinkClick r:id="rId4">
-                  <a:extLst>
-                    <a:ext uri="{A12FA001-AC4F-418D-AE19-62706E023703}">
-                      <ahyp:hlinkClr xmlns:ahyp="http://schemas.microsoft.com/office/drawing/2018/hyperlinkcolor" val="tx"/>
-                    </a:ext>
-                  </a:extLst>
-                </a:hlinkClick>
-              </a:rPr>
-              <a:t>Statistisches</a:t>
-            </a:r>
-            <a:r>
-              <a:rPr lang="en-US" dirty="0">
-                <a:hlinkClick r:id="rId4">
-                  <a:extLst>
-                    <a:ext uri="{A12FA001-AC4F-418D-AE19-62706E023703}">
-                      <ahyp:hlinkClr xmlns:ahyp="http://schemas.microsoft.com/office/drawing/2018/hyperlinkcolor" val="tx"/>
-                    </a:ext>
-                  </a:extLst>
-                </a:hlinkClick>
-              </a:rPr>
-              <a:t> </a:t>
-            </a:r>
-            <a:r>
-              <a:rPr lang="en-US" dirty="0" err="1">
-                <a:hlinkClick r:id="rId4">
-                  <a:extLst>
-                    <a:ext uri="{A12FA001-AC4F-418D-AE19-62706E023703}">
-                      <ahyp:hlinkClr xmlns:ahyp="http://schemas.microsoft.com/office/drawing/2018/hyperlinkcolor" val="tx"/>
-                    </a:ext>
-                  </a:extLst>
-                </a:hlinkClick>
-              </a:rPr>
-              <a:t>Bundesamt</a:t>
-            </a:r>
-            <a:endParaRPr lang="en-US" dirty="0">
-              <a:hlinkClick r:id="rId5">
-                <a:extLst>
-                  <a:ext uri="{A12FA001-AC4F-418D-AE19-62706E023703}">
-                    <ahyp:hlinkClr xmlns:ahyp="http://schemas.microsoft.com/office/drawing/2018/hyperlinkcolor" val="tx"/>
-                  </a:ext>
-                </a:extLst>
-              </a:hlinkClick>
-            </a:endParaRPr>
-          </a:p>
-          <a:p>
-            <a:r>
-              <a:rPr lang="en-US" dirty="0">
-                <a:hlinkClick r:id="rId5">
-                  <a:extLst>
-                    <a:ext uri="{A12FA001-AC4F-418D-AE19-62706E023703}">
-                      <ahyp:hlinkClr xmlns:ahyp="http://schemas.microsoft.com/office/drawing/2018/hyperlinkcolor" val="tx"/>
-                    </a:ext>
-                  </a:extLst>
-                </a:hlinkClick>
-              </a:rPr>
-              <a:t>Data World</a:t>
-            </a:r>
-            <a:endParaRPr lang="en-US" dirty="0"/>
-          </a:p>
-          <a:p>
-            <a:pPr lvl="1"/>
-            <a:r>
-              <a:rPr lang="en-US" dirty="0" err="1"/>
-              <a:t>Erfordert</a:t>
-            </a:r>
-            <a:r>
-              <a:rPr lang="en-US" dirty="0"/>
-              <a:t> </a:t>
-            </a:r>
-            <a:r>
-              <a:rPr lang="en-US" dirty="0" err="1"/>
-              <a:t>einen</a:t>
-            </a:r>
-            <a:r>
-              <a:rPr lang="en-US" dirty="0"/>
-              <a:t> Account</a:t>
-            </a:r>
-          </a:p>
-          <a:p>
-            <a:r>
-              <a:rPr lang="en-US" dirty="0" err="1"/>
-              <a:t>Euer</a:t>
-            </a:r>
-            <a:r>
-              <a:rPr lang="en-US" dirty="0"/>
-              <a:t> </a:t>
-            </a:r>
-            <a:r>
-              <a:rPr lang="en-US" dirty="0" err="1"/>
-              <a:t>Privatleben</a:t>
-            </a:r>
-            <a:r>
-              <a:rPr lang="en-US" dirty="0"/>
-              <a:t>?</a:t>
-            </a:r>
-          </a:p>
-          <a:p>
-            <a:r>
-              <a:rPr lang="en-US" dirty="0"/>
-              <a:t>…</a:t>
+        <p:spPr>
+          <a:xfrm>
+            <a:off x="2432446" y="0"/>
+            <a:ext cx="7327107" cy="6858000"/>
+          </a:xfrm>
+        </p:spPr>
+        <p:txBody>
+          <a:bodyPr anchor="ctr"/>
+          <a:lstStyle/>
+          <a:p>
+            <a:pPr marL="0" indent="0" algn="ctr">
+              <a:buNone/>
+            </a:pPr>
+            <a:r>
+              <a:rPr lang="de-DE" dirty="0"/>
+              <a:t>Künstliche Intelligenz kann heute schon besser Programmieren als ein Einsteiger und wird mit der Zeit nur noch besser… </a:t>
             </a:r>
           </a:p>
         </p:txBody>
@@ -16948,7 +17874,7 @@
     </p:spTree>
     <p:extLst>
       <p:ext uri="{BB962C8B-B14F-4D97-AF65-F5344CB8AC3E}">
-        <p14:creationId xmlns:p14="http://schemas.microsoft.com/office/powerpoint/2010/main" val="2076210355"/>
+        <p14:creationId xmlns:p14="http://schemas.microsoft.com/office/powerpoint/2010/main" val="126507042"/>
       </p:ext>
     </p:extLst>
   </p:cSld>
@@ -16958,145 +17884,7 @@
 </p:sld>
 </file>
 
-<file path=ppt/slides/slide24.xml><?xml version="1.0" encoding="utf-8"?>
-<p:sld xmlns:a="http://schemas.openxmlformats.org/drawingml/2006/main" xmlns:r="http://schemas.openxmlformats.org/officeDocument/2006/relationships" xmlns:p="http://schemas.openxmlformats.org/presentationml/2006/main">
-  <p:cSld>
-    <p:spTree>
-      <p:nvGrpSpPr>
-        <p:cNvPr id="1" name=""/>
-        <p:cNvGrpSpPr/>
-        <p:nvPr/>
-      </p:nvGrpSpPr>
-      <p:grpSpPr>
-        <a:xfrm>
-          <a:off x="0" y="0"/>
-          <a:ext cx="0" cy="0"/>
-          <a:chOff x="0" y="0"/>
-          <a:chExt cx="0" cy="0"/>
-        </a:xfrm>
-      </p:grpSpPr>
-      <p:sp>
-        <p:nvSpPr>
-          <p:cNvPr id="2" name="Title 1">
-            <a:extLst>
-              <a:ext uri="{FF2B5EF4-FFF2-40B4-BE49-F238E27FC236}">
-                <a16:creationId xmlns:a16="http://schemas.microsoft.com/office/drawing/2014/main" id="{ADF006CE-1D56-8852-1B77-61ECD228C387}"/>
-              </a:ext>
-            </a:extLst>
-          </p:cNvPr>
-          <p:cNvSpPr>
-            <a:spLocks noGrp="1"/>
-          </p:cNvSpPr>
-          <p:nvPr>
-            <p:ph type="title"/>
-          </p:nvPr>
-        </p:nvSpPr>
-        <p:spPr/>
-        <p:txBody>
-          <a:bodyPr/>
-          <a:lstStyle/>
-          <a:p>
-            <a:endParaRPr lang="de-DE"/>
-          </a:p>
-        </p:txBody>
-      </p:sp>
-      <p:sp>
-        <p:nvSpPr>
-          <p:cNvPr id="3" name="Footer Placeholder 2">
-            <a:extLst>
-              <a:ext uri="{FF2B5EF4-FFF2-40B4-BE49-F238E27FC236}">
-                <a16:creationId xmlns:a16="http://schemas.microsoft.com/office/drawing/2014/main" id="{52167071-4298-24D2-8FFB-C256D7F286B2}"/>
-              </a:ext>
-            </a:extLst>
-          </p:cNvPr>
-          <p:cNvSpPr>
-            <a:spLocks noGrp="1"/>
-          </p:cNvSpPr>
-          <p:nvPr>
-            <p:ph type="ftr" sz="quarter" idx="11"/>
-          </p:nvPr>
-        </p:nvSpPr>
-        <p:spPr/>
-        <p:txBody>
-          <a:bodyPr/>
-          <a:lstStyle/>
-          <a:p>
-            <a:r>
-              <a:rPr lang="en-US"/>
-              <a:t>Elliot Kovanda – Data Scientist</a:t>
-            </a:r>
-            <a:endParaRPr lang="en-US" dirty="0"/>
-          </a:p>
-        </p:txBody>
-      </p:sp>
-      <p:sp>
-        <p:nvSpPr>
-          <p:cNvPr id="4" name="Text Placeholder 3">
-            <a:extLst>
-              <a:ext uri="{FF2B5EF4-FFF2-40B4-BE49-F238E27FC236}">
-                <a16:creationId xmlns:a16="http://schemas.microsoft.com/office/drawing/2014/main" id="{198DB10C-3046-15F0-77A0-56BBDFBC16F5}"/>
-              </a:ext>
-            </a:extLst>
-          </p:cNvPr>
-          <p:cNvSpPr>
-            <a:spLocks noGrp="1"/>
-          </p:cNvSpPr>
-          <p:nvPr>
-            <p:ph type="body" sz="quarter" idx="12"/>
-          </p:nvPr>
-        </p:nvSpPr>
-        <p:spPr/>
-        <p:txBody>
-          <a:bodyPr/>
-          <a:lstStyle/>
-          <a:p>
-            <a:endParaRPr lang="de-DE" dirty="0"/>
-          </a:p>
-        </p:txBody>
-      </p:sp>
-      <p:pic>
-        <p:nvPicPr>
-          <p:cNvPr id="6" name="Picture 5">
-            <a:extLst>
-              <a:ext uri="{FF2B5EF4-FFF2-40B4-BE49-F238E27FC236}">
-                <a16:creationId xmlns:a16="http://schemas.microsoft.com/office/drawing/2014/main" id="{89D8A060-83C5-5385-B6A9-9CF79C5FF4B3}"/>
-              </a:ext>
-            </a:extLst>
-          </p:cNvPr>
-          <p:cNvPicPr>
-            <a:picLocks noChangeAspect="1"/>
-          </p:cNvPicPr>
-          <p:nvPr/>
-        </p:nvPicPr>
-        <p:blipFill>
-          <a:blip r:embed="rId2"/>
-          <a:srcRect l="-2209" t="19763" r="2209" b="53344"/>
-          <a:stretch/>
-        </p:blipFill>
-        <p:spPr>
-          <a:xfrm>
-            <a:off x="1287063" y="476266"/>
-            <a:ext cx="9617873" cy="5747658"/>
-          </a:xfrm>
-          <a:prstGeom prst="rect">
-            <a:avLst/>
-          </a:prstGeom>
-        </p:spPr>
-      </p:pic>
-    </p:spTree>
-    <p:extLst>
-      <p:ext uri="{BB962C8B-B14F-4D97-AF65-F5344CB8AC3E}">
-        <p14:creationId xmlns:p14="http://schemas.microsoft.com/office/powerpoint/2010/main" val="933742896"/>
-      </p:ext>
-    </p:extLst>
-  </p:cSld>
-  <p:clrMapOvr>
-    <a:masterClrMapping/>
-  </p:clrMapOvr>
-</p:sld>
-</file>
-
-<file path=ppt/slides/slide25.xml><?xml version="1.0" encoding="utf-8"?>
+<file path=ppt/slides/slide26.xml><?xml version="1.0" encoding="utf-8"?>
 <p:sld xmlns:a="http://schemas.openxmlformats.org/drawingml/2006/main" xmlns:r="http://schemas.openxmlformats.org/officeDocument/2006/relationships" xmlns:p="http://schemas.openxmlformats.org/presentationml/2006/main">
   <p:cSld>
     <p:spTree>
@@ -17104,7 +17892,7 @@
         <p:cNvPr id="1" name="">
           <a:extLst>
             <a:ext uri="{FF2B5EF4-FFF2-40B4-BE49-F238E27FC236}">
-              <a16:creationId xmlns:a16="http://schemas.microsoft.com/office/drawing/2014/main" id="{5C520BDD-BDDF-462B-2758-5314B59B33D7}"/>
+              <a16:creationId xmlns:a16="http://schemas.microsoft.com/office/drawing/2014/main" id="{0281EA09-5739-E211-E456-2CBAFDFA61F3}"/>
             </a:ext>
           </a:extLst>
         </p:cNvPr>
@@ -17121,35 +17909,10 @@
       </p:grpSpPr>
       <p:sp>
         <p:nvSpPr>
-          <p:cNvPr id="2" name="Title 1">
-            <a:extLst>
-              <a:ext uri="{FF2B5EF4-FFF2-40B4-BE49-F238E27FC236}">
-                <a16:creationId xmlns:a16="http://schemas.microsoft.com/office/drawing/2014/main" id="{123014F7-D207-4575-30EA-509489F5F313}"/>
-              </a:ext>
-            </a:extLst>
-          </p:cNvPr>
-          <p:cNvSpPr>
-            <a:spLocks noGrp="1"/>
-          </p:cNvSpPr>
-          <p:nvPr>
-            <p:ph type="title"/>
-          </p:nvPr>
-        </p:nvSpPr>
-        <p:spPr/>
-        <p:txBody>
-          <a:bodyPr/>
-          <a:lstStyle/>
-          <a:p>
-            <a:endParaRPr lang="de-DE"/>
-          </a:p>
-        </p:txBody>
-      </p:sp>
-      <p:sp>
-        <p:nvSpPr>
           <p:cNvPr id="3" name="Footer Placeholder 2">
             <a:extLst>
               <a:ext uri="{FF2B5EF4-FFF2-40B4-BE49-F238E27FC236}">
-                <a16:creationId xmlns:a16="http://schemas.microsoft.com/office/drawing/2014/main" id="{3DCC4D2F-23E0-C8EB-3876-84878E10876D}"/>
+                <a16:creationId xmlns:a16="http://schemas.microsoft.com/office/drawing/2014/main" id="{38861F32-3E47-90BF-5E76-7ABBCA68AABA}"/>
               </a:ext>
             </a:extLst>
           </p:cNvPr>
@@ -17178,7 +17941,7 @@
           <p:cNvPr id="4" name="Text Placeholder 3">
             <a:extLst>
               <a:ext uri="{FF2B5EF4-FFF2-40B4-BE49-F238E27FC236}">
-                <a16:creationId xmlns:a16="http://schemas.microsoft.com/office/drawing/2014/main" id="{4207A3C1-9CCE-1EDD-8F82-49FC2CEF747E}"/>
+                <a16:creationId xmlns:a16="http://schemas.microsoft.com/office/drawing/2014/main" id="{74F19070-0DC4-70C4-3823-5274E50B2D59}"/>
               </a:ext>
             </a:extLst>
           </p:cNvPr>
@@ -17189,161 +17952,30 @@
             <p:ph type="body" sz="quarter" idx="12"/>
           </p:nvPr>
         </p:nvSpPr>
-        <p:spPr/>
-        <p:txBody>
-          <a:bodyPr/>
-          <a:lstStyle/>
-          <a:p>
-            <a:endParaRPr lang="de-DE" dirty="0"/>
-          </a:p>
-        </p:txBody>
-      </p:sp>
-      <p:pic>
-        <p:nvPicPr>
-          <p:cNvPr id="7" name="Picture 6">
-            <a:extLst>
-              <a:ext uri="{FF2B5EF4-FFF2-40B4-BE49-F238E27FC236}">
-                <a16:creationId xmlns:a16="http://schemas.microsoft.com/office/drawing/2014/main" id="{1A34E531-C05D-0357-77B7-3C6A1F3F4C7E}"/>
-              </a:ext>
-            </a:extLst>
-          </p:cNvPr>
-          <p:cNvPicPr>
-            <a:picLocks noChangeAspect="1"/>
-          </p:cNvPicPr>
-          <p:nvPr/>
-        </p:nvPicPr>
-        <p:blipFill>
-          <a:blip r:embed="rId2"/>
-          <a:srcRect t="61590" b="21106"/>
-          <a:stretch/>
-        </p:blipFill>
         <p:spPr>
           <a:xfrm>
-            <a:off x="1460585" y="1682086"/>
-            <a:ext cx="9562927" cy="3677299"/>
-          </a:xfrm>
-          <a:prstGeom prst="rect">
-            <a:avLst/>
-          </a:prstGeom>
-        </p:spPr>
-      </p:pic>
+            <a:off x="2432446" y="0"/>
+            <a:ext cx="7327107" cy="6858000"/>
+          </a:xfrm>
+        </p:spPr>
+        <p:txBody>
+          <a:bodyPr anchor="ctr"/>
+          <a:lstStyle/>
+          <a:p>
+            <a:pPr marL="0" indent="0" algn="ctr">
+              <a:buNone/>
+            </a:pPr>
+            <a:r>
+              <a:rPr lang="de-DE" dirty="0"/>
+              <a:t>Nur wer KI als Werkzeug beim Programmieren nutzt, wird mittelfristig Erfolg haben.</a:t>
+            </a:r>
+          </a:p>
+        </p:txBody>
+      </p:sp>
     </p:spTree>
     <p:extLst>
       <p:ext uri="{BB962C8B-B14F-4D97-AF65-F5344CB8AC3E}">
-        <p14:creationId xmlns:p14="http://schemas.microsoft.com/office/powerpoint/2010/main" val="4115580774"/>
-      </p:ext>
-    </p:extLst>
-  </p:cSld>
-  <p:clrMapOvr>
-    <a:masterClrMapping/>
-  </p:clrMapOvr>
-</p:sld>
-</file>
-
-<file path=ppt/slides/slide26.xml><?xml version="1.0" encoding="utf-8"?>
-<p:sld xmlns:a="http://schemas.openxmlformats.org/drawingml/2006/main" xmlns:r="http://schemas.openxmlformats.org/officeDocument/2006/relationships" xmlns:p="http://schemas.openxmlformats.org/presentationml/2006/main">
-  <p:cSld>
-    <p:spTree>
-      <p:nvGrpSpPr>
-        <p:cNvPr id="1" name=""/>
-        <p:cNvGrpSpPr/>
-        <p:nvPr/>
-      </p:nvGrpSpPr>
-      <p:grpSpPr>
-        <a:xfrm>
-          <a:off x="0" y="0"/>
-          <a:ext cx="0" cy="0"/>
-          <a:chOff x="0" y="0"/>
-          <a:chExt cx="0" cy="0"/>
-        </a:xfrm>
-      </p:grpSpPr>
-      <p:sp>
-        <p:nvSpPr>
-          <p:cNvPr id="3" name="Footer Placeholder 2">
-            <a:extLst>
-              <a:ext uri="{FF2B5EF4-FFF2-40B4-BE49-F238E27FC236}">
-                <a16:creationId xmlns:a16="http://schemas.microsoft.com/office/drawing/2014/main" id="{DE279865-6C50-4671-F1A5-075D24E19D85}"/>
-              </a:ext>
-            </a:extLst>
-          </p:cNvPr>
-          <p:cNvSpPr>
-            <a:spLocks noGrp="1"/>
-          </p:cNvSpPr>
-          <p:nvPr>
-            <p:ph type="ftr" sz="quarter" idx="11"/>
-          </p:nvPr>
-        </p:nvSpPr>
-        <p:spPr/>
-        <p:txBody>
-          <a:bodyPr/>
-          <a:lstStyle/>
-          <a:p>
-            <a:r>
-              <a:rPr lang="en-US"/>
-              <a:t>Elliot Kovanda – Data Scientist</a:t>
-            </a:r>
-            <a:endParaRPr lang="en-US" dirty="0"/>
-          </a:p>
-        </p:txBody>
-      </p:sp>
-      <p:sp>
-        <p:nvSpPr>
-          <p:cNvPr id="5" name="Rectangle 4">
-            <a:extLst>
-              <a:ext uri="{FF2B5EF4-FFF2-40B4-BE49-F238E27FC236}">
-                <a16:creationId xmlns:a16="http://schemas.microsoft.com/office/drawing/2014/main" id="{791746C0-464A-B306-EB16-9846FF5FE488}"/>
-              </a:ext>
-            </a:extLst>
-          </p:cNvPr>
-          <p:cNvSpPr/>
-          <p:nvPr/>
-        </p:nvSpPr>
-        <p:spPr>
-          <a:xfrm>
-            <a:off x="2968171" y="1875971"/>
-            <a:ext cx="6255658" cy="3106057"/>
-          </a:xfrm>
-          <a:prstGeom prst="rect">
-            <a:avLst/>
-          </a:prstGeom>
-          <a:ln w="76200">
-            <a:solidFill>
-              <a:schemeClr val="tx1"/>
-            </a:solidFill>
-          </a:ln>
-        </p:spPr>
-        <p:style>
-          <a:lnRef idx="2">
-            <a:schemeClr val="accent1">
-              <a:shade val="15000"/>
-            </a:schemeClr>
-          </a:lnRef>
-          <a:fillRef idx="1">
-            <a:schemeClr val="accent1"/>
-          </a:fillRef>
-          <a:effectRef idx="0">
-            <a:schemeClr val="accent1"/>
-          </a:effectRef>
-          <a:fontRef idx="minor">
-            <a:schemeClr val="lt1"/>
-          </a:fontRef>
-        </p:style>
-        <p:txBody>
-          <a:bodyPr rtlCol="0" anchor="ctr"/>
-          <a:lstStyle/>
-          <a:p>
-            <a:pPr algn="ctr"/>
-            <a:r>
-              <a:rPr lang="de-DE" sz="4400" b="1" dirty="0"/>
-              <a:t>Aktive Übung ist essenziell 👩‍💻👨‍💻</a:t>
-            </a:r>
-          </a:p>
-        </p:txBody>
-      </p:sp>
-    </p:spTree>
-    <p:extLst>
-      <p:ext uri="{BB962C8B-B14F-4D97-AF65-F5344CB8AC3E}">
-        <p14:creationId xmlns:p14="http://schemas.microsoft.com/office/powerpoint/2010/main" val="3572993957"/>
+        <p14:creationId xmlns:p14="http://schemas.microsoft.com/office/powerpoint/2010/main" val="3661720288"/>
       </p:ext>
     </p:extLst>
   </p:cSld>
@@ -17361,7 +17993,7 @@
         <p:cNvPr id="1" name="">
           <a:extLst>
             <a:ext uri="{FF2B5EF4-FFF2-40B4-BE49-F238E27FC236}">
-              <a16:creationId xmlns:a16="http://schemas.microsoft.com/office/drawing/2014/main" id="{FB7DC109-9171-C542-71FC-95B1C6E34BF9}"/>
+              <a16:creationId xmlns:a16="http://schemas.microsoft.com/office/drawing/2014/main" id="{3945DC37-CD41-7066-DC94-4AB453154F2C}"/>
             </a:ext>
           </a:extLst>
         </p:cNvPr>
@@ -17381,7 +18013,7 @@
           <p:cNvPr id="3" name="Footer Placeholder 2">
             <a:extLst>
               <a:ext uri="{FF2B5EF4-FFF2-40B4-BE49-F238E27FC236}">
-                <a16:creationId xmlns:a16="http://schemas.microsoft.com/office/drawing/2014/main" id="{C693EB8D-51C2-CEF8-7DAA-AC4C998F478B}"/>
+                <a16:creationId xmlns:a16="http://schemas.microsoft.com/office/drawing/2014/main" id="{B2C61188-339D-0BA6-4119-703934539927}"/>
               </a:ext>
             </a:extLst>
           </p:cNvPr>
@@ -17407,10 +18039,10 @@
       </p:sp>
       <p:sp>
         <p:nvSpPr>
-          <p:cNvPr id="5" name="Rectangle 4">
-            <a:extLst>
-              <a:ext uri="{FF2B5EF4-FFF2-40B4-BE49-F238E27FC236}">
-                <a16:creationId xmlns:a16="http://schemas.microsoft.com/office/drawing/2014/main" id="{F87469C5-FE7F-55E0-871B-018522DCE5B7}"/>
+          <p:cNvPr id="6" name="Rectangle: Rounded Corners 5">
+            <a:extLst>
+              <a:ext uri="{FF2B5EF4-FFF2-40B4-BE49-F238E27FC236}">
+                <a16:creationId xmlns:a16="http://schemas.microsoft.com/office/drawing/2014/main" id="{81CBF101-776C-F289-6547-01CD088B4AF7}"/>
               </a:ext>
             </a:extLst>
           </p:cNvPr>
@@ -17419,17 +18051,29 @@
         </p:nvSpPr>
         <p:spPr>
           <a:xfrm>
-            <a:off x="2968171" y="1875971"/>
-            <a:ext cx="6255658" cy="3106057"/>
-          </a:xfrm>
-          <a:prstGeom prst="rect">
+            <a:off x="657226" y="1350169"/>
+            <a:ext cx="2038490" cy="1578769"/>
+          </a:xfrm>
+          <a:prstGeom prst="roundRect">
             <a:avLst/>
           </a:prstGeom>
-          <a:ln w="76200">
+          <a:solidFill>
+            <a:schemeClr val="accent3">
+              <a:lumMod val="50000"/>
+            </a:schemeClr>
+          </a:solidFill>
+          <a:ln w="57150">
             <a:solidFill>
               <a:schemeClr val="tx1"/>
             </a:solidFill>
           </a:ln>
+          <a:effectLst>
+            <a:outerShdw blurRad="50800" dist="38100" dir="2700000" algn="tl" rotWithShape="0">
+              <a:prstClr val="black">
+                <a:alpha val="40000"/>
+              </a:prstClr>
+            </a:outerShdw>
+          </a:effectLst>
         </p:spPr>
         <p:style>
           <a:lnRef idx="2">
@@ -17453,35 +18097,705 @@
           <a:p>
             <a:pPr algn="ctr"/>
             <a:r>
-              <a:rPr lang="de-DE" sz="4400" b="1" dirty="0"/>
-              <a:t>Meldet euch </a:t>
-            </a:r>
-            <a:br>
-              <a:rPr lang="de-DE" sz="4400" b="1" dirty="0"/>
-            </a:br>
-            <a:r>
-              <a:rPr lang="de-DE" sz="4400" b="1" dirty="0"/>
-              <a:t>für meinen fortgeschrittenen </a:t>
-            </a:r>
-            <a:br>
-              <a:rPr lang="de-DE" sz="4400" b="1" dirty="0"/>
-            </a:br>
-            <a:r>
-              <a:rPr lang="de-DE" sz="4400" b="1" dirty="0"/>
-              <a:t>Kurs an </a:t>
-            </a:r>
-            <a:r>
-              <a:rPr lang="de-DE" sz="3600" b="1" dirty="0"/>
-              <a:t>😊</a:t>
-            </a:r>
-            <a:endParaRPr lang="de-DE" sz="4400" b="1" dirty="0"/>
+              <a:rPr lang="de-DE" dirty="0"/>
+              <a:t>KI nutzen, um Fragen zu beantworten</a:t>
+            </a:r>
+          </a:p>
+        </p:txBody>
+      </p:sp>
+      <p:sp>
+        <p:nvSpPr>
+          <p:cNvPr id="9" name="Rectangle: Rounded Corners 8">
+            <a:extLst>
+              <a:ext uri="{FF2B5EF4-FFF2-40B4-BE49-F238E27FC236}">
+                <a16:creationId xmlns:a16="http://schemas.microsoft.com/office/drawing/2014/main" id="{0B4F80E4-D2CE-B52B-6691-91AE3A08FC3D}"/>
+              </a:ext>
+            </a:extLst>
+          </p:cNvPr>
+          <p:cNvSpPr/>
+          <p:nvPr/>
+        </p:nvSpPr>
+        <p:spPr>
+          <a:xfrm>
+            <a:off x="3646617" y="1350168"/>
+            <a:ext cx="2038490" cy="1578769"/>
+          </a:xfrm>
+          <a:prstGeom prst="roundRect">
+            <a:avLst/>
+          </a:prstGeom>
+          <a:solidFill>
+            <a:schemeClr val="accent3">
+              <a:lumMod val="50000"/>
+            </a:schemeClr>
+          </a:solidFill>
+          <a:ln w="57150">
+            <a:solidFill>
+              <a:schemeClr val="tx1"/>
+            </a:solidFill>
+          </a:ln>
+          <a:effectLst>
+            <a:outerShdw blurRad="50800" dist="38100" dir="2700000" algn="tl" rotWithShape="0">
+              <a:prstClr val="black">
+                <a:alpha val="40000"/>
+              </a:prstClr>
+            </a:outerShdw>
+          </a:effectLst>
+        </p:spPr>
+        <p:style>
+          <a:lnRef idx="2">
+            <a:schemeClr val="accent1">
+              <a:shade val="15000"/>
+            </a:schemeClr>
+          </a:lnRef>
+          <a:fillRef idx="1">
+            <a:schemeClr val="accent1"/>
+          </a:fillRef>
+          <a:effectRef idx="0">
+            <a:schemeClr val="accent1"/>
+          </a:effectRef>
+          <a:fontRef idx="minor">
+            <a:schemeClr val="lt1"/>
+          </a:fontRef>
+        </p:style>
+        <p:txBody>
+          <a:bodyPr rtlCol="0" anchor="ctr"/>
+          <a:lstStyle/>
+          <a:p>
+            <a:pPr algn="ctr"/>
+            <a:r>
+              <a:rPr lang="de-DE" dirty="0"/>
+              <a:t>KI in IDE integrieren</a:t>
+            </a:r>
+          </a:p>
+        </p:txBody>
+      </p:sp>
+      <p:sp>
+        <p:nvSpPr>
+          <p:cNvPr id="10" name="Rectangle: Rounded Corners 9">
+            <a:extLst>
+              <a:ext uri="{FF2B5EF4-FFF2-40B4-BE49-F238E27FC236}">
+                <a16:creationId xmlns:a16="http://schemas.microsoft.com/office/drawing/2014/main" id="{EE8CE0A0-F1A1-352F-D706-C4CEBEB405C0}"/>
+              </a:ext>
+            </a:extLst>
+          </p:cNvPr>
+          <p:cNvSpPr/>
+          <p:nvPr/>
+        </p:nvSpPr>
+        <p:spPr>
+          <a:xfrm>
+            <a:off x="6430298" y="1350168"/>
+            <a:ext cx="2038490" cy="1578769"/>
+          </a:xfrm>
+          <a:prstGeom prst="roundRect">
+            <a:avLst/>
+          </a:prstGeom>
+          <a:solidFill>
+            <a:schemeClr val="accent3">
+              <a:lumMod val="50000"/>
+            </a:schemeClr>
+          </a:solidFill>
+          <a:ln w="57150">
+            <a:solidFill>
+              <a:schemeClr val="tx1"/>
+            </a:solidFill>
+          </a:ln>
+          <a:effectLst>
+            <a:outerShdw blurRad="50800" dist="38100" dir="2700000" algn="tl" rotWithShape="0">
+              <a:prstClr val="black">
+                <a:alpha val="40000"/>
+              </a:prstClr>
+            </a:outerShdw>
+          </a:effectLst>
+        </p:spPr>
+        <p:style>
+          <a:lnRef idx="2">
+            <a:schemeClr val="accent1">
+              <a:shade val="15000"/>
+            </a:schemeClr>
+          </a:lnRef>
+          <a:fillRef idx="1">
+            <a:schemeClr val="accent1"/>
+          </a:fillRef>
+          <a:effectRef idx="0">
+            <a:schemeClr val="accent1"/>
+          </a:effectRef>
+          <a:fontRef idx="minor">
+            <a:schemeClr val="lt1"/>
+          </a:fontRef>
+        </p:style>
+        <p:txBody>
+          <a:bodyPr rtlCol="0" anchor="ctr"/>
+          <a:lstStyle/>
+          <a:p>
+            <a:pPr algn="ctr"/>
+            <a:r>
+              <a:rPr lang="de-DE" dirty="0" err="1"/>
+              <a:t>Agentisches</a:t>
+            </a:r>
+            <a:r>
+              <a:rPr lang="de-DE" dirty="0"/>
+              <a:t> Coding erproben</a:t>
+            </a:r>
+          </a:p>
+        </p:txBody>
+      </p:sp>
+      <p:sp>
+        <p:nvSpPr>
+          <p:cNvPr id="11" name="Rectangle: Rounded Corners 10">
+            <a:extLst>
+              <a:ext uri="{FF2B5EF4-FFF2-40B4-BE49-F238E27FC236}">
+                <a16:creationId xmlns:a16="http://schemas.microsoft.com/office/drawing/2014/main" id="{0BE4E90C-10B0-759F-00F6-3C68118F538F}"/>
+              </a:ext>
+            </a:extLst>
+          </p:cNvPr>
+          <p:cNvSpPr/>
+          <p:nvPr/>
+        </p:nvSpPr>
+        <p:spPr>
+          <a:xfrm>
+            <a:off x="9213979" y="1350168"/>
+            <a:ext cx="2038490" cy="1578769"/>
+          </a:xfrm>
+          <a:prstGeom prst="roundRect">
+            <a:avLst/>
+          </a:prstGeom>
+          <a:solidFill>
+            <a:schemeClr val="accent3">
+              <a:lumMod val="50000"/>
+            </a:schemeClr>
+          </a:solidFill>
+          <a:ln w="57150">
+            <a:solidFill>
+              <a:schemeClr val="tx1"/>
+            </a:solidFill>
+          </a:ln>
+          <a:effectLst>
+            <a:outerShdw blurRad="50800" dist="38100" dir="2700000" algn="tl" rotWithShape="0">
+              <a:prstClr val="black">
+                <a:alpha val="40000"/>
+              </a:prstClr>
+            </a:outerShdw>
+          </a:effectLst>
+        </p:spPr>
+        <p:style>
+          <a:lnRef idx="2">
+            <a:schemeClr val="accent1">
+              <a:shade val="15000"/>
+            </a:schemeClr>
+          </a:lnRef>
+          <a:fillRef idx="1">
+            <a:schemeClr val="accent1"/>
+          </a:fillRef>
+          <a:effectRef idx="0">
+            <a:schemeClr val="accent1"/>
+          </a:effectRef>
+          <a:fontRef idx="minor">
+            <a:schemeClr val="lt1"/>
+          </a:fontRef>
+        </p:style>
+        <p:txBody>
+          <a:bodyPr rtlCol="0" anchor="ctr"/>
+          <a:lstStyle/>
+          <a:p>
+            <a:pPr algn="ctr"/>
+            <a:r>
+              <a:rPr lang="de-DE" dirty="0"/>
+              <a:t>Offen für Entwicklungen sein</a:t>
+            </a:r>
+          </a:p>
+        </p:txBody>
+      </p:sp>
+      <p:sp>
+        <p:nvSpPr>
+          <p:cNvPr id="12" name="Arrow: Chevron 11">
+            <a:extLst>
+              <a:ext uri="{FF2B5EF4-FFF2-40B4-BE49-F238E27FC236}">
+                <a16:creationId xmlns:a16="http://schemas.microsoft.com/office/drawing/2014/main" id="{0C8D1AFD-C86E-69B1-5256-4B2304EEDAF5}"/>
+              </a:ext>
+            </a:extLst>
+          </p:cNvPr>
+          <p:cNvSpPr/>
+          <p:nvPr/>
+        </p:nvSpPr>
+        <p:spPr>
+          <a:xfrm>
+            <a:off x="2976422" y="1921669"/>
+            <a:ext cx="421481" cy="435768"/>
+          </a:xfrm>
+          <a:prstGeom prst="chevron">
+            <a:avLst/>
+          </a:prstGeom>
+          <a:solidFill>
+            <a:schemeClr val="accent5">
+              <a:lumMod val="40000"/>
+              <a:lumOff val="60000"/>
+            </a:schemeClr>
+          </a:solidFill>
+          <a:ln w="57150">
+            <a:noFill/>
+          </a:ln>
+          <a:effectLst>
+            <a:outerShdw blurRad="50800" dist="38100" dir="2700000" algn="tl" rotWithShape="0">
+              <a:prstClr val="black">
+                <a:alpha val="40000"/>
+              </a:prstClr>
+            </a:outerShdw>
+          </a:effectLst>
+        </p:spPr>
+        <p:style>
+          <a:lnRef idx="2">
+            <a:schemeClr val="accent1">
+              <a:shade val="15000"/>
+            </a:schemeClr>
+          </a:lnRef>
+          <a:fillRef idx="1">
+            <a:schemeClr val="accent1"/>
+          </a:fillRef>
+          <a:effectRef idx="0">
+            <a:schemeClr val="accent1"/>
+          </a:effectRef>
+          <a:fontRef idx="minor">
+            <a:schemeClr val="lt1"/>
+          </a:fontRef>
+        </p:style>
+        <p:txBody>
+          <a:bodyPr rtlCol="0" anchor="ctr"/>
+          <a:lstStyle/>
+          <a:p>
+            <a:pPr algn="ctr"/>
+            <a:endParaRPr lang="de-DE"/>
+          </a:p>
+        </p:txBody>
+      </p:sp>
+      <p:sp>
+        <p:nvSpPr>
+          <p:cNvPr id="13" name="Arrow: Chevron 12">
+            <a:extLst>
+              <a:ext uri="{FF2B5EF4-FFF2-40B4-BE49-F238E27FC236}">
+                <a16:creationId xmlns:a16="http://schemas.microsoft.com/office/drawing/2014/main" id="{9CF70C8E-385B-077A-B1DA-A2FAC1726971}"/>
+              </a:ext>
+            </a:extLst>
+          </p:cNvPr>
+          <p:cNvSpPr/>
+          <p:nvPr/>
+        </p:nvSpPr>
+        <p:spPr>
+          <a:xfrm>
+            <a:off x="5846962" y="1921669"/>
+            <a:ext cx="421481" cy="435768"/>
+          </a:xfrm>
+          <a:prstGeom prst="chevron">
+            <a:avLst/>
+          </a:prstGeom>
+          <a:solidFill>
+            <a:schemeClr val="accent5">
+              <a:lumMod val="40000"/>
+              <a:lumOff val="60000"/>
+            </a:schemeClr>
+          </a:solidFill>
+          <a:ln w="57150">
+            <a:noFill/>
+          </a:ln>
+          <a:effectLst>
+            <a:outerShdw blurRad="50800" dist="38100" dir="2700000" algn="tl" rotWithShape="0">
+              <a:prstClr val="black">
+                <a:alpha val="40000"/>
+              </a:prstClr>
+            </a:outerShdw>
+          </a:effectLst>
+        </p:spPr>
+        <p:style>
+          <a:lnRef idx="2">
+            <a:schemeClr val="accent1">
+              <a:shade val="15000"/>
+            </a:schemeClr>
+          </a:lnRef>
+          <a:fillRef idx="1">
+            <a:schemeClr val="accent1"/>
+          </a:fillRef>
+          <a:effectRef idx="0">
+            <a:schemeClr val="accent1"/>
+          </a:effectRef>
+          <a:fontRef idx="minor">
+            <a:schemeClr val="lt1"/>
+          </a:fontRef>
+        </p:style>
+        <p:txBody>
+          <a:bodyPr rtlCol="0" anchor="ctr"/>
+          <a:lstStyle/>
+          <a:p>
+            <a:pPr algn="ctr"/>
+            <a:endParaRPr lang="de-DE"/>
+          </a:p>
+        </p:txBody>
+      </p:sp>
+      <p:sp>
+        <p:nvSpPr>
+          <p:cNvPr id="14" name="Arrow: Chevron 13">
+            <a:extLst>
+              <a:ext uri="{FF2B5EF4-FFF2-40B4-BE49-F238E27FC236}">
+                <a16:creationId xmlns:a16="http://schemas.microsoft.com/office/drawing/2014/main" id="{BFF2E121-EA02-AF89-CA24-76549FE7CC4A}"/>
+              </a:ext>
+            </a:extLst>
+          </p:cNvPr>
+          <p:cNvSpPr/>
+          <p:nvPr/>
+        </p:nvSpPr>
+        <p:spPr>
+          <a:xfrm>
+            <a:off x="8630643" y="1921669"/>
+            <a:ext cx="421481" cy="435768"/>
+          </a:xfrm>
+          <a:prstGeom prst="chevron">
+            <a:avLst/>
+          </a:prstGeom>
+          <a:solidFill>
+            <a:schemeClr val="accent5">
+              <a:lumMod val="40000"/>
+              <a:lumOff val="60000"/>
+            </a:schemeClr>
+          </a:solidFill>
+          <a:ln w="57150">
+            <a:noFill/>
+          </a:ln>
+          <a:effectLst>
+            <a:outerShdw blurRad="50800" dist="38100" dir="2700000" algn="tl" rotWithShape="0">
+              <a:prstClr val="black">
+                <a:alpha val="40000"/>
+              </a:prstClr>
+            </a:outerShdw>
+          </a:effectLst>
+        </p:spPr>
+        <p:style>
+          <a:lnRef idx="2">
+            <a:schemeClr val="accent1">
+              <a:shade val="15000"/>
+            </a:schemeClr>
+          </a:lnRef>
+          <a:fillRef idx="1">
+            <a:schemeClr val="accent1"/>
+          </a:fillRef>
+          <a:effectRef idx="0">
+            <a:schemeClr val="accent1"/>
+          </a:effectRef>
+          <a:fontRef idx="minor">
+            <a:schemeClr val="lt1"/>
+          </a:fontRef>
+        </p:style>
+        <p:txBody>
+          <a:bodyPr rtlCol="0" anchor="ctr"/>
+          <a:lstStyle/>
+          <a:p>
+            <a:pPr algn="ctr"/>
+            <a:endParaRPr lang="de-DE"/>
+          </a:p>
+        </p:txBody>
+      </p:sp>
+      <p:sp>
+        <p:nvSpPr>
+          <p:cNvPr id="15" name="Rectangle: Rounded Corners 14">
+            <a:extLst>
+              <a:ext uri="{FF2B5EF4-FFF2-40B4-BE49-F238E27FC236}">
+                <a16:creationId xmlns:a16="http://schemas.microsoft.com/office/drawing/2014/main" id="{63D54D8D-EDB2-6289-9215-C8756BBD5347}"/>
+              </a:ext>
+            </a:extLst>
+          </p:cNvPr>
+          <p:cNvSpPr/>
+          <p:nvPr/>
+        </p:nvSpPr>
+        <p:spPr>
+          <a:xfrm>
+            <a:off x="657226" y="3139678"/>
+            <a:ext cx="2038490" cy="1132285"/>
+          </a:xfrm>
+          <a:prstGeom prst="roundRect">
+            <a:avLst/>
+          </a:prstGeom>
+          <a:solidFill>
+            <a:schemeClr val="accent3"/>
+          </a:solidFill>
+          <a:ln w="57150">
+            <a:solidFill>
+              <a:schemeClr val="tx1"/>
+            </a:solidFill>
+          </a:ln>
+          <a:effectLst>
+            <a:outerShdw blurRad="50800" dist="38100" dir="2700000" algn="tl" rotWithShape="0">
+              <a:prstClr val="black">
+                <a:alpha val="40000"/>
+              </a:prstClr>
+            </a:outerShdw>
+          </a:effectLst>
+        </p:spPr>
+        <p:style>
+          <a:lnRef idx="2">
+            <a:schemeClr val="accent1">
+              <a:shade val="15000"/>
+            </a:schemeClr>
+          </a:lnRef>
+          <a:fillRef idx="1">
+            <a:schemeClr val="accent1"/>
+          </a:fillRef>
+          <a:effectRef idx="0">
+            <a:schemeClr val="accent1"/>
+          </a:effectRef>
+          <a:fontRef idx="minor">
+            <a:schemeClr val="lt1"/>
+          </a:fontRef>
+        </p:style>
+        <p:txBody>
+          <a:bodyPr rtlCol="0" anchor="ctr"/>
+          <a:lstStyle/>
+          <a:p>
+            <a:pPr algn="ctr"/>
+            <a:r>
+              <a:rPr lang="de-DE" dirty="0"/>
+              <a:t>Claude</a:t>
+            </a:r>
+          </a:p>
+          <a:p>
+            <a:pPr algn="ctr"/>
+            <a:r>
+              <a:rPr lang="de-DE" dirty="0"/>
+              <a:t>Gemini</a:t>
+            </a:r>
+          </a:p>
+          <a:p>
+            <a:pPr algn="ctr"/>
+            <a:r>
+              <a:rPr lang="de-DE" dirty="0"/>
+              <a:t>ChatGPT</a:t>
+            </a:r>
+          </a:p>
+        </p:txBody>
+      </p:sp>
+      <p:sp>
+        <p:nvSpPr>
+          <p:cNvPr id="16" name="Rectangle: Rounded Corners 15">
+            <a:extLst>
+              <a:ext uri="{FF2B5EF4-FFF2-40B4-BE49-F238E27FC236}">
+                <a16:creationId xmlns:a16="http://schemas.microsoft.com/office/drawing/2014/main" id="{27618974-95C5-5B12-0783-B1EB51B25113}"/>
+              </a:ext>
+            </a:extLst>
+          </p:cNvPr>
+          <p:cNvSpPr/>
+          <p:nvPr/>
+        </p:nvSpPr>
+        <p:spPr>
+          <a:xfrm>
+            <a:off x="3646617" y="3139678"/>
+            <a:ext cx="2038490" cy="1132285"/>
+          </a:xfrm>
+          <a:prstGeom prst="roundRect">
+            <a:avLst/>
+          </a:prstGeom>
+          <a:solidFill>
+            <a:schemeClr val="accent3"/>
+          </a:solidFill>
+          <a:ln w="57150">
+            <a:solidFill>
+              <a:schemeClr val="tx1"/>
+            </a:solidFill>
+          </a:ln>
+          <a:effectLst>
+            <a:outerShdw blurRad="50800" dist="38100" dir="2700000" algn="tl" rotWithShape="0">
+              <a:prstClr val="black">
+                <a:alpha val="40000"/>
+              </a:prstClr>
+            </a:outerShdw>
+          </a:effectLst>
+        </p:spPr>
+        <p:style>
+          <a:lnRef idx="2">
+            <a:schemeClr val="accent1">
+              <a:shade val="15000"/>
+            </a:schemeClr>
+          </a:lnRef>
+          <a:fillRef idx="1">
+            <a:schemeClr val="accent1"/>
+          </a:fillRef>
+          <a:effectRef idx="0">
+            <a:schemeClr val="accent1"/>
+          </a:effectRef>
+          <a:fontRef idx="minor">
+            <a:schemeClr val="lt1"/>
+          </a:fontRef>
+        </p:style>
+        <p:txBody>
+          <a:bodyPr rtlCol="0" anchor="ctr"/>
+          <a:lstStyle/>
+          <a:p>
+            <a:pPr algn="ctr"/>
+            <a:r>
+              <a:rPr lang="de-DE" dirty="0"/>
+              <a:t>Gemini </a:t>
+            </a:r>
+            <a:r>
+              <a:rPr lang="de-DE" dirty="0" err="1"/>
+              <a:t>Colab</a:t>
+            </a:r>
+            <a:endParaRPr lang="de-DE" dirty="0"/>
+          </a:p>
+          <a:p>
+            <a:pPr algn="ctr"/>
+            <a:r>
+              <a:rPr lang="de-DE" dirty="0" err="1"/>
+              <a:t>Github</a:t>
+            </a:r>
+            <a:r>
+              <a:rPr lang="de-DE" dirty="0"/>
+              <a:t> Copilot</a:t>
+            </a:r>
+          </a:p>
+        </p:txBody>
+      </p:sp>
+      <p:sp>
+        <p:nvSpPr>
+          <p:cNvPr id="17" name="Rectangle: Rounded Corners 16">
+            <a:extLst>
+              <a:ext uri="{FF2B5EF4-FFF2-40B4-BE49-F238E27FC236}">
+                <a16:creationId xmlns:a16="http://schemas.microsoft.com/office/drawing/2014/main" id="{B73982C7-EC9B-2B93-1BCF-46E59ACEDC10}"/>
+              </a:ext>
+            </a:extLst>
+          </p:cNvPr>
+          <p:cNvSpPr/>
+          <p:nvPr/>
+        </p:nvSpPr>
+        <p:spPr>
+          <a:xfrm>
+            <a:off x="6430298" y="3139678"/>
+            <a:ext cx="2038490" cy="1132285"/>
+          </a:xfrm>
+          <a:prstGeom prst="roundRect">
+            <a:avLst/>
+          </a:prstGeom>
+          <a:solidFill>
+            <a:schemeClr val="accent3"/>
+          </a:solidFill>
+          <a:ln w="57150">
+            <a:solidFill>
+              <a:schemeClr val="tx1"/>
+            </a:solidFill>
+          </a:ln>
+          <a:effectLst>
+            <a:outerShdw blurRad="50800" dist="38100" dir="2700000" algn="tl" rotWithShape="0">
+              <a:prstClr val="black">
+                <a:alpha val="40000"/>
+              </a:prstClr>
+            </a:outerShdw>
+          </a:effectLst>
+        </p:spPr>
+        <p:style>
+          <a:lnRef idx="2">
+            <a:schemeClr val="accent1">
+              <a:shade val="15000"/>
+            </a:schemeClr>
+          </a:lnRef>
+          <a:fillRef idx="1">
+            <a:schemeClr val="accent1"/>
+          </a:fillRef>
+          <a:effectRef idx="0">
+            <a:schemeClr val="accent1"/>
+          </a:effectRef>
+          <a:fontRef idx="minor">
+            <a:schemeClr val="lt1"/>
+          </a:fontRef>
+        </p:style>
+        <p:txBody>
+          <a:bodyPr rtlCol="0" anchor="ctr"/>
+          <a:lstStyle/>
+          <a:p>
+            <a:pPr algn="ctr"/>
+            <a:r>
+              <a:rPr lang="de-DE" dirty="0"/>
+              <a:t>Claude MCP</a:t>
+            </a:r>
+          </a:p>
+          <a:p>
+            <a:pPr algn="ctr"/>
+            <a:r>
+              <a:rPr lang="de-DE" dirty="0"/>
+              <a:t>Cursor</a:t>
+            </a:r>
+          </a:p>
+          <a:p>
+            <a:pPr algn="ctr"/>
+            <a:r>
+              <a:rPr lang="de-DE" dirty="0" err="1"/>
+              <a:t>Windsurf</a:t>
+            </a:r>
+            <a:endParaRPr lang="de-DE" dirty="0"/>
+          </a:p>
+        </p:txBody>
+      </p:sp>
+      <p:sp>
+        <p:nvSpPr>
+          <p:cNvPr id="18" name="Rectangle: Rounded Corners 17">
+            <a:extLst>
+              <a:ext uri="{FF2B5EF4-FFF2-40B4-BE49-F238E27FC236}">
+                <a16:creationId xmlns:a16="http://schemas.microsoft.com/office/drawing/2014/main" id="{AD2CBC0B-3E97-EF98-8CF0-F3B1F262C002}"/>
+              </a:ext>
+            </a:extLst>
+          </p:cNvPr>
+          <p:cNvSpPr/>
+          <p:nvPr/>
+        </p:nvSpPr>
+        <p:spPr>
+          <a:xfrm>
+            <a:off x="9213979" y="3139678"/>
+            <a:ext cx="2038490" cy="1132285"/>
+          </a:xfrm>
+          <a:prstGeom prst="roundRect">
+            <a:avLst/>
+          </a:prstGeom>
+          <a:solidFill>
+            <a:schemeClr val="accent3"/>
+          </a:solidFill>
+          <a:ln w="57150">
+            <a:solidFill>
+              <a:schemeClr val="tx1"/>
+            </a:solidFill>
+          </a:ln>
+          <a:effectLst>
+            <a:outerShdw blurRad="50800" dist="38100" dir="2700000" algn="tl" rotWithShape="0">
+              <a:prstClr val="black">
+                <a:alpha val="40000"/>
+              </a:prstClr>
+            </a:outerShdw>
+          </a:effectLst>
+        </p:spPr>
+        <p:style>
+          <a:lnRef idx="2">
+            <a:schemeClr val="accent1">
+              <a:shade val="15000"/>
+            </a:schemeClr>
+          </a:lnRef>
+          <a:fillRef idx="1">
+            <a:schemeClr val="accent1"/>
+          </a:fillRef>
+          <a:effectRef idx="0">
+            <a:schemeClr val="accent1"/>
+          </a:effectRef>
+          <a:fontRef idx="minor">
+            <a:schemeClr val="lt1"/>
+          </a:fontRef>
+        </p:style>
+        <p:txBody>
+          <a:bodyPr rtlCol="0" anchor="ctr"/>
+          <a:lstStyle/>
+          <a:p>
+            <a:pPr algn="ctr"/>
+            <a:r>
+              <a:rPr lang="de-DE" dirty="0"/>
+              <a:t>?</a:t>
+            </a:r>
           </a:p>
         </p:txBody>
       </p:sp>
     </p:spTree>
     <p:extLst>
       <p:ext uri="{BB962C8B-B14F-4D97-AF65-F5344CB8AC3E}">
-        <p14:creationId xmlns:p14="http://schemas.microsoft.com/office/powerpoint/2010/main" val="87114236"/>
+        <p14:creationId xmlns:p14="http://schemas.microsoft.com/office/powerpoint/2010/main" val="389621161"/>
       </p:ext>
     </p:extLst>
   </p:cSld>
@@ -17499,7 +18813,7 @@
         <p:cNvPr id="1" name="">
           <a:extLst>
             <a:ext uri="{FF2B5EF4-FFF2-40B4-BE49-F238E27FC236}">
-              <a16:creationId xmlns:a16="http://schemas.microsoft.com/office/drawing/2014/main" id="{8A3A5A00-C8DC-D82D-2634-737ED39D8AB7}"/>
+              <a16:creationId xmlns:a16="http://schemas.microsoft.com/office/drawing/2014/main" id="{1C8E4A57-3E4B-2F92-7039-976E5391DF61}"/>
             </a:ext>
           </a:extLst>
         </p:cNvPr>
@@ -17516,10 +18830,68 @@
       </p:grpSpPr>
       <p:sp>
         <p:nvSpPr>
-          <p:cNvPr id="3" name="Footer Placeholder 2">
-            <a:extLst>
-              <a:ext uri="{FF2B5EF4-FFF2-40B4-BE49-F238E27FC236}">
-                <a16:creationId xmlns:a16="http://schemas.microsoft.com/office/drawing/2014/main" id="{7175352E-27DA-E330-B509-DA053F75593B}"/>
+          <p:cNvPr id="2" name="Title 1">
+            <a:extLst>
+              <a:ext uri="{FF2B5EF4-FFF2-40B4-BE49-F238E27FC236}">
+                <a16:creationId xmlns:a16="http://schemas.microsoft.com/office/drawing/2014/main" id="{B50F7C52-08C6-B77B-7F9C-5E3B8F7EDB33}"/>
+              </a:ext>
+            </a:extLst>
+          </p:cNvPr>
+          <p:cNvSpPr>
+            <a:spLocks noGrp="1"/>
+          </p:cNvSpPr>
+          <p:nvPr>
+            <p:ph type="title"/>
+          </p:nvPr>
+        </p:nvSpPr>
+        <p:spPr/>
+        <p:txBody>
+          <a:bodyPr/>
+          <a:lstStyle/>
+          <a:p>
+            <a:r>
+              <a:rPr lang="de-DE" dirty="0"/>
+              <a:t>Was könnt ihr noch tun?</a:t>
+            </a:r>
+            <a:endParaRPr lang="en-GB" dirty="0"/>
+          </a:p>
+        </p:txBody>
+      </p:sp>
+      <p:sp>
+        <p:nvSpPr>
+          <p:cNvPr id="3" name="Text Placeholder 2">
+            <a:extLst>
+              <a:ext uri="{FF2B5EF4-FFF2-40B4-BE49-F238E27FC236}">
+                <a16:creationId xmlns:a16="http://schemas.microsoft.com/office/drawing/2014/main" id="{A22F82E9-972B-B5B3-3D69-870E14DC99CE}"/>
+              </a:ext>
+            </a:extLst>
+          </p:cNvPr>
+          <p:cNvSpPr>
+            <a:spLocks noGrp="1"/>
+          </p:cNvSpPr>
+          <p:nvPr>
+            <p:ph type="body" idx="1"/>
+          </p:nvPr>
+        </p:nvSpPr>
+        <p:spPr/>
+        <p:txBody>
+          <a:bodyPr/>
+          <a:lstStyle/>
+          <a:p>
+            <a:r>
+              <a:rPr lang="de-DE" dirty="0"/>
+              <a:t>Chapter 4</a:t>
+            </a:r>
+            <a:endParaRPr lang="en-GB" dirty="0"/>
+          </a:p>
+        </p:txBody>
+      </p:sp>
+      <p:sp>
+        <p:nvSpPr>
+          <p:cNvPr id="4" name="Footer Placeholder 3">
+            <a:extLst>
+              <a:ext uri="{FF2B5EF4-FFF2-40B4-BE49-F238E27FC236}">
+                <a16:creationId xmlns:a16="http://schemas.microsoft.com/office/drawing/2014/main" id="{3A7C4213-2A21-E286-501B-4FDCE84985D5}"/>
               </a:ext>
             </a:extLst>
           </p:cNvPr>
@@ -17540,75 +18912,307 @@
               <a:t>Elliot Kovanda – Data Scientist</a:t>
             </a:r>
             <a:endParaRPr lang="en-US" dirty="0"/>
-          </a:p>
-        </p:txBody>
-      </p:sp>
-      <p:sp>
-        <p:nvSpPr>
-          <p:cNvPr id="5" name="Rectangle 4">
-            <a:extLst>
-              <a:ext uri="{FF2B5EF4-FFF2-40B4-BE49-F238E27FC236}">
-                <a16:creationId xmlns:a16="http://schemas.microsoft.com/office/drawing/2014/main" id="{D8311F4D-91F7-C852-8A39-71FDEDF4B78C}"/>
-              </a:ext>
-            </a:extLst>
-          </p:cNvPr>
-          <p:cNvSpPr/>
-          <p:nvPr/>
-        </p:nvSpPr>
-        <p:spPr>
-          <a:xfrm>
-            <a:off x="2968171" y="1875971"/>
-            <a:ext cx="6255658" cy="3106057"/>
-          </a:xfrm>
-          <a:prstGeom prst="rect">
-            <a:avLst/>
-          </a:prstGeom>
-          <a:ln w="76200">
-            <a:solidFill>
-              <a:schemeClr val="tx1"/>
-            </a:solidFill>
-          </a:ln>
-        </p:spPr>
-        <p:style>
-          <a:lnRef idx="2">
-            <a:schemeClr val="accent1">
-              <a:shade val="15000"/>
-            </a:schemeClr>
-          </a:lnRef>
-          <a:fillRef idx="1">
-            <a:schemeClr val="accent1"/>
-          </a:fillRef>
-          <a:effectRef idx="0">
-            <a:schemeClr val="accent1"/>
-          </a:effectRef>
-          <a:fontRef idx="minor">
-            <a:schemeClr val="lt1"/>
-          </a:fontRef>
-        </p:style>
-        <p:txBody>
-          <a:bodyPr rtlCol="0" anchor="ctr"/>
-          <a:lstStyle/>
-          <a:p>
-            <a:pPr algn="ctr"/>
-            <a:r>
-              <a:rPr lang="de-DE" sz="4400" b="1" dirty="0"/>
-              <a:t>Lasst die Goethe Uni wissen, dass ihr mehr Python </a:t>
-            </a:r>
-            <a:r>
-              <a:rPr lang="de-DE" sz="3600" b="1" dirty="0"/>
-              <a:t>🐍 </a:t>
-            </a:r>
-            <a:r>
-              <a:rPr lang="de-DE" sz="4400" b="1" dirty="0"/>
-              <a:t>wollt</a:t>
-            </a:r>
           </a:p>
         </p:txBody>
       </p:sp>
     </p:spTree>
     <p:extLst>
       <p:ext uri="{BB962C8B-B14F-4D97-AF65-F5344CB8AC3E}">
-        <p14:creationId xmlns:p14="http://schemas.microsoft.com/office/powerpoint/2010/main" val="1879358549"/>
+        <p14:creationId xmlns:p14="http://schemas.microsoft.com/office/powerpoint/2010/main" val="1673940398"/>
+      </p:ext>
+    </p:extLst>
+  </p:cSld>
+  <p:clrMapOvr>
+    <a:masterClrMapping/>
+  </p:clrMapOvr>
+</p:sld>
+</file>
+
+<file path=ppt/slides/slide29.xml><?xml version="1.0" encoding="utf-8"?>
+<p:sld xmlns:a="http://schemas.openxmlformats.org/drawingml/2006/main" xmlns:r="http://schemas.openxmlformats.org/officeDocument/2006/relationships" xmlns:p="http://schemas.openxmlformats.org/presentationml/2006/main">
+  <p:cSld>
+    <p:spTree>
+      <p:nvGrpSpPr>
+        <p:cNvPr id="1" name=""/>
+        <p:cNvGrpSpPr/>
+        <p:nvPr/>
+      </p:nvGrpSpPr>
+      <p:grpSpPr>
+        <a:xfrm>
+          <a:off x="0" y="0"/>
+          <a:ext cx="0" cy="0"/>
+          <a:chOff x="0" y="0"/>
+          <a:chExt cx="0" cy="0"/>
+        </a:xfrm>
+      </p:grpSpPr>
+      <p:sp>
+        <p:nvSpPr>
+          <p:cNvPr id="2" name="Title 1">
+            <a:extLst>
+              <a:ext uri="{FF2B5EF4-FFF2-40B4-BE49-F238E27FC236}">
+                <a16:creationId xmlns:a16="http://schemas.microsoft.com/office/drawing/2014/main" id="{AEB71EF2-316D-E5A1-0383-EAEC85DE7FAA}"/>
+              </a:ext>
+            </a:extLst>
+          </p:cNvPr>
+          <p:cNvSpPr>
+            <a:spLocks noGrp="1"/>
+          </p:cNvSpPr>
+          <p:nvPr>
+            <p:ph type="title"/>
+          </p:nvPr>
+        </p:nvSpPr>
+        <p:spPr/>
+        <p:txBody>
+          <a:bodyPr/>
+          <a:lstStyle/>
+          <a:p>
+            <a:r>
+              <a:rPr lang="de-DE" dirty="0"/>
+              <a:t>Sucht euch eigene Datensätze</a:t>
+            </a:r>
+          </a:p>
+        </p:txBody>
+      </p:sp>
+      <p:sp>
+        <p:nvSpPr>
+          <p:cNvPr id="3" name="Footer Placeholder 2">
+            <a:extLst>
+              <a:ext uri="{FF2B5EF4-FFF2-40B4-BE49-F238E27FC236}">
+                <a16:creationId xmlns:a16="http://schemas.microsoft.com/office/drawing/2014/main" id="{B2B66950-414B-FB7B-E850-8246BB383CF0}"/>
+              </a:ext>
+            </a:extLst>
+          </p:cNvPr>
+          <p:cNvSpPr>
+            <a:spLocks noGrp="1"/>
+          </p:cNvSpPr>
+          <p:nvPr>
+            <p:ph type="ftr" sz="quarter" idx="11"/>
+          </p:nvPr>
+        </p:nvSpPr>
+        <p:spPr/>
+        <p:txBody>
+          <a:bodyPr/>
+          <a:lstStyle/>
+          <a:p>
+            <a:r>
+              <a:rPr lang="en-US"/>
+              <a:t>Elliot Kovanda – Data Scientist</a:t>
+            </a:r>
+            <a:endParaRPr lang="en-US" dirty="0"/>
+          </a:p>
+        </p:txBody>
+      </p:sp>
+      <p:sp>
+        <p:nvSpPr>
+          <p:cNvPr id="4" name="Text Placeholder 3">
+            <a:extLst>
+              <a:ext uri="{FF2B5EF4-FFF2-40B4-BE49-F238E27FC236}">
+                <a16:creationId xmlns:a16="http://schemas.microsoft.com/office/drawing/2014/main" id="{54A98643-2F7B-98C7-8AFF-A4DD92C5BC1F}"/>
+              </a:ext>
+            </a:extLst>
+          </p:cNvPr>
+          <p:cNvSpPr>
+            <a:spLocks noGrp="1"/>
+          </p:cNvSpPr>
+          <p:nvPr>
+            <p:ph type="body" sz="quarter" idx="12"/>
+          </p:nvPr>
+        </p:nvSpPr>
+        <p:spPr/>
+        <p:txBody>
+          <a:bodyPr/>
+          <a:lstStyle/>
+          <a:p>
+            <a:r>
+              <a:rPr lang="en-US" dirty="0">
+                <a:hlinkClick r:id="rId2">
+                  <a:extLst>
+                    <a:ext uri="{A12FA001-AC4F-418D-AE19-62706E023703}">
+                      <ahyp:hlinkClr xmlns:ahyp="http://schemas.microsoft.com/office/drawing/2018/hyperlinkcolor" val="tx"/>
+                    </a:ext>
+                  </a:extLst>
+                </a:hlinkClick>
+              </a:rPr>
+              <a:t>Kaggle Datasets</a:t>
+            </a:r>
+          </a:p>
+          <a:p>
+            <a:r>
+              <a:rPr lang="en-US" dirty="0" err="1">
+                <a:hlinkClick r:id="rId3">
+                  <a:extLst>
+                    <a:ext uri="{A12FA001-AC4F-418D-AE19-62706E023703}">
+                      <ahyp:hlinkClr xmlns:ahyp="http://schemas.microsoft.com/office/drawing/2018/hyperlinkcolor" val="tx"/>
+                    </a:ext>
+                  </a:extLst>
+                </a:hlinkClick>
+              </a:rPr>
+              <a:t>Github</a:t>
+            </a:r>
+            <a:r>
+              <a:rPr lang="en-US" dirty="0">
+                <a:hlinkClick r:id="rId3">
+                  <a:extLst>
+                    <a:ext uri="{A12FA001-AC4F-418D-AE19-62706E023703}">
+                      <ahyp:hlinkClr xmlns:ahyp="http://schemas.microsoft.com/office/drawing/2018/hyperlinkcolor" val="tx"/>
+                    </a:ext>
+                  </a:extLst>
+                </a:hlinkClick>
+              </a:rPr>
+              <a:t> Awesome Data</a:t>
+            </a:r>
+            <a:endParaRPr lang="en-US" dirty="0"/>
+          </a:p>
+          <a:p>
+            <a:r>
+              <a:rPr lang="en-US" dirty="0" err="1">
+                <a:hlinkClick r:id="rId4">
+                  <a:extLst>
+                    <a:ext uri="{A12FA001-AC4F-418D-AE19-62706E023703}">
+                      <ahyp:hlinkClr xmlns:ahyp="http://schemas.microsoft.com/office/drawing/2018/hyperlinkcolor" val="tx"/>
+                    </a:ext>
+                  </a:extLst>
+                </a:hlinkClick>
+              </a:rPr>
+              <a:t>Statistisches</a:t>
+            </a:r>
+            <a:r>
+              <a:rPr lang="en-US" dirty="0">
+                <a:hlinkClick r:id="rId4">
+                  <a:extLst>
+                    <a:ext uri="{A12FA001-AC4F-418D-AE19-62706E023703}">
+                      <ahyp:hlinkClr xmlns:ahyp="http://schemas.microsoft.com/office/drawing/2018/hyperlinkcolor" val="tx"/>
+                    </a:ext>
+                  </a:extLst>
+                </a:hlinkClick>
+              </a:rPr>
+              <a:t> </a:t>
+            </a:r>
+            <a:r>
+              <a:rPr lang="en-US" dirty="0" err="1">
+                <a:hlinkClick r:id="rId4">
+                  <a:extLst>
+                    <a:ext uri="{A12FA001-AC4F-418D-AE19-62706E023703}">
+                      <ahyp:hlinkClr xmlns:ahyp="http://schemas.microsoft.com/office/drawing/2018/hyperlinkcolor" val="tx"/>
+                    </a:ext>
+                  </a:extLst>
+                </a:hlinkClick>
+              </a:rPr>
+              <a:t>Bundesamt</a:t>
+            </a:r>
+            <a:endParaRPr lang="en-US" dirty="0">
+              <a:hlinkClick r:id="rId5">
+                <a:extLst>
+                  <a:ext uri="{A12FA001-AC4F-418D-AE19-62706E023703}">
+                    <ahyp:hlinkClr xmlns:ahyp="http://schemas.microsoft.com/office/drawing/2018/hyperlinkcolor" val="tx"/>
+                  </a:ext>
+                </a:extLst>
+              </a:hlinkClick>
+            </a:endParaRPr>
+          </a:p>
+          <a:p>
+            <a:r>
+              <a:rPr lang="en-US" dirty="0">
+                <a:hlinkClick r:id="rId5">
+                  <a:extLst>
+                    <a:ext uri="{A12FA001-AC4F-418D-AE19-62706E023703}">
+                      <ahyp:hlinkClr xmlns:ahyp="http://schemas.microsoft.com/office/drawing/2018/hyperlinkcolor" val="tx"/>
+                    </a:ext>
+                  </a:extLst>
+                </a:hlinkClick>
+              </a:rPr>
+              <a:t>Data World</a:t>
+            </a:r>
+            <a:r>
+              <a:rPr lang="en-US" dirty="0"/>
+              <a:t> </a:t>
+            </a:r>
+            <a:r>
+              <a:rPr lang="en-US" dirty="0">
+                <a:solidFill>
+                  <a:schemeClr val="accent5">
+                    <a:lumMod val="60000"/>
+                    <a:lumOff val="40000"/>
+                  </a:schemeClr>
+                </a:solidFill>
+              </a:rPr>
+              <a:t>(</a:t>
+            </a:r>
+            <a:r>
+              <a:rPr lang="en-US" dirty="0" err="1">
+                <a:solidFill>
+                  <a:schemeClr val="accent5">
+                    <a:lumMod val="60000"/>
+                    <a:lumOff val="40000"/>
+                  </a:schemeClr>
+                </a:solidFill>
+              </a:rPr>
+              <a:t>Erfordert</a:t>
+            </a:r>
+            <a:r>
+              <a:rPr lang="en-US" dirty="0">
+                <a:solidFill>
+                  <a:schemeClr val="accent5">
+                    <a:lumMod val="60000"/>
+                    <a:lumOff val="40000"/>
+                  </a:schemeClr>
+                </a:solidFill>
+              </a:rPr>
+              <a:t> </a:t>
+            </a:r>
+            <a:r>
+              <a:rPr lang="en-US" dirty="0" err="1">
+                <a:solidFill>
+                  <a:schemeClr val="accent5">
+                    <a:lumMod val="60000"/>
+                    <a:lumOff val="40000"/>
+                  </a:schemeClr>
+                </a:solidFill>
+              </a:rPr>
+              <a:t>einen</a:t>
+            </a:r>
+            <a:r>
+              <a:rPr lang="en-US" dirty="0">
+                <a:solidFill>
+                  <a:schemeClr val="accent5">
+                    <a:lumMod val="60000"/>
+                    <a:lumOff val="40000"/>
+                  </a:schemeClr>
+                </a:solidFill>
+              </a:rPr>
+              <a:t> Account)</a:t>
+            </a:r>
+          </a:p>
+          <a:p>
+            <a:r>
+              <a:rPr lang="en-US" dirty="0" err="1"/>
+              <a:t>Euer</a:t>
+            </a:r>
+            <a:r>
+              <a:rPr lang="en-US" dirty="0"/>
+              <a:t> </a:t>
+            </a:r>
+            <a:r>
+              <a:rPr lang="en-US" dirty="0" err="1"/>
+              <a:t>Privatleben</a:t>
+            </a:r>
+            <a:r>
+              <a:rPr lang="en-US" dirty="0"/>
+              <a:t>?</a:t>
+            </a:r>
+          </a:p>
+          <a:p>
+            <a:r>
+              <a:rPr lang="en-US" dirty="0"/>
+              <a:t>…</a:t>
+            </a:r>
+          </a:p>
+        </p:txBody>
+      </p:sp>
+    </p:spTree>
+    <p:extLst>
+      <p:ext uri="{BB962C8B-B14F-4D97-AF65-F5344CB8AC3E}">
+        <p14:creationId xmlns:p14="http://schemas.microsoft.com/office/powerpoint/2010/main" val="2076210355"/>
       </p:ext>
     </p:extLst>
   </p:cSld>
@@ -18107,6 +19711,539 @@
     <p:extLst>
       <p:ext uri="{BB962C8B-B14F-4D97-AF65-F5344CB8AC3E}">
         <p14:creationId xmlns:p14="http://schemas.microsoft.com/office/powerpoint/2010/main" val="3647578009"/>
+      </p:ext>
+    </p:extLst>
+  </p:cSld>
+  <p:clrMapOvr>
+    <a:masterClrMapping/>
+  </p:clrMapOvr>
+</p:sld>
+</file>
+
+<file path=ppt/slides/slide30.xml><?xml version="1.0" encoding="utf-8"?>
+<p:sld xmlns:a="http://schemas.openxmlformats.org/drawingml/2006/main" xmlns:r="http://schemas.openxmlformats.org/officeDocument/2006/relationships" xmlns:p="http://schemas.openxmlformats.org/presentationml/2006/main">
+  <p:cSld>
+    <p:spTree>
+      <p:nvGrpSpPr>
+        <p:cNvPr id="1" name=""/>
+        <p:cNvGrpSpPr/>
+        <p:nvPr/>
+      </p:nvGrpSpPr>
+      <p:grpSpPr>
+        <a:xfrm>
+          <a:off x="0" y="0"/>
+          <a:ext cx="0" cy="0"/>
+          <a:chOff x="0" y="0"/>
+          <a:chExt cx="0" cy="0"/>
+        </a:xfrm>
+      </p:grpSpPr>
+      <p:sp>
+        <p:nvSpPr>
+          <p:cNvPr id="2" name="Title 1">
+            <a:extLst>
+              <a:ext uri="{FF2B5EF4-FFF2-40B4-BE49-F238E27FC236}">
+                <a16:creationId xmlns:a16="http://schemas.microsoft.com/office/drawing/2014/main" id="{ADF006CE-1D56-8852-1B77-61ECD228C387}"/>
+              </a:ext>
+            </a:extLst>
+          </p:cNvPr>
+          <p:cNvSpPr>
+            <a:spLocks noGrp="1"/>
+          </p:cNvSpPr>
+          <p:nvPr>
+            <p:ph type="title"/>
+          </p:nvPr>
+        </p:nvSpPr>
+        <p:spPr/>
+        <p:txBody>
+          <a:bodyPr/>
+          <a:lstStyle/>
+          <a:p>
+            <a:endParaRPr lang="de-DE"/>
+          </a:p>
+        </p:txBody>
+      </p:sp>
+      <p:sp>
+        <p:nvSpPr>
+          <p:cNvPr id="3" name="Footer Placeholder 2">
+            <a:extLst>
+              <a:ext uri="{FF2B5EF4-FFF2-40B4-BE49-F238E27FC236}">
+                <a16:creationId xmlns:a16="http://schemas.microsoft.com/office/drawing/2014/main" id="{52167071-4298-24D2-8FFB-C256D7F286B2}"/>
+              </a:ext>
+            </a:extLst>
+          </p:cNvPr>
+          <p:cNvSpPr>
+            <a:spLocks noGrp="1"/>
+          </p:cNvSpPr>
+          <p:nvPr>
+            <p:ph type="ftr" sz="quarter" idx="11"/>
+          </p:nvPr>
+        </p:nvSpPr>
+        <p:spPr/>
+        <p:txBody>
+          <a:bodyPr/>
+          <a:lstStyle/>
+          <a:p>
+            <a:r>
+              <a:rPr lang="en-US"/>
+              <a:t>Elliot Kovanda – Data Scientist</a:t>
+            </a:r>
+            <a:endParaRPr lang="en-US" dirty="0"/>
+          </a:p>
+        </p:txBody>
+      </p:sp>
+      <p:sp>
+        <p:nvSpPr>
+          <p:cNvPr id="4" name="Text Placeholder 3">
+            <a:extLst>
+              <a:ext uri="{FF2B5EF4-FFF2-40B4-BE49-F238E27FC236}">
+                <a16:creationId xmlns:a16="http://schemas.microsoft.com/office/drawing/2014/main" id="{198DB10C-3046-15F0-77A0-56BBDFBC16F5}"/>
+              </a:ext>
+            </a:extLst>
+          </p:cNvPr>
+          <p:cNvSpPr>
+            <a:spLocks noGrp="1"/>
+          </p:cNvSpPr>
+          <p:nvPr>
+            <p:ph type="body" sz="quarter" idx="12"/>
+          </p:nvPr>
+        </p:nvSpPr>
+        <p:spPr/>
+        <p:txBody>
+          <a:bodyPr/>
+          <a:lstStyle/>
+          <a:p>
+            <a:endParaRPr lang="de-DE" dirty="0"/>
+          </a:p>
+        </p:txBody>
+      </p:sp>
+      <p:pic>
+        <p:nvPicPr>
+          <p:cNvPr id="6" name="Picture 5">
+            <a:extLst>
+              <a:ext uri="{FF2B5EF4-FFF2-40B4-BE49-F238E27FC236}">
+                <a16:creationId xmlns:a16="http://schemas.microsoft.com/office/drawing/2014/main" id="{89D8A060-83C5-5385-B6A9-9CF79C5FF4B3}"/>
+              </a:ext>
+            </a:extLst>
+          </p:cNvPr>
+          <p:cNvPicPr>
+            <a:picLocks noChangeAspect="1"/>
+          </p:cNvPicPr>
+          <p:nvPr/>
+        </p:nvPicPr>
+        <p:blipFill>
+          <a:blip r:embed="rId2"/>
+          <a:srcRect l="-2209" t="19763" r="2209" b="53344"/>
+          <a:stretch/>
+        </p:blipFill>
+        <p:spPr>
+          <a:xfrm>
+            <a:off x="1287063" y="476266"/>
+            <a:ext cx="9617873" cy="5747658"/>
+          </a:xfrm>
+          <a:prstGeom prst="rect">
+            <a:avLst/>
+          </a:prstGeom>
+        </p:spPr>
+      </p:pic>
+    </p:spTree>
+    <p:extLst>
+      <p:ext uri="{BB962C8B-B14F-4D97-AF65-F5344CB8AC3E}">
+        <p14:creationId xmlns:p14="http://schemas.microsoft.com/office/powerpoint/2010/main" val="933742896"/>
+      </p:ext>
+    </p:extLst>
+  </p:cSld>
+  <p:clrMapOvr>
+    <a:masterClrMapping/>
+  </p:clrMapOvr>
+</p:sld>
+</file>
+
+<file path=ppt/slides/slide31.xml><?xml version="1.0" encoding="utf-8"?>
+<p:sld xmlns:a="http://schemas.openxmlformats.org/drawingml/2006/main" xmlns:r="http://schemas.openxmlformats.org/officeDocument/2006/relationships" xmlns:p="http://schemas.openxmlformats.org/presentationml/2006/main">
+  <p:cSld>
+    <p:spTree>
+      <p:nvGrpSpPr>
+        <p:cNvPr id="1" name="">
+          <a:extLst>
+            <a:ext uri="{FF2B5EF4-FFF2-40B4-BE49-F238E27FC236}">
+              <a16:creationId xmlns:a16="http://schemas.microsoft.com/office/drawing/2014/main" id="{5C520BDD-BDDF-462B-2758-5314B59B33D7}"/>
+            </a:ext>
+          </a:extLst>
+        </p:cNvPr>
+        <p:cNvGrpSpPr/>
+        <p:nvPr/>
+      </p:nvGrpSpPr>
+      <p:grpSpPr>
+        <a:xfrm>
+          <a:off x="0" y="0"/>
+          <a:ext cx="0" cy="0"/>
+          <a:chOff x="0" y="0"/>
+          <a:chExt cx="0" cy="0"/>
+        </a:xfrm>
+      </p:grpSpPr>
+      <p:sp>
+        <p:nvSpPr>
+          <p:cNvPr id="2" name="Title 1">
+            <a:extLst>
+              <a:ext uri="{FF2B5EF4-FFF2-40B4-BE49-F238E27FC236}">
+                <a16:creationId xmlns:a16="http://schemas.microsoft.com/office/drawing/2014/main" id="{123014F7-D207-4575-30EA-509489F5F313}"/>
+              </a:ext>
+            </a:extLst>
+          </p:cNvPr>
+          <p:cNvSpPr>
+            <a:spLocks noGrp="1"/>
+          </p:cNvSpPr>
+          <p:nvPr>
+            <p:ph type="title"/>
+          </p:nvPr>
+        </p:nvSpPr>
+        <p:spPr/>
+        <p:txBody>
+          <a:bodyPr/>
+          <a:lstStyle/>
+          <a:p>
+            <a:endParaRPr lang="de-DE"/>
+          </a:p>
+        </p:txBody>
+      </p:sp>
+      <p:sp>
+        <p:nvSpPr>
+          <p:cNvPr id="3" name="Footer Placeholder 2">
+            <a:extLst>
+              <a:ext uri="{FF2B5EF4-FFF2-40B4-BE49-F238E27FC236}">
+                <a16:creationId xmlns:a16="http://schemas.microsoft.com/office/drawing/2014/main" id="{3DCC4D2F-23E0-C8EB-3876-84878E10876D}"/>
+              </a:ext>
+            </a:extLst>
+          </p:cNvPr>
+          <p:cNvSpPr>
+            <a:spLocks noGrp="1"/>
+          </p:cNvSpPr>
+          <p:nvPr>
+            <p:ph type="ftr" sz="quarter" idx="11"/>
+          </p:nvPr>
+        </p:nvSpPr>
+        <p:spPr/>
+        <p:txBody>
+          <a:bodyPr/>
+          <a:lstStyle/>
+          <a:p>
+            <a:r>
+              <a:rPr lang="en-US"/>
+              <a:t>Elliot Kovanda – Data Scientist</a:t>
+            </a:r>
+            <a:endParaRPr lang="en-US" dirty="0"/>
+          </a:p>
+        </p:txBody>
+      </p:sp>
+      <p:sp>
+        <p:nvSpPr>
+          <p:cNvPr id="4" name="Text Placeholder 3">
+            <a:extLst>
+              <a:ext uri="{FF2B5EF4-FFF2-40B4-BE49-F238E27FC236}">
+                <a16:creationId xmlns:a16="http://schemas.microsoft.com/office/drawing/2014/main" id="{4207A3C1-9CCE-1EDD-8F82-49FC2CEF747E}"/>
+              </a:ext>
+            </a:extLst>
+          </p:cNvPr>
+          <p:cNvSpPr>
+            <a:spLocks noGrp="1"/>
+          </p:cNvSpPr>
+          <p:nvPr>
+            <p:ph type="body" sz="quarter" idx="12"/>
+          </p:nvPr>
+        </p:nvSpPr>
+        <p:spPr/>
+        <p:txBody>
+          <a:bodyPr/>
+          <a:lstStyle/>
+          <a:p>
+            <a:endParaRPr lang="de-DE" dirty="0"/>
+          </a:p>
+        </p:txBody>
+      </p:sp>
+      <p:pic>
+        <p:nvPicPr>
+          <p:cNvPr id="7" name="Picture 6">
+            <a:extLst>
+              <a:ext uri="{FF2B5EF4-FFF2-40B4-BE49-F238E27FC236}">
+                <a16:creationId xmlns:a16="http://schemas.microsoft.com/office/drawing/2014/main" id="{1A34E531-C05D-0357-77B7-3C6A1F3F4C7E}"/>
+              </a:ext>
+            </a:extLst>
+          </p:cNvPr>
+          <p:cNvPicPr>
+            <a:picLocks noChangeAspect="1"/>
+          </p:cNvPicPr>
+          <p:nvPr/>
+        </p:nvPicPr>
+        <p:blipFill>
+          <a:blip r:embed="rId2"/>
+          <a:srcRect t="61590" b="21106"/>
+          <a:stretch/>
+        </p:blipFill>
+        <p:spPr>
+          <a:xfrm>
+            <a:off x="1460585" y="1682086"/>
+            <a:ext cx="9562927" cy="3677299"/>
+          </a:xfrm>
+          <a:prstGeom prst="rect">
+            <a:avLst/>
+          </a:prstGeom>
+        </p:spPr>
+      </p:pic>
+    </p:spTree>
+    <p:extLst>
+      <p:ext uri="{BB962C8B-B14F-4D97-AF65-F5344CB8AC3E}">
+        <p14:creationId xmlns:p14="http://schemas.microsoft.com/office/powerpoint/2010/main" val="4115580774"/>
+      </p:ext>
+    </p:extLst>
+  </p:cSld>
+  <p:clrMapOvr>
+    <a:masterClrMapping/>
+  </p:clrMapOvr>
+</p:sld>
+</file>
+
+<file path=ppt/slides/slide32.xml><?xml version="1.0" encoding="utf-8"?>
+<p:sld xmlns:a="http://schemas.openxmlformats.org/drawingml/2006/main" xmlns:r="http://schemas.openxmlformats.org/officeDocument/2006/relationships" xmlns:p="http://schemas.openxmlformats.org/presentationml/2006/main">
+  <p:cSld>
+    <p:spTree>
+      <p:nvGrpSpPr>
+        <p:cNvPr id="1" name=""/>
+        <p:cNvGrpSpPr/>
+        <p:nvPr/>
+      </p:nvGrpSpPr>
+      <p:grpSpPr>
+        <a:xfrm>
+          <a:off x="0" y="0"/>
+          <a:ext cx="0" cy="0"/>
+          <a:chOff x="0" y="0"/>
+          <a:chExt cx="0" cy="0"/>
+        </a:xfrm>
+      </p:grpSpPr>
+      <p:sp>
+        <p:nvSpPr>
+          <p:cNvPr id="3" name="Footer Placeholder 2">
+            <a:extLst>
+              <a:ext uri="{FF2B5EF4-FFF2-40B4-BE49-F238E27FC236}">
+                <a16:creationId xmlns:a16="http://schemas.microsoft.com/office/drawing/2014/main" id="{DE279865-6C50-4671-F1A5-075D24E19D85}"/>
+              </a:ext>
+            </a:extLst>
+          </p:cNvPr>
+          <p:cNvSpPr>
+            <a:spLocks noGrp="1"/>
+          </p:cNvSpPr>
+          <p:nvPr>
+            <p:ph type="ftr" sz="quarter" idx="11"/>
+          </p:nvPr>
+        </p:nvSpPr>
+        <p:spPr/>
+        <p:txBody>
+          <a:bodyPr/>
+          <a:lstStyle/>
+          <a:p>
+            <a:r>
+              <a:rPr lang="en-US"/>
+              <a:t>Elliot Kovanda – Data Scientist</a:t>
+            </a:r>
+            <a:endParaRPr lang="en-US" dirty="0"/>
+          </a:p>
+        </p:txBody>
+      </p:sp>
+      <p:sp>
+        <p:nvSpPr>
+          <p:cNvPr id="5" name="Rectangle 4">
+            <a:extLst>
+              <a:ext uri="{FF2B5EF4-FFF2-40B4-BE49-F238E27FC236}">
+                <a16:creationId xmlns:a16="http://schemas.microsoft.com/office/drawing/2014/main" id="{791746C0-464A-B306-EB16-9846FF5FE488}"/>
+              </a:ext>
+            </a:extLst>
+          </p:cNvPr>
+          <p:cNvSpPr/>
+          <p:nvPr/>
+        </p:nvSpPr>
+        <p:spPr>
+          <a:xfrm>
+            <a:off x="2968171" y="1875971"/>
+            <a:ext cx="6255658" cy="3106057"/>
+          </a:xfrm>
+          <a:prstGeom prst="rect">
+            <a:avLst/>
+          </a:prstGeom>
+          <a:ln w="76200">
+            <a:solidFill>
+              <a:schemeClr val="tx1"/>
+            </a:solidFill>
+          </a:ln>
+        </p:spPr>
+        <p:style>
+          <a:lnRef idx="2">
+            <a:schemeClr val="accent1">
+              <a:shade val="15000"/>
+            </a:schemeClr>
+          </a:lnRef>
+          <a:fillRef idx="1">
+            <a:schemeClr val="accent1"/>
+          </a:fillRef>
+          <a:effectRef idx="0">
+            <a:schemeClr val="accent1"/>
+          </a:effectRef>
+          <a:fontRef idx="minor">
+            <a:schemeClr val="lt1"/>
+          </a:fontRef>
+        </p:style>
+        <p:txBody>
+          <a:bodyPr rtlCol="0" anchor="ctr"/>
+          <a:lstStyle/>
+          <a:p>
+            <a:pPr algn="ctr"/>
+            <a:r>
+              <a:rPr lang="de-DE" sz="4400" b="1" dirty="0"/>
+              <a:t>Aktive Übung ist essenziell 👩‍💻👨‍💻</a:t>
+            </a:r>
+          </a:p>
+        </p:txBody>
+      </p:sp>
+    </p:spTree>
+    <p:extLst>
+      <p:ext uri="{BB962C8B-B14F-4D97-AF65-F5344CB8AC3E}">
+        <p14:creationId xmlns:p14="http://schemas.microsoft.com/office/powerpoint/2010/main" val="3572993957"/>
+      </p:ext>
+    </p:extLst>
+  </p:cSld>
+  <p:clrMapOvr>
+    <a:masterClrMapping/>
+  </p:clrMapOvr>
+</p:sld>
+</file>
+
+<file path=ppt/slides/slide33.xml><?xml version="1.0" encoding="utf-8"?>
+<p:sld xmlns:a="http://schemas.openxmlformats.org/drawingml/2006/main" xmlns:r="http://schemas.openxmlformats.org/officeDocument/2006/relationships" xmlns:p="http://schemas.openxmlformats.org/presentationml/2006/main">
+  <p:cSld>
+    <p:spTree>
+      <p:nvGrpSpPr>
+        <p:cNvPr id="1" name="">
+          <a:extLst>
+            <a:ext uri="{FF2B5EF4-FFF2-40B4-BE49-F238E27FC236}">
+              <a16:creationId xmlns:a16="http://schemas.microsoft.com/office/drawing/2014/main" id="{FB7DC109-9171-C542-71FC-95B1C6E34BF9}"/>
+            </a:ext>
+          </a:extLst>
+        </p:cNvPr>
+        <p:cNvGrpSpPr/>
+        <p:nvPr/>
+      </p:nvGrpSpPr>
+      <p:grpSpPr>
+        <a:xfrm>
+          <a:off x="0" y="0"/>
+          <a:ext cx="0" cy="0"/>
+          <a:chOff x="0" y="0"/>
+          <a:chExt cx="0" cy="0"/>
+        </a:xfrm>
+      </p:grpSpPr>
+      <p:sp>
+        <p:nvSpPr>
+          <p:cNvPr id="3" name="Footer Placeholder 2">
+            <a:extLst>
+              <a:ext uri="{FF2B5EF4-FFF2-40B4-BE49-F238E27FC236}">
+                <a16:creationId xmlns:a16="http://schemas.microsoft.com/office/drawing/2014/main" id="{C693EB8D-51C2-CEF8-7DAA-AC4C998F478B}"/>
+              </a:ext>
+            </a:extLst>
+          </p:cNvPr>
+          <p:cNvSpPr>
+            <a:spLocks noGrp="1"/>
+          </p:cNvSpPr>
+          <p:nvPr>
+            <p:ph type="ftr" sz="quarter" idx="11"/>
+          </p:nvPr>
+        </p:nvSpPr>
+        <p:spPr/>
+        <p:txBody>
+          <a:bodyPr/>
+          <a:lstStyle/>
+          <a:p>
+            <a:r>
+              <a:rPr lang="en-US"/>
+              <a:t>Elliot Kovanda – Data Scientist</a:t>
+            </a:r>
+            <a:endParaRPr lang="en-US" dirty="0"/>
+          </a:p>
+        </p:txBody>
+      </p:sp>
+      <p:sp>
+        <p:nvSpPr>
+          <p:cNvPr id="5" name="Rectangle 4">
+            <a:extLst>
+              <a:ext uri="{FF2B5EF4-FFF2-40B4-BE49-F238E27FC236}">
+                <a16:creationId xmlns:a16="http://schemas.microsoft.com/office/drawing/2014/main" id="{F87469C5-FE7F-55E0-871B-018522DCE5B7}"/>
+              </a:ext>
+            </a:extLst>
+          </p:cNvPr>
+          <p:cNvSpPr/>
+          <p:nvPr/>
+        </p:nvSpPr>
+        <p:spPr>
+          <a:xfrm>
+            <a:off x="2968171" y="1875971"/>
+            <a:ext cx="6255658" cy="3106057"/>
+          </a:xfrm>
+          <a:prstGeom prst="rect">
+            <a:avLst/>
+          </a:prstGeom>
+          <a:ln w="76200">
+            <a:solidFill>
+              <a:schemeClr val="tx1"/>
+            </a:solidFill>
+          </a:ln>
+        </p:spPr>
+        <p:style>
+          <a:lnRef idx="2">
+            <a:schemeClr val="accent1">
+              <a:shade val="15000"/>
+            </a:schemeClr>
+          </a:lnRef>
+          <a:fillRef idx="1">
+            <a:schemeClr val="accent1"/>
+          </a:fillRef>
+          <a:effectRef idx="0">
+            <a:schemeClr val="accent1"/>
+          </a:effectRef>
+          <a:fontRef idx="minor">
+            <a:schemeClr val="lt1"/>
+          </a:fontRef>
+        </p:style>
+        <p:txBody>
+          <a:bodyPr rtlCol="0" anchor="ctr"/>
+          <a:lstStyle/>
+          <a:p>
+            <a:pPr algn="ctr"/>
+            <a:r>
+              <a:rPr lang="de-DE" sz="4400" b="1" dirty="0"/>
+              <a:t>Meldet euch </a:t>
+            </a:r>
+            <a:br>
+              <a:rPr lang="de-DE" sz="4400" b="1" dirty="0"/>
+            </a:br>
+            <a:r>
+              <a:rPr lang="de-DE" sz="4400" b="1" dirty="0"/>
+              <a:t>für meinen fortgeschrittenen </a:t>
+            </a:r>
+            <a:br>
+              <a:rPr lang="de-DE" sz="4400" b="1" dirty="0"/>
+            </a:br>
+            <a:r>
+              <a:rPr lang="de-DE" sz="4400" b="1" dirty="0"/>
+              <a:t>Kurs an </a:t>
+            </a:r>
+            <a:r>
+              <a:rPr lang="de-DE" sz="3600" b="1" dirty="0"/>
+              <a:t>😊</a:t>
+            </a:r>
+            <a:endParaRPr lang="de-DE" sz="4400" b="1" dirty="0"/>
+          </a:p>
+        </p:txBody>
+      </p:sp>
+    </p:spTree>
+    <p:extLst>
+      <p:ext uri="{BB962C8B-B14F-4D97-AF65-F5344CB8AC3E}">
+        <p14:creationId xmlns:p14="http://schemas.microsoft.com/office/powerpoint/2010/main" val="87114236"/>
       </p:ext>
     </p:extLst>
   </p:cSld>
@@ -19214,7 +21351,7 @@
         <p:spPr/>
         <p:txBody>
           <a:bodyPr>
-            <a:normAutofit fontScale="92500" lnSpcReduction="10000"/>
+            <a:normAutofit/>
           </a:bodyPr>
           <a:lstStyle/>
           <a:p>
@@ -19228,31 +21365,6 @@
               <a:rPr lang="de-DE" dirty="0"/>
               <a:t>Data Scientist @ Commerzbank</a:t>
             </a:r>
-          </a:p>
-          <a:p>
-            <a:pPr>
-              <a:buFont typeface="Century Gothic" panose="020B0502020202020204" pitchFamily="34" charset="0"/>
-              <a:buChar char="•"/>
-            </a:pPr>
-            <a:r>
-              <a:rPr lang="de-DE" dirty="0"/>
-              <a:t>Ich arbeite mit Daten &amp; entwickle KI</a:t>
-            </a:r>
-          </a:p>
-          <a:p>
-            <a:pPr>
-              <a:buFont typeface="Century Gothic" panose="020B0502020202020204" pitchFamily="34" charset="0"/>
-              <a:buChar char="•"/>
-            </a:pPr>
-            <a:r>
-              <a:rPr lang="de-DE" dirty="0"/>
-              <a:t>Meine Lieblingsbibliothek ist </a:t>
-            </a:r>
-            <a:r>
-              <a:rPr lang="de-DE" dirty="0" err="1"/>
-              <a:t>pandas</a:t>
-            </a:r>
-            <a:endParaRPr lang="de-DE" dirty="0"/>
           </a:p>
           <a:p>
             <a:pPr marL="0" indent="0">
@@ -19562,7 +21674,27 @@
                   </a:schemeClr>
                 </a:solidFill>
               </a:rPr>
-              <a:t>Mittagspause 13:30 – 14:15</a:t>
+              <a:t>Mittagspause ca</a:t>
+            </a:r>
+            <a:r>
+              <a:rPr lang="de-DE" b="1" dirty="0">
+                <a:solidFill>
+                  <a:schemeClr val="accent4">
+                    <a:lumMod val="50000"/>
+                  </a:schemeClr>
+                </a:solidFill>
+              </a:rPr>
+              <a:t>. </a:t>
+            </a:r>
+            <a:r>
+              <a:rPr lang="de-DE" sz="2400" b="1" dirty="0">
+                <a:solidFill>
+                  <a:schemeClr val="accent4">
+                    <a:lumMod val="50000"/>
+                  </a:schemeClr>
+                </a:solidFill>
+              </a:rPr>
+              <a:t>13:30 – 14:15</a:t>
             </a:r>
             <a:br>
               <a:rPr lang="de-DE" b="1" dirty="0"/>
